--- a/docs/part2os/06_Processes/OS_Lecture_06.pptx
+++ b/docs/part2os/06_Processes/OS_Lecture_06.pptx
@@ -5,10 +5,10 @@
     <p:sldMasterId id="2147483648" r:id="rId1"/>
   </p:sldMasterIdLst>
   <p:notesMasterIdLst>
-    <p:notesMasterId r:id="rId28"/>
+    <p:notesMasterId r:id="rId40"/>
   </p:notesMasterIdLst>
   <p:handoutMasterIdLst>
-    <p:handoutMasterId r:id="rId29"/>
+    <p:handoutMasterId r:id="rId41"/>
   </p:handoutMasterIdLst>
   <p:sldIdLst>
     <p:sldId id="256" r:id="rId2"/>
@@ -26,17 +26,29 @@
     <p:sldId id="300" r:id="rId14"/>
     <p:sldId id="285" r:id="rId15"/>
     <p:sldId id="301" r:id="rId16"/>
-    <p:sldId id="287" r:id="rId17"/>
-    <p:sldId id="288" r:id="rId18"/>
-    <p:sldId id="289" r:id="rId19"/>
-    <p:sldId id="290" r:id="rId20"/>
-    <p:sldId id="302" r:id="rId21"/>
-    <p:sldId id="292" r:id="rId22"/>
-    <p:sldId id="293" r:id="rId23"/>
-    <p:sldId id="294" r:id="rId24"/>
-    <p:sldId id="295" r:id="rId25"/>
-    <p:sldId id="296" r:id="rId26"/>
-    <p:sldId id="272" r:id="rId27"/>
+    <p:sldId id="288" r:id="rId17"/>
+    <p:sldId id="289" r:id="rId18"/>
+    <p:sldId id="290" r:id="rId19"/>
+    <p:sldId id="302" r:id="rId20"/>
+    <p:sldId id="292" r:id="rId21"/>
+    <p:sldId id="293" r:id="rId22"/>
+    <p:sldId id="294" r:id="rId23"/>
+    <p:sldId id="295" r:id="rId24"/>
+    <p:sldId id="296" r:id="rId25"/>
+    <p:sldId id="311" r:id="rId26"/>
+    <p:sldId id="320" r:id="rId27"/>
+    <p:sldId id="313" r:id="rId28"/>
+    <p:sldId id="314" r:id="rId29"/>
+    <p:sldId id="318" r:id="rId30"/>
+    <p:sldId id="319" r:id="rId31"/>
+    <p:sldId id="309" r:id="rId32"/>
+    <p:sldId id="303" r:id="rId33"/>
+    <p:sldId id="304" r:id="rId34"/>
+    <p:sldId id="305" r:id="rId35"/>
+    <p:sldId id="306" r:id="rId36"/>
+    <p:sldId id="307" r:id="rId37"/>
+    <p:sldId id="308" r:id="rId38"/>
+    <p:sldId id="272" r:id="rId39"/>
   </p:sldIdLst>
   <p:sldSz cx="12192000" cy="6858000"/>
   <p:notesSz cx="6858000" cy="9144000"/>
@@ -137,7 +149,7 @@
   </p:defaultTextStyle>
   <p:extLst>
     <p:ext uri="{EFAFB233-063F-42B5-8137-9DF3F51BA10A}">
-      <p15:sldGuideLst xmlns="" xmlns:p15="http://schemas.microsoft.com/office/powerpoint/2012/main">
+      <p15:sldGuideLst xmlns:p15="http://schemas.microsoft.com/office/powerpoint/2012/main" xmlns="">
         <p15:guide id="1" orient="horz" pos="2160">
           <p15:clr>
             <a:srgbClr val="A4A3A4"/>
@@ -151,7 +163,7 @@
       </p15:sldGuideLst>
     </p:ext>
     <p:ext uri="{2D200454-40CA-4A62-9FC3-DE9A4176ACB9}">
-      <p15:notesGuideLst xmlns="" xmlns:p15="http://schemas.microsoft.com/office/powerpoint/2012/main">
+      <p15:notesGuideLst xmlns:p15="http://schemas.microsoft.com/office/powerpoint/2012/main" xmlns="">
         <p15:guide id="1" orient="horz" pos="2880">
           <p15:clr>
             <a:srgbClr val="A4A3A4"/>
@@ -259,7 +271,7 @@
             <a:fld id="{D0106195-8D78-4F6F-B8E4-FA67975ACEF5}" type="datetimeFigureOut">
               <a:rPr lang="ru-RU" smtClean="0"/>
               <a:pPr/>
-              <a:t>11.04.2021</a:t>
+              <a:t>12.04.2021</a:t>
             </a:fld>
             <a:endParaRPr lang="ru-RU"/>
           </a:p>
@@ -335,7 +347,7 @@
     </p:spTree>
     <p:extLst>
       <p:ext uri="{BB962C8B-B14F-4D97-AF65-F5344CB8AC3E}">
-        <p14:creationId xmlns="" xmlns:p14="http://schemas.microsoft.com/office/powerpoint/2010/main" val="827279973"/>
+        <p14:creationId xmlns:p14="http://schemas.microsoft.com/office/powerpoint/2010/main" xmlns="" val="827279973"/>
       </p:ext>
     </p:extLst>
   </p:cSld>
@@ -427,7 +439,7 @@
             <a:fld id="{878212F1-C3D9-4F2B-8F42-5E960FE8BE51}" type="datetimeFigureOut">
               <a:rPr lang="ru-RU" smtClean="0"/>
               <a:pPr/>
-              <a:t>11.04.2021</a:t>
+              <a:t>12.04.2021</a:t>
             </a:fld>
             <a:endParaRPr lang="ru-RU"/>
           </a:p>
@@ -596,7 +608,7 @@
     </p:spTree>
     <p:extLst>
       <p:ext uri="{BB962C8B-B14F-4D97-AF65-F5344CB8AC3E}">
-        <p14:creationId xmlns="" xmlns:p14="http://schemas.microsoft.com/office/powerpoint/2010/main" val="3865021395"/>
+        <p14:creationId xmlns:p14="http://schemas.microsoft.com/office/powerpoint/2010/main" xmlns="" val="3865021395"/>
       </p:ext>
     </p:extLst>
   </p:cSld>
@@ -810,7 +822,7 @@
     </p:spTree>
     <p:extLst>
       <p:ext uri="{BB962C8B-B14F-4D97-AF65-F5344CB8AC3E}">
-        <p14:creationId xmlns="" xmlns:p14="http://schemas.microsoft.com/office/powerpoint/2010/main" val="2381791527"/>
+        <p14:creationId xmlns:p14="http://schemas.microsoft.com/office/powerpoint/2010/main" xmlns="" val="2381791527"/>
       </p:ext>
     </p:extLst>
   </p:cSld>
@@ -839,9 +851,9 @@
       </p:grpSpPr>
       <p:sp>
         <p:nvSpPr>
-          <p:cNvPr id="84994" name="Rectangle 2"/>
-          <p:cNvSpPr>
-            <a:spLocks noChangeArrowheads="1" noTextEdit="1"/>
+          <p:cNvPr id="86018" name="Rectangle 2"/>
+          <p:cNvSpPr>
+            <a:spLocks noGrp="1" noRot="1" noChangeAspect="1" noChangeArrowheads="1" noTextEdit="1"/>
           </p:cNvSpPr>
           <p:nvPr>
             <p:ph type="sldImg"/>
@@ -853,7 +865,7 @@
       </p:sp>
       <p:sp>
         <p:nvSpPr>
-          <p:cNvPr id="84995" name="Rectangle 3"/>
+          <p:cNvPr id="86019" name="Rectangle 3"/>
           <p:cNvSpPr>
             <a:spLocks noGrp="1" noChangeArrowheads="1"/>
           </p:cNvSpPr>
@@ -902,9 +914,9 @@
       </p:grpSpPr>
       <p:sp>
         <p:nvSpPr>
-          <p:cNvPr id="86018" name="Rectangle 2"/>
-          <p:cNvSpPr>
-            <a:spLocks noChangeArrowheads="1" noTextEdit="1"/>
+          <p:cNvPr id="87042" name="Rectangle 2"/>
+          <p:cNvSpPr>
+            <a:spLocks noGrp="1" noRot="1" noChangeAspect="1" noChangeArrowheads="1" noTextEdit="1"/>
           </p:cNvSpPr>
           <p:nvPr>
             <p:ph type="sldImg"/>
@@ -916,7 +928,7 @@
       </p:sp>
       <p:sp>
         <p:nvSpPr>
-          <p:cNvPr id="86019" name="Rectangle 3"/>
+          <p:cNvPr id="87043" name="Rectangle 3"/>
           <p:cNvSpPr>
             <a:spLocks noGrp="1" noChangeArrowheads="1"/>
           </p:cNvSpPr>
@@ -965,9 +977,9 @@
       </p:grpSpPr>
       <p:sp>
         <p:nvSpPr>
-          <p:cNvPr id="87042" name="Rectangle 2"/>
-          <p:cNvSpPr>
-            <a:spLocks noChangeArrowheads="1" noTextEdit="1"/>
+          <p:cNvPr id="88066" name="Rectangle 2"/>
+          <p:cNvSpPr>
+            <a:spLocks noGrp="1" noRot="1" noChangeAspect="1" noChangeArrowheads="1" noTextEdit="1"/>
           </p:cNvSpPr>
           <p:nvPr>
             <p:ph type="sldImg"/>
@@ -979,7 +991,7 @@
       </p:sp>
       <p:sp>
         <p:nvSpPr>
-          <p:cNvPr id="87043" name="Rectangle 3"/>
+          <p:cNvPr id="88067" name="Rectangle 3"/>
           <p:cNvSpPr>
             <a:spLocks noGrp="1" noChangeArrowheads="1"/>
           </p:cNvSpPr>
@@ -1028,9 +1040,9 @@
       </p:grpSpPr>
       <p:sp>
         <p:nvSpPr>
-          <p:cNvPr id="88066" name="Rectangle 2"/>
-          <p:cNvSpPr>
-            <a:spLocks noChangeArrowheads="1" noTextEdit="1"/>
+          <p:cNvPr id="90114" name="Rectangle 2"/>
+          <p:cNvSpPr>
+            <a:spLocks noGrp="1" noRot="1" noChangeAspect="1" noChangeArrowheads="1" noTextEdit="1"/>
           </p:cNvSpPr>
           <p:nvPr>
             <p:ph type="sldImg"/>
@@ -1042,7 +1054,7 @@
       </p:sp>
       <p:sp>
         <p:nvSpPr>
-          <p:cNvPr id="88067" name="Rectangle 3"/>
+          <p:cNvPr id="90115" name="Rectangle 3"/>
           <p:cNvSpPr>
             <a:spLocks noGrp="1" noChangeArrowheads="1"/>
           </p:cNvSpPr>
@@ -1091,9 +1103,9 @@
       </p:grpSpPr>
       <p:sp>
         <p:nvSpPr>
-          <p:cNvPr id="90114" name="Rectangle 2"/>
-          <p:cNvSpPr>
-            <a:spLocks noChangeArrowheads="1" noTextEdit="1"/>
+          <p:cNvPr id="91138" name="Rectangle 2"/>
+          <p:cNvSpPr>
+            <a:spLocks noGrp="1" noRot="1" noChangeAspect="1" noChangeArrowheads="1" noTextEdit="1"/>
           </p:cNvSpPr>
           <p:nvPr>
             <p:ph type="sldImg"/>
@@ -1105,7 +1117,7 @@
       </p:sp>
       <p:sp>
         <p:nvSpPr>
-          <p:cNvPr id="90115" name="Rectangle 3"/>
+          <p:cNvPr id="91139" name="Rectangle 3"/>
           <p:cNvSpPr>
             <a:spLocks noGrp="1" noChangeArrowheads="1"/>
           </p:cNvSpPr>
@@ -1154,9 +1166,9 @@
       </p:grpSpPr>
       <p:sp>
         <p:nvSpPr>
-          <p:cNvPr id="91138" name="Rectangle 2"/>
-          <p:cNvSpPr>
-            <a:spLocks noChangeArrowheads="1" noTextEdit="1"/>
+          <p:cNvPr id="92162" name="Rectangle 2"/>
+          <p:cNvSpPr>
+            <a:spLocks noGrp="1" noRot="1" noChangeAspect="1" noChangeArrowheads="1" noTextEdit="1"/>
           </p:cNvSpPr>
           <p:nvPr>
             <p:ph type="sldImg"/>
@@ -1168,7 +1180,7 @@
       </p:sp>
       <p:sp>
         <p:nvSpPr>
-          <p:cNvPr id="91139" name="Rectangle 3"/>
+          <p:cNvPr id="92163" name="Rectangle 3"/>
           <p:cNvSpPr>
             <a:spLocks noGrp="1" noChangeArrowheads="1"/>
           </p:cNvSpPr>
@@ -1217,9 +1229,9 @@
       </p:grpSpPr>
       <p:sp>
         <p:nvSpPr>
-          <p:cNvPr id="92162" name="Rectangle 2"/>
-          <p:cNvSpPr>
-            <a:spLocks noChangeArrowheads="1" noTextEdit="1"/>
+          <p:cNvPr id="93186" name="Rectangle 2"/>
+          <p:cNvSpPr>
+            <a:spLocks noGrp="1" noRot="1" noChangeAspect="1" noChangeArrowheads="1" noTextEdit="1"/>
           </p:cNvSpPr>
           <p:nvPr>
             <p:ph type="sldImg"/>
@@ -1231,7 +1243,7 @@
       </p:sp>
       <p:sp>
         <p:nvSpPr>
-          <p:cNvPr id="92163" name="Rectangle 3"/>
+          <p:cNvPr id="93187" name="Rectangle 3"/>
           <p:cNvSpPr>
             <a:spLocks noGrp="1" noChangeArrowheads="1"/>
           </p:cNvSpPr>
@@ -1280,9 +1292,9 @@
       </p:grpSpPr>
       <p:sp>
         <p:nvSpPr>
-          <p:cNvPr id="93186" name="Rectangle 2"/>
-          <p:cNvSpPr>
-            <a:spLocks noChangeArrowheads="1" noTextEdit="1"/>
+          <p:cNvPr id="94210" name="Rectangle 2"/>
+          <p:cNvSpPr>
+            <a:spLocks noGrp="1" noRot="1" noChangeAspect="1" noChangeArrowheads="1" noTextEdit="1"/>
           </p:cNvSpPr>
           <p:nvPr>
             <p:ph type="sldImg"/>
@@ -1294,7 +1306,7 @@
       </p:sp>
       <p:sp>
         <p:nvSpPr>
-          <p:cNvPr id="93187" name="Rectangle 3"/>
+          <p:cNvPr id="94211" name="Rectangle 3"/>
           <p:cNvSpPr>
             <a:spLocks noGrp="1" noChangeArrowheads="1"/>
           </p:cNvSpPr>
@@ -1343,7 +1355,7 @@
       </p:grpSpPr>
       <p:sp>
         <p:nvSpPr>
-          <p:cNvPr id="94210" name="Rectangle 2"/>
+          <p:cNvPr id="96258" name="Rectangle 2"/>
           <p:cNvSpPr>
             <a:spLocks noChangeArrowheads="1" noTextEdit="1"/>
           </p:cNvSpPr>
@@ -1357,7 +1369,7 @@
       </p:sp>
       <p:sp>
         <p:nvSpPr>
-          <p:cNvPr id="94211" name="Rectangle 3"/>
+          <p:cNvPr id="96259" name="Rectangle 3"/>
           <p:cNvSpPr>
             <a:spLocks noGrp="1" noChangeArrowheads="1"/>
           </p:cNvSpPr>
@@ -1406,103 +1418,43 @@
       </p:grpSpPr>
       <p:sp>
         <p:nvSpPr>
-          <p:cNvPr id="2" name="Образ слайда 1"/>
-          <p:cNvSpPr>
-            <a:spLocks noGrp="1" noRot="1" noChangeAspect="1"/>
+          <p:cNvPr id="98306" name="Rectangle 2"/>
+          <p:cNvSpPr>
+            <a:spLocks noChangeArrowheads="1" noTextEdit="1"/>
           </p:cNvSpPr>
           <p:nvPr>
             <p:ph type="sldImg"/>
           </p:nvPr>
         </p:nvSpPr>
-        <p:spPr/>
-      </p:sp>
-      <p:sp>
-        <p:nvSpPr>
-          <p:cNvPr id="3" name="Заметки 2"/>
-          <p:cNvSpPr>
-            <a:spLocks noGrp="1"/>
+        <p:spPr>
+          <a:ln/>
+        </p:spPr>
+      </p:sp>
+      <p:sp>
+        <p:nvSpPr>
+          <p:cNvPr id="98307" name="Rectangle 3"/>
+          <p:cNvSpPr>
+            <a:spLocks noGrp="1" noChangeArrowheads="1"/>
           </p:cNvSpPr>
           <p:nvPr>
             <p:ph type="body" idx="1"/>
           </p:nvPr>
         </p:nvSpPr>
-        <p:spPr/>
+        <p:spPr>
+          <a:noFill/>
+          <a:ln/>
+        </p:spPr>
         <p:txBody>
           <a:bodyPr/>
           <a:lstStyle/>
           <a:p>
-            <a:endParaRPr lang="ru-RU" dirty="0"/>
-          </a:p>
-        </p:txBody>
-      </p:sp>
-      <p:sp>
-        <p:nvSpPr>
-          <p:cNvPr id="4" name="Верхний колонтитул 3"/>
-          <p:cNvSpPr>
-            <a:spLocks noGrp="1"/>
-          </p:cNvSpPr>
-          <p:nvPr>
-            <p:ph type="hdr" sz="quarter" idx="10"/>
-          </p:nvPr>
-        </p:nvSpPr>
-        <p:spPr/>
-        <p:txBody>
-          <a:bodyPr/>
-          <a:lstStyle/>
-          <a:p>
-            <a:endParaRPr lang="ru-RU"/>
-          </a:p>
-        </p:txBody>
-      </p:sp>
-      <p:sp>
-        <p:nvSpPr>
-          <p:cNvPr id="5" name="Нижний колонтитул 4"/>
-          <p:cNvSpPr>
-            <a:spLocks noGrp="1"/>
-          </p:cNvSpPr>
-          <p:nvPr>
-            <p:ph type="ftr" sz="quarter" idx="11"/>
-          </p:nvPr>
-        </p:nvSpPr>
-        <p:spPr/>
-        <p:txBody>
-          <a:bodyPr/>
-          <a:lstStyle/>
-          <a:p>
-            <a:endParaRPr lang="ru-RU"/>
-          </a:p>
-        </p:txBody>
-      </p:sp>
-      <p:sp>
-        <p:nvSpPr>
-          <p:cNvPr id="6" name="Номер слайда 5"/>
-          <p:cNvSpPr>
-            <a:spLocks noGrp="1"/>
-          </p:cNvSpPr>
-          <p:nvPr>
-            <p:ph type="sldNum" sz="quarter" idx="12"/>
-          </p:nvPr>
-        </p:nvSpPr>
-        <p:spPr/>
-        <p:txBody>
-          <a:bodyPr/>
-          <a:lstStyle/>
-          <a:p>
-            <a:fld id="{5583B3A5-99BF-45D9-956B-DC57CC23AD97}" type="slidenum">
-              <a:rPr lang="ru-RU" smtClean="0"/>
-              <a:pPr/>
-              <a:t>26</a:t>
-            </a:fld>
-            <a:endParaRPr lang="ru-RU"/>
+            <a:endParaRPr lang="ru-RU" smtClean="0">
+              <a:latin typeface="Times New Roman" pitchFamily="18" charset="0"/>
+            </a:endParaRPr>
           </a:p>
         </p:txBody>
       </p:sp>
     </p:spTree>
-    <p:extLst>
-      <p:ext uri="{BB962C8B-B14F-4D97-AF65-F5344CB8AC3E}">
-        <p14:creationId xmlns="" xmlns:p14="http://schemas.microsoft.com/office/powerpoint/2010/main" val="1915950851"/>
-      </p:ext>
-    </p:extLst>
   </p:cSld>
   <p:clrMapOvr>
     <a:masterClrMapping/>
@@ -1531,7 +1483,7 @@
         <p:nvSpPr>
           <p:cNvPr id="71682" name="Rectangle 2"/>
           <p:cNvSpPr>
-            <a:spLocks noChangeArrowheads="1" noTextEdit="1"/>
+            <a:spLocks noGrp="1" noRot="1" noChangeAspect="1" noChangeArrowheads="1" noTextEdit="1"/>
           </p:cNvSpPr>
           <p:nvPr>
             <p:ph type="sldImg"/>
@@ -1566,6 +1518,506 @@
         </p:txBody>
       </p:sp>
     </p:spTree>
+  </p:cSld>
+  <p:clrMapOvr>
+    <a:masterClrMapping/>
+  </p:clrMapOvr>
+</p:notes>
+</file>
+
+<file path=ppt/notesSlides/notesSlide20.xml><?xml version="1.0" encoding="utf-8"?>
+<p:notes xmlns:a="http://schemas.openxmlformats.org/drawingml/2006/main" xmlns:r="http://schemas.openxmlformats.org/officeDocument/2006/relationships" xmlns:p="http://schemas.openxmlformats.org/presentationml/2006/main">
+  <p:cSld>
+    <p:spTree>
+      <p:nvGrpSpPr>
+        <p:cNvPr id="1" name=""/>
+        <p:cNvGrpSpPr/>
+        <p:nvPr/>
+      </p:nvGrpSpPr>
+      <p:grpSpPr>
+        <a:xfrm>
+          <a:off x="0" y="0"/>
+          <a:ext cx="0" cy="0"/>
+          <a:chOff x="0" y="0"/>
+          <a:chExt cx="0" cy="0"/>
+        </a:xfrm>
+      </p:grpSpPr>
+      <p:sp>
+        <p:nvSpPr>
+          <p:cNvPr id="99330" name="Rectangle 2"/>
+          <p:cNvSpPr>
+            <a:spLocks noChangeArrowheads="1" noTextEdit="1"/>
+          </p:cNvSpPr>
+          <p:nvPr>
+            <p:ph type="sldImg"/>
+          </p:nvPr>
+        </p:nvSpPr>
+        <p:spPr>
+          <a:ln/>
+        </p:spPr>
+      </p:sp>
+      <p:sp>
+        <p:nvSpPr>
+          <p:cNvPr id="99331" name="Rectangle 3"/>
+          <p:cNvSpPr>
+            <a:spLocks noGrp="1" noChangeArrowheads="1"/>
+          </p:cNvSpPr>
+          <p:nvPr>
+            <p:ph type="body" idx="1"/>
+          </p:nvPr>
+        </p:nvSpPr>
+        <p:spPr>
+          <a:noFill/>
+          <a:ln/>
+        </p:spPr>
+        <p:txBody>
+          <a:bodyPr/>
+          <a:lstStyle/>
+          <a:p>
+            <a:endParaRPr lang="ru-RU" smtClean="0">
+              <a:latin typeface="Times New Roman" pitchFamily="18" charset="0"/>
+            </a:endParaRPr>
+          </a:p>
+        </p:txBody>
+      </p:sp>
+    </p:spTree>
+  </p:cSld>
+  <p:clrMapOvr>
+    <a:masterClrMapping/>
+  </p:clrMapOvr>
+</p:notes>
+</file>
+
+<file path=ppt/notesSlides/notesSlide21.xml><?xml version="1.0" encoding="utf-8"?>
+<p:notes xmlns:a="http://schemas.openxmlformats.org/drawingml/2006/main" xmlns:r="http://schemas.openxmlformats.org/officeDocument/2006/relationships" xmlns:p="http://schemas.openxmlformats.org/presentationml/2006/main">
+  <p:cSld>
+    <p:spTree>
+      <p:nvGrpSpPr>
+        <p:cNvPr id="1" name=""/>
+        <p:cNvGrpSpPr/>
+        <p:nvPr/>
+      </p:nvGrpSpPr>
+      <p:grpSpPr>
+        <a:xfrm>
+          <a:off x="0" y="0"/>
+          <a:ext cx="0" cy="0"/>
+          <a:chOff x="0" y="0"/>
+          <a:chExt cx="0" cy="0"/>
+        </a:xfrm>
+      </p:grpSpPr>
+      <p:sp>
+        <p:nvSpPr>
+          <p:cNvPr id="103426" name="Rectangle 2"/>
+          <p:cNvSpPr>
+            <a:spLocks noChangeArrowheads="1" noTextEdit="1"/>
+          </p:cNvSpPr>
+          <p:nvPr>
+            <p:ph type="sldImg"/>
+          </p:nvPr>
+        </p:nvSpPr>
+        <p:spPr>
+          <a:ln/>
+        </p:spPr>
+      </p:sp>
+      <p:sp>
+        <p:nvSpPr>
+          <p:cNvPr id="103427" name="Rectangle 3"/>
+          <p:cNvSpPr>
+            <a:spLocks noGrp="1" noChangeArrowheads="1"/>
+          </p:cNvSpPr>
+          <p:nvPr>
+            <p:ph type="body" idx="1"/>
+          </p:nvPr>
+        </p:nvSpPr>
+        <p:spPr>
+          <a:noFill/>
+          <a:ln/>
+        </p:spPr>
+        <p:txBody>
+          <a:bodyPr/>
+          <a:lstStyle/>
+          <a:p>
+            <a:endParaRPr lang="en-US" altLang="en-US" smtClean="0">
+              <a:latin typeface="Times New Roman" pitchFamily="18" charset="0"/>
+            </a:endParaRPr>
+          </a:p>
+        </p:txBody>
+      </p:sp>
+    </p:spTree>
+  </p:cSld>
+  <p:clrMapOvr>
+    <a:masterClrMapping/>
+  </p:clrMapOvr>
+</p:notes>
+</file>
+
+<file path=ppt/notesSlides/notesSlide22.xml><?xml version="1.0" encoding="utf-8"?>
+<p:notes xmlns:a="http://schemas.openxmlformats.org/drawingml/2006/main" xmlns:r="http://schemas.openxmlformats.org/officeDocument/2006/relationships" xmlns:p="http://schemas.openxmlformats.org/presentationml/2006/main">
+  <p:cSld>
+    <p:spTree>
+      <p:nvGrpSpPr>
+        <p:cNvPr id="1" name=""/>
+        <p:cNvGrpSpPr/>
+        <p:nvPr/>
+      </p:nvGrpSpPr>
+      <p:grpSpPr>
+        <a:xfrm>
+          <a:off x="0" y="0"/>
+          <a:ext cx="0" cy="0"/>
+          <a:chOff x="0" y="0"/>
+          <a:chExt cx="0" cy="0"/>
+        </a:xfrm>
+      </p:grpSpPr>
+      <p:sp>
+        <p:nvSpPr>
+          <p:cNvPr id="104450" name="Rectangle 2"/>
+          <p:cNvSpPr>
+            <a:spLocks noChangeArrowheads="1" noTextEdit="1"/>
+          </p:cNvSpPr>
+          <p:nvPr>
+            <p:ph type="sldImg"/>
+          </p:nvPr>
+        </p:nvSpPr>
+        <p:spPr>
+          <a:ln/>
+        </p:spPr>
+      </p:sp>
+      <p:sp>
+        <p:nvSpPr>
+          <p:cNvPr id="104451" name="Rectangle 3"/>
+          <p:cNvSpPr>
+            <a:spLocks noGrp="1" noChangeArrowheads="1"/>
+          </p:cNvSpPr>
+          <p:nvPr>
+            <p:ph type="body" idx="1"/>
+          </p:nvPr>
+        </p:nvSpPr>
+        <p:spPr>
+          <a:noFill/>
+          <a:ln/>
+        </p:spPr>
+        <p:txBody>
+          <a:bodyPr/>
+          <a:lstStyle/>
+          <a:p>
+            <a:endParaRPr lang="en-US" altLang="en-US" smtClean="0">
+              <a:latin typeface="Times New Roman" pitchFamily="18" charset="0"/>
+            </a:endParaRPr>
+          </a:p>
+        </p:txBody>
+      </p:sp>
+    </p:spTree>
+  </p:cSld>
+  <p:clrMapOvr>
+    <a:masterClrMapping/>
+  </p:clrMapOvr>
+</p:notes>
+</file>
+
+<file path=ppt/notesSlides/notesSlide23.xml><?xml version="1.0" encoding="utf-8"?>
+<p:notes xmlns:a="http://schemas.openxmlformats.org/drawingml/2006/main" xmlns:r="http://schemas.openxmlformats.org/officeDocument/2006/relationships" xmlns:p="http://schemas.openxmlformats.org/presentationml/2006/main">
+  <p:cSld>
+    <p:spTree>
+      <p:nvGrpSpPr>
+        <p:cNvPr id="1" name=""/>
+        <p:cNvGrpSpPr/>
+        <p:nvPr/>
+      </p:nvGrpSpPr>
+      <p:grpSpPr>
+        <a:xfrm>
+          <a:off x="0" y="0"/>
+          <a:ext cx="0" cy="0"/>
+          <a:chOff x="0" y="0"/>
+          <a:chExt cx="0" cy="0"/>
+        </a:xfrm>
+      </p:grpSpPr>
+      <p:sp>
+        <p:nvSpPr>
+          <p:cNvPr id="61442" name="Rectangle 7"/>
+          <p:cNvSpPr>
+            <a:spLocks noGrp="1" noChangeArrowheads="1"/>
+          </p:cNvSpPr>
+          <p:nvPr>
+            <p:ph type="sldNum" sz="quarter" idx="5"/>
+          </p:nvPr>
+        </p:nvSpPr>
+        <p:spPr>
+          <a:noFill/>
+        </p:spPr>
+        <p:txBody>
+          <a:bodyPr/>
+          <a:lstStyle/>
+          <a:p>
+            <a:pPr defTabSz="895743"/>
+            <a:fld id="{790D6AA5-3C03-4456-BC60-9F557791208D}" type="slidenum">
+              <a:rPr lang="en-US" altLang="en-US" smtClean="0">
+                <a:latin typeface="Helvetica" pitchFamily="-84" charset="0"/>
+              </a:rPr>
+              <a:pPr defTabSz="895743"/>
+              <a:t>31</a:t>
+            </a:fld>
+            <a:endParaRPr lang="en-US" altLang="en-US" dirty="0" smtClean="0">
+              <a:latin typeface="Helvetica" pitchFamily="-84" charset="0"/>
+            </a:endParaRPr>
+          </a:p>
+        </p:txBody>
+      </p:sp>
+      <p:sp>
+        <p:nvSpPr>
+          <p:cNvPr id="61443" name="Rectangle 2"/>
+          <p:cNvSpPr>
+            <a:spLocks noChangeArrowheads="1" noTextEdit="1"/>
+          </p:cNvSpPr>
+          <p:nvPr>
+            <p:ph type="sldImg"/>
+          </p:nvPr>
+        </p:nvSpPr>
+        <p:spPr>
+          <a:ln/>
+        </p:spPr>
+      </p:sp>
+      <p:sp>
+        <p:nvSpPr>
+          <p:cNvPr id="61444" name="Rectangle 3"/>
+          <p:cNvSpPr>
+            <a:spLocks noGrp="1" noChangeArrowheads="1"/>
+          </p:cNvSpPr>
+          <p:nvPr>
+            <p:ph type="body" idx="1"/>
+          </p:nvPr>
+        </p:nvSpPr>
+        <p:spPr>
+          <a:noFill/>
+          <a:ln/>
+        </p:spPr>
+        <p:txBody>
+          <a:bodyPr/>
+          <a:lstStyle/>
+          <a:p>
+            <a:endParaRPr lang="en-US" altLang="en-US" smtClean="0">
+              <a:latin typeface="Times New Roman" pitchFamily="18" charset="0"/>
+            </a:endParaRPr>
+          </a:p>
+        </p:txBody>
+      </p:sp>
+    </p:spTree>
+  </p:cSld>
+  <p:clrMapOvr>
+    <a:masterClrMapping/>
+  </p:clrMapOvr>
+</p:notes>
+</file>
+
+<file path=ppt/notesSlides/notesSlide24.xml><?xml version="1.0" encoding="utf-8"?>
+<p:notes xmlns:a="http://schemas.openxmlformats.org/drawingml/2006/main" xmlns:r="http://schemas.openxmlformats.org/officeDocument/2006/relationships" xmlns:p="http://schemas.openxmlformats.org/presentationml/2006/main">
+  <p:cSld>
+    <p:spTree>
+      <p:nvGrpSpPr>
+        <p:cNvPr id="1" name=""/>
+        <p:cNvGrpSpPr/>
+        <p:nvPr/>
+      </p:nvGrpSpPr>
+      <p:grpSpPr>
+        <a:xfrm>
+          <a:off x="0" y="0"/>
+          <a:ext cx="0" cy="0"/>
+          <a:chOff x="0" y="0"/>
+          <a:chExt cx="0" cy="0"/>
+        </a:xfrm>
+      </p:grpSpPr>
+      <p:sp>
+        <p:nvSpPr>
+          <p:cNvPr id="68610" name="Rectangle 7"/>
+          <p:cNvSpPr>
+            <a:spLocks noGrp="1" noChangeArrowheads="1"/>
+          </p:cNvSpPr>
+          <p:nvPr>
+            <p:ph type="sldNum" sz="quarter" idx="5"/>
+          </p:nvPr>
+        </p:nvSpPr>
+        <p:spPr>
+          <a:noFill/>
+        </p:spPr>
+        <p:txBody>
+          <a:bodyPr/>
+          <a:lstStyle/>
+          <a:p>
+            <a:pPr defTabSz="895743"/>
+            <a:fld id="{388D278C-DAFA-4629-88C0-E36368F82366}" type="slidenum">
+              <a:rPr lang="en-US" altLang="en-US" smtClean="0">
+                <a:latin typeface="Helvetica" pitchFamily="-84" charset="0"/>
+              </a:rPr>
+              <a:pPr defTabSz="895743"/>
+              <a:t>32</a:t>
+            </a:fld>
+            <a:endParaRPr lang="en-US" altLang="en-US" dirty="0" smtClean="0">
+              <a:latin typeface="Helvetica" pitchFamily="-84" charset="0"/>
+            </a:endParaRPr>
+          </a:p>
+        </p:txBody>
+      </p:sp>
+      <p:sp>
+        <p:nvSpPr>
+          <p:cNvPr id="68611" name="Rectangle 2"/>
+          <p:cNvSpPr>
+            <a:spLocks noChangeArrowheads="1" noTextEdit="1"/>
+          </p:cNvSpPr>
+          <p:nvPr>
+            <p:ph type="sldImg"/>
+          </p:nvPr>
+        </p:nvSpPr>
+        <p:spPr>
+          <a:ln/>
+        </p:spPr>
+      </p:sp>
+      <p:sp>
+        <p:nvSpPr>
+          <p:cNvPr id="68612" name="Rectangle 3"/>
+          <p:cNvSpPr>
+            <a:spLocks noGrp="1" noChangeArrowheads="1"/>
+          </p:cNvSpPr>
+          <p:nvPr>
+            <p:ph type="body" idx="1"/>
+          </p:nvPr>
+        </p:nvSpPr>
+        <p:spPr>
+          <a:noFill/>
+          <a:ln/>
+        </p:spPr>
+        <p:txBody>
+          <a:bodyPr/>
+          <a:lstStyle/>
+          <a:p>
+            <a:endParaRPr lang="en-US" altLang="en-US" smtClean="0">
+              <a:latin typeface="Times New Roman" pitchFamily="18" charset="0"/>
+            </a:endParaRPr>
+          </a:p>
+        </p:txBody>
+      </p:sp>
+    </p:spTree>
+  </p:cSld>
+  <p:clrMapOvr>
+    <a:masterClrMapping/>
+  </p:clrMapOvr>
+</p:notes>
+</file>
+
+<file path=ppt/notesSlides/notesSlide25.xml><?xml version="1.0" encoding="utf-8"?>
+<p:notes xmlns:a="http://schemas.openxmlformats.org/drawingml/2006/main" xmlns:r="http://schemas.openxmlformats.org/officeDocument/2006/relationships" xmlns:p="http://schemas.openxmlformats.org/presentationml/2006/main">
+  <p:cSld>
+    <p:spTree>
+      <p:nvGrpSpPr>
+        <p:cNvPr id="1" name=""/>
+        <p:cNvGrpSpPr/>
+        <p:nvPr/>
+      </p:nvGrpSpPr>
+      <p:grpSpPr>
+        <a:xfrm>
+          <a:off x="0" y="0"/>
+          <a:ext cx="0" cy="0"/>
+          <a:chOff x="0" y="0"/>
+          <a:chExt cx="0" cy="0"/>
+        </a:xfrm>
+      </p:grpSpPr>
+      <p:sp>
+        <p:nvSpPr>
+          <p:cNvPr id="2" name="Образ слайда 1"/>
+          <p:cNvSpPr>
+            <a:spLocks noGrp="1" noRot="1" noChangeAspect="1"/>
+          </p:cNvSpPr>
+          <p:nvPr>
+            <p:ph type="sldImg"/>
+          </p:nvPr>
+        </p:nvSpPr>
+        <p:spPr/>
+      </p:sp>
+      <p:sp>
+        <p:nvSpPr>
+          <p:cNvPr id="3" name="Заметки 2"/>
+          <p:cNvSpPr>
+            <a:spLocks noGrp="1"/>
+          </p:cNvSpPr>
+          <p:nvPr>
+            <p:ph type="body" idx="1"/>
+          </p:nvPr>
+        </p:nvSpPr>
+        <p:spPr/>
+        <p:txBody>
+          <a:bodyPr/>
+          <a:lstStyle/>
+          <a:p>
+            <a:endParaRPr lang="ru-RU" dirty="0"/>
+          </a:p>
+        </p:txBody>
+      </p:sp>
+      <p:sp>
+        <p:nvSpPr>
+          <p:cNvPr id="4" name="Верхний колонтитул 3"/>
+          <p:cNvSpPr>
+            <a:spLocks noGrp="1"/>
+          </p:cNvSpPr>
+          <p:nvPr>
+            <p:ph type="hdr" sz="quarter" idx="10"/>
+          </p:nvPr>
+        </p:nvSpPr>
+        <p:spPr/>
+        <p:txBody>
+          <a:bodyPr/>
+          <a:lstStyle/>
+          <a:p>
+            <a:endParaRPr lang="ru-RU"/>
+          </a:p>
+        </p:txBody>
+      </p:sp>
+      <p:sp>
+        <p:nvSpPr>
+          <p:cNvPr id="5" name="Нижний колонтитул 4"/>
+          <p:cNvSpPr>
+            <a:spLocks noGrp="1"/>
+          </p:cNvSpPr>
+          <p:nvPr>
+            <p:ph type="ftr" sz="quarter" idx="11"/>
+          </p:nvPr>
+        </p:nvSpPr>
+        <p:spPr/>
+        <p:txBody>
+          <a:bodyPr/>
+          <a:lstStyle/>
+          <a:p>
+            <a:endParaRPr lang="ru-RU"/>
+          </a:p>
+        </p:txBody>
+      </p:sp>
+      <p:sp>
+        <p:nvSpPr>
+          <p:cNvPr id="6" name="Номер слайда 5"/>
+          <p:cNvSpPr>
+            <a:spLocks noGrp="1"/>
+          </p:cNvSpPr>
+          <p:nvPr>
+            <p:ph type="sldNum" sz="quarter" idx="12"/>
+          </p:nvPr>
+        </p:nvSpPr>
+        <p:spPr/>
+        <p:txBody>
+          <a:bodyPr/>
+          <a:lstStyle/>
+          <a:p>
+            <a:fld id="{5583B3A5-99BF-45D9-956B-DC57CC23AD97}" type="slidenum">
+              <a:rPr lang="ru-RU" smtClean="0"/>
+              <a:pPr/>
+              <a:t>38</a:t>
+            </a:fld>
+            <a:endParaRPr lang="ru-RU"/>
+          </a:p>
+        </p:txBody>
+      </p:sp>
+    </p:spTree>
+    <p:extLst>
+      <p:ext uri="{BB962C8B-B14F-4D97-AF65-F5344CB8AC3E}">
+        <p14:creationId xmlns:p14="http://schemas.microsoft.com/office/powerpoint/2010/main" xmlns="" val="1915950851"/>
+      </p:ext>
+    </p:extLst>
   </p:cSld>
   <p:clrMapOvr>
     <a:masterClrMapping/>
@@ -1594,7 +2046,7 @@
         <p:nvSpPr>
           <p:cNvPr id="72706" name="Rectangle 2"/>
           <p:cNvSpPr>
-            <a:spLocks noChangeArrowheads="1" noTextEdit="1"/>
+            <a:spLocks noGrp="1" noRot="1" noChangeAspect="1" noChangeArrowheads="1" noTextEdit="1"/>
           </p:cNvSpPr>
           <p:nvPr>
             <p:ph type="sldImg"/>
@@ -1657,7 +2109,7 @@
         <p:nvSpPr>
           <p:cNvPr id="74754" name="Rectangle 2"/>
           <p:cNvSpPr>
-            <a:spLocks noChangeArrowheads="1" noTextEdit="1"/>
+            <a:spLocks noGrp="1" noRot="1" noChangeAspect="1" noChangeArrowheads="1" noTextEdit="1"/>
           </p:cNvSpPr>
           <p:nvPr>
             <p:ph type="sldImg"/>
@@ -1720,7 +2172,7 @@
         <p:nvSpPr>
           <p:cNvPr id="75778" name="Rectangle 2"/>
           <p:cNvSpPr>
-            <a:spLocks noChangeArrowheads="1" noTextEdit="1"/>
+            <a:spLocks noGrp="1" noRot="1" noChangeAspect="1" noChangeArrowheads="1" noTextEdit="1"/>
           </p:cNvSpPr>
           <p:nvPr>
             <p:ph type="sldImg"/>
@@ -1783,7 +2235,7 @@
         <p:nvSpPr>
           <p:cNvPr id="76802" name="Rectangle 2"/>
           <p:cNvSpPr>
-            <a:spLocks noChangeArrowheads="1" noTextEdit="1"/>
+            <a:spLocks noGrp="1" noRot="1" noChangeAspect="1" noChangeArrowheads="1" noTextEdit="1"/>
           </p:cNvSpPr>
           <p:nvPr>
             <p:ph type="sldImg"/>
@@ -1846,7 +2298,7 @@
         <p:nvSpPr>
           <p:cNvPr id="78850" name="Rectangle 2"/>
           <p:cNvSpPr>
-            <a:spLocks noChangeArrowheads="1" noTextEdit="1"/>
+            <a:spLocks noGrp="1" noRot="1" noChangeAspect="1" noChangeArrowheads="1" noTextEdit="1"/>
           </p:cNvSpPr>
           <p:nvPr>
             <p:ph type="sldImg"/>
@@ -1909,7 +2361,7 @@
         <p:nvSpPr>
           <p:cNvPr id="79874" name="Rectangle 2"/>
           <p:cNvSpPr>
-            <a:spLocks noChangeArrowheads="1" noTextEdit="1"/>
+            <a:spLocks noGrp="1" noRot="1" noChangeAspect="1" noChangeArrowheads="1" noTextEdit="1"/>
           </p:cNvSpPr>
           <p:nvPr>
             <p:ph type="sldImg"/>
@@ -1972,7 +2424,7 @@
         <p:nvSpPr>
           <p:cNvPr id="82946" name="Rectangle 2"/>
           <p:cNvSpPr>
-            <a:spLocks noChangeArrowheads="1" noTextEdit="1"/>
+            <a:spLocks noGrp="1" noRot="1" noChangeAspect="1" noChangeArrowheads="1" noTextEdit="1"/>
           </p:cNvSpPr>
           <p:nvPr>
             <p:ph type="sldImg"/>
@@ -2264,7 +2716,7 @@
     </p:spTree>
     <p:extLst>
       <p:ext uri="{BB962C8B-B14F-4D97-AF65-F5344CB8AC3E}">
-        <p14:creationId xmlns="" xmlns:p14="http://schemas.microsoft.com/office/powerpoint/2010/main" val="322455162"/>
+        <p14:creationId xmlns:p14="http://schemas.microsoft.com/office/powerpoint/2010/main" xmlns="" val="322455162"/>
       </p:ext>
     </p:extLst>
   </p:cSld>
@@ -2438,7 +2890,7 @@
     </p:spTree>
     <p:extLst>
       <p:ext uri="{BB962C8B-B14F-4D97-AF65-F5344CB8AC3E}">
-        <p14:creationId xmlns="" xmlns:p14="http://schemas.microsoft.com/office/powerpoint/2010/main" val="971117636"/>
+        <p14:creationId xmlns:p14="http://schemas.microsoft.com/office/powerpoint/2010/main" xmlns="" val="971117636"/>
       </p:ext>
     </p:extLst>
   </p:cSld>
@@ -2615,7 +3067,7 @@
     </p:spTree>
     <p:extLst>
       <p:ext uri="{BB962C8B-B14F-4D97-AF65-F5344CB8AC3E}">
-        <p14:creationId xmlns="" xmlns:p14="http://schemas.microsoft.com/office/powerpoint/2010/main" val="3348877825"/>
+        <p14:creationId xmlns:p14="http://schemas.microsoft.com/office/powerpoint/2010/main" xmlns="" val="3348877825"/>
       </p:ext>
     </p:extLst>
   </p:cSld>
@@ -2940,7 +3392,7 @@
     </p:spTree>
     <p:extLst>
       <p:ext uri="{BB962C8B-B14F-4D97-AF65-F5344CB8AC3E}">
-        <p14:creationId xmlns="" xmlns:p14="http://schemas.microsoft.com/office/powerpoint/2010/main" val="3256953994"/>
+        <p14:creationId xmlns:p14="http://schemas.microsoft.com/office/powerpoint/2010/main" xmlns="" val="3256953994"/>
       </p:ext>
     </p:extLst>
   </p:cSld>
@@ -3190,7 +3642,7 @@
     </p:spTree>
     <p:extLst>
       <p:ext uri="{BB962C8B-B14F-4D97-AF65-F5344CB8AC3E}">
-        <p14:creationId xmlns="" xmlns:p14="http://schemas.microsoft.com/office/powerpoint/2010/main" val="3067076846"/>
+        <p14:creationId xmlns:p14="http://schemas.microsoft.com/office/powerpoint/2010/main" xmlns="" val="3067076846"/>
       </p:ext>
     </p:extLst>
   </p:cSld>
@@ -3426,7 +3878,7 @@
     </p:spTree>
     <p:extLst>
       <p:ext uri="{BB962C8B-B14F-4D97-AF65-F5344CB8AC3E}">
-        <p14:creationId xmlns="" xmlns:p14="http://schemas.microsoft.com/office/powerpoint/2010/main" val="3710015975"/>
+        <p14:creationId xmlns:p14="http://schemas.microsoft.com/office/powerpoint/2010/main" xmlns="" val="3710015975"/>
       </p:ext>
     </p:extLst>
   </p:cSld>
@@ -3797,7 +4249,7 @@
     </p:spTree>
     <p:extLst>
       <p:ext uri="{BB962C8B-B14F-4D97-AF65-F5344CB8AC3E}">
-        <p14:creationId xmlns="" xmlns:p14="http://schemas.microsoft.com/office/powerpoint/2010/main" val="4075590966"/>
+        <p14:creationId xmlns:p14="http://schemas.microsoft.com/office/powerpoint/2010/main" xmlns="" val="4075590966"/>
       </p:ext>
     </p:extLst>
   </p:cSld>
@@ -3919,7 +4371,7 @@
     </p:spTree>
     <p:extLst>
       <p:ext uri="{BB962C8B-B14F-4D97-AF65-F5344CB8AC3E}">
-        <p14:creationId xmlns="" xmlns:p14="http://schemas.microsoft.com/office/powerpoint/2010/main" val="2889604898"/>
+        <p14:creationId xmlns:p14="http://schemas.microsoft.com/office/powerpoint/2010/main" xmlns="" val="2889604898"/>
       </p:ext>
     </p:extLst>
   </p:cSld>
@@ -4018,7 +4470,7 @@
     </p:spTree>
     <p:extLst>
       <p:ext uri="{BB962C8B-B14F-4D97-AF65-F5344CB8AC3E}">
-        <p14:creationId xmlns="" xmlns:p14="http://schemas.microsoft.com/office/powerpoint/2010/main" val="152384765"/>
+        <p14:creationId xmlns:p14="http://schemas.microsoft.com/office/powerpoint/2010/main" xmlns="" val="152384765"/>
       </p:ext>
     </p:extLst>
   </p:cSld>
@@ -4299,7 +4751,7 @@
     </p:spTree>
     <p:extLst>
       <p:ext uri="{BB962C8B-B14F-4D97-AF65-F5344CB8AC3E}">
-        <p14:creationId xmlns="" xmlns:p14="http://schemas.microsoft.com/office/powerpoint/2010/main" val="2127791886"/>
+        <p14:creationId xmlns:p14="http://schemas.microsoft.com/office/powerpoint/2010/main" xmlns="" val="2127791886"/>
       </p:ext>
     </p:extLst>
   </p:cSld>
@@ -4556,7 +5008,7 @@
     </p:spTree>
     <p:extLst>
       <p:ext uri="{BB962C8B-B14F-4D97-AF65-F5344CB8AC3E}">
-        <p14:creationId xmlns="" xmlns:p14="http://schemas.microsoft.com/office/powerpoint/2010/main" val="1752705130"/>
+        <p14:creationId xmlns:p14="http://schemas.microsoft.com/office/powerpoint/2010/main" xmlns="" val="1752705130"/>
       </p:ext>
     </p:extLst>
   </p:cSld>
@@ -4809,7 +5261,7 @@
     </p:spTree>
     <p:extLst>
       <p:ext uri="{BB962C8B-B14F-4D97-AF65-F5344CB8AC3E}">
-        <p14:creationId xmlns="" xmlns:p14="http://schemas.microsoft.com/office/powerpoint/2010/main" val="968833914"/>
+        <p14:creationId xmlns:p14="http://schemas.microsoft.com/office/powerpoint/2010/main" xmlns="" val="968833914"/>
       </p:ext>
     </p:extLst>
   </p:cSld>
@@ -5196,11 +5648,7 @@
             </a:r>
             <a:r>
               <a:rPr lang="en-US" b="1" dirty="0" smtClean="0"/>
-              <a:t>: </a:t>
-            </a:r>
-            <a:r>
-              <a:rPr lang="en-US" b="1" dirty="0" smtClean="0"/>
-              <a:t>Processes and Threads</a:t>
+              <a:t>: Processes and Threads</a:t>
             </a:r>
             <a:endParaRPr lang="en-US" b="1" dirty="0"/>
           </a:p>
@@ -5303,7 +5751,7 @@
     </p:spTree>
     <p:extLst>
       <p:ext uri="{BB962C8B-B14F-4D97-AF65-F5344CB8AC3E}">
-        <p14:creationId xmlns="" xmlns:p14="http://schemas.microsoft.com/office/powerpoint/2010/main" val="2492894732"/>
+        <p14:creationId xmlns:p14="http://schemas.microsoft.com/office/powerpoint/2010/main" xmlns="" val="2492894732"/>
       </p:ext>
     </p:extLst>
   </p:cSld>
@@ -5431,14 +5879,7 @@
                 <a:latin typeface="Courier New" pitchFamily="49" charset="0"/>
                 <a:cs typeface="Courier New" pitchFamily="49" charset="0"/>
               </a:rPr>
-              <a:t>; /* process identifier </a:t>
-            </a:r>
-            <a:r>
-              <a:rPr lang="en-US" altLang="en-US" sz="2000" dirty="0" smtClean="0">
-                <a:latin typeface="Courier New" pitchFamily="49" charset="0"/>
-                <a:cs typeface="Courier New" pitchFamily="49" charset="0"/>
-              </a:rPr>
-              <a:t>*/</a:t>
+              <a:t>; /* process identifier */</a:t>
             </a:r>
           </a:p>
           <a:p>
@@ -5454,21 +5895,7 @@
                 <a:latin typeface="Courier New" pitchFamily="49" charset="0"/>
                 <a:cs typeface="Courier New" pitchFamily="49" charset="0"/>
               </a:rPr>
-              <a:t>long </a:t>
-            </a:r>
-            <a:r>
-              <a:rPr lang="en-US" altLang="en-US" sz="2000" dirty="0" smtClean="0">
-                <a:latin typeface="Courier New" pitchFamily="49" charset="0"/>
-                <a:cs typeface="Courier New" pitchFamily="49" charset="0"/>
-              </a:rPr>
-              <a:t>state; /* state of the process </a:t>
-            </a:r>
-            <a:r>
-              <a:rPr lang="en-US" altLang="en-US" sz="2000" dirty="0" smtClean="0">
-                <a:latin typeface="Courier New" pitchFamily="49" charset="0"/>
-                <a:cs typeface="Courier New" pitchFamily="49" charset="0"/>
-              </a:rPr>
-              <a:t>*/</a:t>
+              <a:t>long state; /* state of the process */</a:t>
             </a:r>
           </a:p>
           <a:p>
@@ -5512,14 +5939,7 @@
                 <a:latin typeface="Courier New" pitchFamily="49" charset="0"/>
                 <a:cs typeface="Courier New" pitchFamily="49" charset="0"/>
               </a:rPr>
-              <a:t> /* scheduling information </a:t>
-            </a:r>
-            <a:r>
-              <a:rPr lang="en-US" altLang="en-US" sz="2000" dirty="0" smtClean="0">
-                <a:latin typeface="Courier New" pitchFamily="49" charset="0"/>
-                <a:cs typeface="Courier New" pitchFamily="49" charset="0"/>
-              </a:rPr>
-              <a:t>*/</a:t>
+              <a:t> /* scheduling information */</a:t>
             </a:r>
           </a:p>
           <a:p>
@@ -5570,14 +5990,7 @@
                 <a:latin typeface="Courier New" pitchFamily="49" charset="0"/>
                 <a:cs typeface="Courier New" pitchFamily="49" charset="0"/>
               </a:rPr>
-              <a:t>s parent </a:t>
-            </a:r>
-            <a:r>
-              <a:rPr lang="en-US" altLang="ja-JP" sz="2000" dirty="0" smtClean="0">
-                <a:latin typeface="Courier New" pitchFamily="49" charset="0"/>
-                <a:cs typeface="Courier New" pitchFamily="49" charset="0"/>
-              </a:rPr>
-              <a:t>*/</a:t>
+              <a:t>s parent */</a:t>
             </a:r>
           </a:p>
           <a:p>
@@ -5628,14 +6041,7 @@
                 <a:latin typeface="Courier New" pitchFamily="49" charset="0"/>
                 <a:cs typeface="Courier New" pitchFamily="49" charset="0"/>
               </a:rPr>
-              <a:t>s children </a:t>
-            </a:r>
-            <a:r>
-              <a:rPr lang="en-US" altLang="ja-JP" sz="2000" dirty="0" smtClean="0">
-                <a:latin typeface="Courier New" pitchFamily="49" charset="0"/>
-                <a:cs typeface="Courier New" pitchFamily="49" charset="0"/>
-              </a:rPr>
-              <a:t>*/</a:t>
+              <a:t>s children */</a:t>
             </a:r>
           </a:p>
           <a:p>
@@ -5672,14 +6078,7 @@
                 <a:latin typeface="Courier New" pitchFamily="49" charset="0"/>
                 <a:cs typeface="Courier New" pitchFamily="49" charset="0"/>
               </a:rPr>
-              <a:t> *files; /* list of open files </a:t>
-            </a:r>
-            <a:r>
-              <a:rPr lang="en-US" altLang="ja-JP" sz="2000" dirty="0" smtClean="0">
-                <a:latin typeface="Courier New" pitchFamily="49" charset="0"/>
-                <a:cs typeface="Courier New" pitchFamily="49" charset="0"/>
-              </a:rPr>
-              <a:t>*/</a:t>
+              <a:t> *files; /* list of open files */</a:t>
             </a:r>
           </a:p>
           <a:p>
@@ -6111,6 +6510,13 @@
   <p:clrMapOvr>
     <a:masterClrMapping/>
   </p:clrMapOvr>
+  <p:timing>
+    <p:tnLst>
+      <p:par>
+        <p:cTn id="1" dur="indefinite" restart="never" nodeType="tmRoot"/>
+      </p:par>
+    </p:tnLst>
+  </p:timing>
 </p:sld>
 </file>
 
@@ -6268,6 +6674,13 @@
   <p:clrMapOvr>
     <a:masterClrMapping/>
   </p:clrMapOvr>
+  <p:timing>
+    <p:tnLst>
+      <p:par>
+        <p:cTn id="1" dur="indefinite" restart="never" nodeType="tmRoot"/>
+      </p:par>
+    </p:tnLst>
+  </p:timing>
 </p:sld>
 </file>
 
@@ -6358,11 +6771,7 @@
             </a:r>
             <a:r>
               <a:rPr lang="en-US" altLang="en-US" sz="2800" dirty="0" smtClean="0"/>
-              <a:t>(</a:t>
-            </a:r>
-            <a:r>
-              <a:rPr lang="en-US" altLang="en-US" sz="2800" dirty="0" smtClean="0"/>
-              <a:t>or </a:t>
+              <a:t>(or </a:t>
             </a:r>
             <a:r>
               <a:rPr lang="en-US" altLang="en-US" sz="2800" b="1" dirty="0" smtClean="0">
@@ -6592,13 +7001,7 @@
               <a:rPr lang="en-US" altLang="en-US" sz="2800" b="1" i="1" dirty="0" smtClean="0">
                 <a:sym typeface="Symbol" pitchFamily="18" charset="2"/>
               </a:rPr>
-              <a:t>process </a:t>
-            </a:r>
-            <a:r>
-              <a:rPr lang="en-US" altLang="en-US" sz="2800" b="1" i="1" dirty="0" smtClean="0">
-                <a:sym typeface="Symbol" pitchFamily="18" charset="2"/>
-              </a:rPr>
-              <a:t>mix</a:t>
+              <a:t>process mix</a:t>
             </a:r>
             <a:endParaRPr lang="en-US" altLang="en-US" sz="2800" dirty="0" smtClean="0">
               <a:sym typeface="Symbol" pitchFamily="18" charset="2"/>
@@ -6830,6 +7233,13 @@
   <p:clrMapOvr>
     <a:masterClrMapping/>
   </p:clrMapOvr>
+  <p:timing>
+    <p:tnLst>
+      <p:par>
+        <p:cTn id="1" dur="indefinite" restart="never" nodeType="tmRoot"/>
+      </p:par>
+    </p:tnLst>
+  </p:timing>
 </p:sld>
 </file>
 
@@ -6852,7 +7262,7 @@
       </p:grpSpPr>
       <p:sp>
         <p:nvSpPr>
-          <p:cNvPr id="20482" name="Rectangle 2"/>
+          <p:cNvPr id="21506" name="Rectangle 2"/>
           <p:cNvSpPr>
             <a:spLocks noGrp="1" noChangeArrowheads="1"/>
           </p:cNvSpPr>
@@ -6862,8 +7272,8 @@
         </p:nvSpPr>
         <p:spPr>
           <a:xfrm>
-            <a:off x="838200" y="131762"/>
-            <a:ext cx="10515600" cy="846137"/>
+            <a:off x="850900" y="153988"/>
+            <a:ext cx="10515600" cy="785812"/>
           </a:xfrm>
         </p:spPr>
         <p:txBody>
@@ -6875,14 +7285,14 @@
             <a:pPr eaLnBrk="1" hangingPunct="1"/>
             <a:r>
               <a:rPr lang="en-US" altLang="en-US" dirty="0" smtClean="0"/>
-              <a:t>Multitasking in Mobile Systems</a:t>
-            </a:r>
-          </a:p>
-        </p:txBody>
-      </p:sp>
-      <p:sp>
-        <p:nvSpPr>
-          <p:cNvPr id="20483" name="Rectangle 3"/>
+              <a:t>Context Switch</a:t>
+            </a:r>
+          </a:p>
+        </p:txBody>
+      </p:sp>
+      <p:sp>
+        <p:nvSpPr>
+          <p:cNvPr id="21507" name="Rectangle 3"/>
           <p:cNvSpPr>
             <a:spLocks noGrp="1" noChangeArrowheads="1"/>
           </p:cNvSpPr>
@@ -6892,48 +7302,19 @@
         </p:nvSpPr>
         <p:spPr>
           <a:xfrm>
-            <a:off x="825500" y="1135064"/>
-            <a:ext cx="10604500" cy="5481636"/>
+            <a:off x="850900" y="1108076"/>
+            <a:ext cx="10528299" cy="5559424"/>
           </a:xfrm>
         </p:spPr>
         <p:txBody>
           <a:bodyPr>
-            <a:normAutofit fontScale="92500" lnSpcReduction="20000"/>
+            <a:normAutofit lnSpcReduction="10000"/>
           </a:bodyPr>
           <a:lstStyle/>
           <a:p>
             <a:r>
               <a:rPr lang="en-US" altLang="en-US" dirty="0" smtClean="0"/>
-              <a:t>Some mobile systems (e.g., early version of </a:t>
-            </a:r>
-            <a:r>
-              <a:rPr lang="en-US" altLang="en-US" dirty="0" err="1" smtClean="0"/>
-              <a:t>iOS</a:t>
-            </a:r>
-            <a:r>
-              <a:rPr lang="en-US" altLang="en-US" dirty="0" smtClean="0"/>
-              <a:t>)  allow only one process to run, others suspended</a:t>
-            </a:r>
-          </a:p>
-          <a:p>
-            <a:r>
-              <a:rPr lang="en-US" altLang="en-US" dirty="0" smtClean="0"/>
-              <a:t>Due to screen real estate, user interface limits </a:t>
-            </a:r>
-            <a:r>
-              <a:rPr lang="en-US" altLang="en-US" dirty="0" err="1" smtClean="0"/>
-              <a:t>iOS</a:t>
-            </a:r>
-            <a:r>
-              <a:rPr lang="en-US" altLang="en-US" dirty="0" smtClean="0"/>
-              <a:t> provides for a </a:t>
-            </a:r>
-          </a:p>
-          <a:p>
-            <a:pPr lvl="1"/>
-            <a:r>
-              <a:rPr lang="en-US" altLang="en-US" dirty="0" smtClean="0"/>
-              <a:t>Single </a:t>
+              <a:t>When CPU switches to another process, the system must </a:t>
             </a:r>
             <a:r>
               <a:rPr lang="en-US" altLang="en-US" b="1" dirty="0" smtClean="0">
@@ -6941,18 +7322,11 @@
                   <a:srgbClr val="F7B217"/>
                 </a:solidFill>
               </a:rPr>
-              <a:t>foreground</a:t>
+              <a:t>save the state </a:t>
             </a:r>
             <a:r>
               <a:rPr lang="en-US" altLang="en-US" dirty="0" smtClean="0"/>
-              <a:t> process- controlled via user interface</a:t>
-            </a:r>
-          </a:p>
-          <a:p>
-            <a:pPr lvl="1"/>
-            <a:r>
-              <a:rPr lang="en-US" altLang="en-US" dirty="0" smtClean="0"/>
-              <a:t>Multiple </a:t>
+              <a:t>of the old process and load the </a:t>
             </a:r>
             <a:r>
               <a:rPr lang="en-US" altLang="en-US" b="1" dirty="0" smtClean="0">
@@ -6960,31 +7334,11 @@
                   <a:srgbClr val="F7B217"/>
                 </a:solidFill>
               </a:rPr>
-              <a:t>background</a:t>
+              <a:t>saved state </a:t>
             </a:r>
             <a:r>
               <a:rPr lang="en-US" altLang="en-US" dirty="0" smtClean="0"/>
-              <a:t> processes– in memory, running, but not on the display, and with limits</a:t>
-            </a:r>
-          </a:p>
-          <a:p>
-            <a:pPr lvl="1"/>
-            <a:r>
-              <a:rPr lang="en-US" altLang="en-US" dirty="0" smtClean="0"/>
-              <a:t>Limits include single, short task, receiving notification of events, specific long-running tasks like audio playback</a:t>
-            </a:r>
-          </a:p>
-          <a:p>
-            <a:r>
-              <a:rPr lang="en-US" altLang="en-US" dirty="0" smtClean="0"/>
-              <a:t>Android runs foreground and background, with fewer limits</a:t>
-            </a:r>
-          </a:p>
-          <a:p>
-            <a:pPr lvl="1"/>
-            <a:r>
-              <a:rPr lang="en-US" altLang="en-US" dirty="0" smtClean="0"/>
-              <a:t>Background process uses a </a:t>
+              <a:t>for the new process via a </a:t>
             </a:r>
             <a:r>
               <a:rPr lang="en-US" altLang="en-US" b="1" dirty="0" smtClean="0">
@@ -6992,33 +7346,81 @@
                   <a:srgbClr val="F7B217"/>
                 </a:solidFill>
               </a:rPr>
-              <a:t>service</a:t>
+              <a:t>context switch</a:t>
+            </a:r>
+            <a:endParaRPr lang="en-US" altLang="en-US" dirty="0" smtClean="0">
+              <a:solidFill>
+                <a:srgbClr val="F7B217"/>
+              </a:solidFill>
+            </a:endParaRPr>
+          </a:p>
+          <a:p>
+            <a:r>
+              <a:rPr lang="en-US" altLang="en-US" b="1" dirty="0" smtClean="0">
+                <a:solidFill>
+                  <a:srgbClr val="F7B217"/>
+                </a:solidFill>
+              </a:rPr>
+              <a:t>Context</a:t>
+            </a:r>
+            <a:r>
+              <a:rPr lang="en-US" altLang="en-US" b="1" dirty="0" smtClean="0">
+                <a:solidFill>
+                  <a:srgbClr val="3366FF"/>
+                </a:solidFill>
+              </a:rPr>
+              <a:t> </a:t>
             </a:r>
             <a:r>
               <a:rPr lang="en-US" altLang="en-US" dirty="0" smtClean="0"/>
-              <a:t> to perform tasks</a:t>
+              <a:t>of a process represented in the PCB</a:t>
+            </a:r>
+          </a:p>
+          <a:p>
+            <a:r>
+              <a:rPr lang="en-US" altLang="en-US" dirty="0" smtClean="0"/>
+              <a:t>Context-switch time is overhead; the system does no useful work while switching</a:t>
             </a:r>
           </a:p>
           <a:p>
             <a:pPr lvl="1"/>
             <a:r>
               <a:rPr lang="en-US" altLang="en-US" dirty="0" smtClean="0"/>
-              <a:t>Service can keep running even if background process is suspended</a:t>
+              <a:t>The more complex the OS and the PCB </a:t>
+            </a:r>
+            <a:r>
+              <a:rPr lang="en-US" altLang="en-US" dirty="0" smtClean="0">
+                <a:sym typeface="Wingdings" pitchFamily="2" charset="2"/>
+              </a:rPr>
+              <a:t> the </a:t>
+            </a:r>
+            <a:r>
+              <a:rPr lang="en-US" altLang="en-US" dirty="0" smtClean="0"/>
+              <a:t>longer the context switch</a:t>
+            </a:r>
+          </a:p>
+          <a:p>
+            <a:r>
+              <a:rPr lang="en-US" altLang="en-US" dirty="0" smtClean="0"/>
+              <a:t>Time dependent on hardware support</a:t>
             </a:r>
           </a:p>
           <a:p>
             <a:pPr lvl="1"/>
             <a:r>
               <a:rPr lang="en-US" altLang="en-US" dirty="0" smtClean="0"/>
-              <a:t>Service has no user interface, small memory use</a:t>
-            </a:r>
-          </a:p>
-          <a:p>
-            <a:pPr lvl="1"/>
-            <a:endParaRPr lang="en-US" altLang="en-US" dirty="0" smtClean="0"/>
-          </a:p>
-          <a:p>
-            <a:endParaRPr lang="en-US" altLang="en-US" dirty="0" smtClean="0"/>
+              <a:t>Some hardware provides multiple sets of registers per CPU </a:t>
+            </a:r>
+            <a:r>
+              <a:rPr lang="en-US" altLang="en-US" dirty="0" smtClean="0">
+                <a:sym typeface="Wingdings" pitchFamily="2" charset="2"/>
+              </a:rPr>
+              <a:t></a:t>
+            </a:r>
+            <a:r>
+              <a:rPr lang="en-US" altLang="en-US" dirty="0" smtClean="0"/>
+              <a:t> multiple contexts loaded at once</a:t>
+            </a:r>
           </a:p>
         </p:txBody>
       </p:sp>
@@ -7057,6 +7459,13 @@
   <p:clrMapOvr>
     <a:masterClrMapping/>
   </p:clrMapOvr>
+  <p:timing>
+    <p:tnLst>
+      <p:par>
+        <p:cTn id="1" dur="indefinite" restart="never" nodeType="tmRoot"/>
+      </p:par>
+    </p:tnLst>
+  </p:timing>
 </p:sld>
 </file>
 
@@ -7079,7 +7488,7 @@
       </p:grpSpPr>
       <p:sp>
         <p:nvSpPr>
-          <p:cNvPr id="21506" name="Rectangle 2"/>
+          <p:cNvPr id="22530" name="Rectangle 2"/>
           <p:cNvSpPr>
             <a:spLocks noGrp="1" noChangeArrowheads="1"/>
           </p:cNvSpPr>
@@ -7089,8 +7498,8 @@
         </p:nvSpPr>
         <p:spPr>
           <a:xfrm>
-            <a:off x="850900" y="153988"/>
-            <a:ext cx="10515600" cy="785812"/>
+            <a:off x="850900" y="152400"/>
+            <a:ext cx="10502900" cy="800100"/>
           </a:xfrm>
         </p:spPr>
         <p:txBody>
@@ -7102,14 +7511,14 @@
             <a:pPr eaLnBrk="1" hangingPunct="1"/>
             <a:r>
               <a:rPr lang="en-US" altLang="en-US" dirty="0" smtClean="0"/>
-              <a:t>Context Switch</a:t>
-            </a:r>
-          </a:p>
-        </p:txBody>
-      </p:sp>
-      <p:sp>
-        <p:nvSpPr>
-          <p:cNvPr id="21507" name="Rectangle 3"/>
+              <a:t>Operations on Processes</a:t>
+            </a:r>
+          </a:p>
+        </p:txBody>
+      </p:sp>
+      <p:sp>
+        <p:nvSpPr>
+          <p:cNvPr id="22531" name="Rectangle 3"/>
           <p:cNvSpPr>
             <a:spLocks noGrp="1" noChangeArrowheads="1"/>
           </p:cNvSpPr>
@@ -7119,124 +7528,38 @@
         </p:nvSpPr>
         <p:spPr>
           <a:xfrm>
-            <a:off x="850900" y="1108076"/>
-            <a:ext cx="10528299" cy="5559424"/>
-          </a:xfrm>
-        </p:spPr>
-        <p:txBody>
-          <a:bodyPr>
-            <a:normAutofit lnSpcReduction="10000"/>
-          </a:bodyPr>
+            <a:off x="846667" y="1246189"/>
+            <a:ext cx="10456333" cy="5307011"/>
+          </a:xfrm>
+        </p:spPr>
+        <p:txBody>
+          <a:bodyPr/>
           <a:lstStyle/>
           <a:p>
             <a:r>
               <a:rPr lang="en-US" altLang="en-US" dirty="0" smtClean="0"/>
-              <a:t>When CPU switches to another process, the system must </a:t>
-            </a:r>
-            <a:r>
-              <a:rPr lang="en-US" altLang="en-US" b="1" dirty="0" smtClean="0">
-                <a:solidFill>
-                  <a:srgbClr val="F7B217"/>
-                </a:solidFill>
-              </a:rPr>
-              <a:t>save the state </a:t>
-            </a:r>
+              <a:t>System must provide mechanisms for:</a:t>
+            </a:r>
+          </a:p>
+          <a:p>
+            <a:pPr lvl="1"/>
             <a:r>
               <a:rPr lang="en-US" altLang="en-US" dirty="0" smtClean="0"/>
-              <a:t>of the old process and load the </a:t>
-            </a:r>
-            <a:r>
-              <a:rPr lang="en-US" altLang="en-US" b="1" dirty="0" smtClean="0">
-                <a:solidFill>
-                  <a:srgbClr val="F7B217"/>
-                </a:solidFill>
-              </a:rPr>
-              <a:t>saved state </a:t>
-            </a:r>
+              <a:t> process creation,</a:t>
+            </a:r>
+          </a:p>
+          <a:p>
+            <a:pPr lvl="1"/>
             <a:r>
               <a:rPr lang="en-US" altLang="en-US" dirty="0" smtClean="0"/>
-              <a:t>for the new process via a </a:t>
-            </a:r>
-            <a:r>
-              <a:rPr lang="en-US" altLang="en-US" b="1" dirty="0" smtClean="0">
-                <a:solidFill>
-                  <a:srgbClr val="F7B217"/>
-                </a:solidFill>
-              </a:rPr>
-              <a:t>context switch</a:t>
-            </a:r>
-            <a:endParaRPr lang="en-US" altLang="en-US" dirty="0" smtClean="0">
-              <a:solidFill>
-                <a:srgbClr val="F7B217"/>
-              </a:solidFill>
-            </a:endParaRPr>
-          </a:p>
-          <a:p>
-            <a:r>
-              <a:rPr lang="en-US" altLang="en-US" b="1" dirty="0" smtClean="0">
-                <a:solidFill>
-                  <a:srgbClr val="F7B217"/>
-                </a:solidFill>
-              </a:rPr>
-              <a:t>Context</a:t>
-            </a:r>
-            <a:r>
-              <a:rPr lang="en-US" altLang="en-US" b="1" dirty="0" smtClean="0">
-                <a:solidFill>
-                  <a:srgbClr val="3366FF"/>
-                </a:solidFill>
-              </a:rPr>
-              <a:t> </a:t>
-            </a:r>
+              <a:t> process termination, </a:t>
+            </a:r>
+          </a:p>
+          <a:p>
+            <a:pPr lvl="1"/>
             <a:r>
               <a:rPr lang="en-US" altLang="en-US" dirty="0" smtClean="0"/>
-              <a:t>of a process represented in the PCB</a:t>
-            </a:r>
-          </a:p>
-          <a:p>
-            <a:r>
-              <a:rPr lang="en-US" altLang="en-US" dirty="0" smtClean="0"/>
-              <a:t>Context-switch time is overhead; the system does no useful work while switching</a:t>
-            </a:r>
-          </a:p>
-          <a:p>
-            <a:pPr lvl="1"/>
-            <a:r>
-              <a:rPr lang="en-US" altLang="en-US" dirty="0" smtClean="0"/>
-              <a:t>The more complex the OS and the PCB </a:t>
-            </a:r>
-            <a:r>
-              <a:rPr lang="en-US" altLang="en-US" dirty="0" smtClean="0">
-                <a:sym typeface="Wingdings" pitchFamily="2" charset="2"/>
-              </a:rPr>
-              <a:t> the </a:t>
-            </a:r>
-            <a:r>
-              <a:rPr lang="en-US" altLang="en-US" dirty="0" smtClean="0"/>
-              <a:t>longer the context switch</a:t>
-            </a:r>
-          </a:p>
-          <a:p>
-            <a:r>
-              <a:rPr lang="en-US" altLang="en-US" dirty="0" smtClean="0"/>
-              <a:t>Time dependent on hardware support</a:t>
-            </a:r>
-          </a:p>
-          <a:p>
-            <a:pPr lvl="1"/>
-            <a:r>
-              <a:rPr lang="en-US" altLang="en-US" dirty="0" smtClean="0"/>
-              <a:t>Some hardware provides multiple sets of registers per CPU </a:t>
-            </a:r>
-            <a:r>
-              <a:rPr lang="en-US" altLang="en-US" dirty="0" smtClean="0">
-                <a:sym typeface="Wingdings" pitchFamily="2" charset="2"/>
-              </a:rPr>
-              <a:t></a:t>
-            </a:r>
-            <a:r>
-              <a:rPr lang="en-US" altLang="en-US" dirty="0" smtClean="0"/>
-              <a:t> multiple contexts loaded at once</a:t>
+              <a:t> and so on as detailed next</a:t>
             </a:r>
           </a:p>
         </p:txBody>
@@ -7276,6 +7599,13 @@
   <p:clrMapOvr>
     <a:masterClrMapping/>
   </p:clrMapOvr>
+  <p:timing>
+    <p:tnLst>
+      <p:par>
+        <p:cTn id="1" dur="indefinite" restart="never" nodeType="tmRoot"/>
+      </p:par>
+    </p:tnLst>
+  </p:timing>
 </p:sld>
 </file>
 
@@ -7298,7 +7628,7 @@
       </p:grpSpPr>
       <p:sp>
         <p:nvSpPr>
-          <p:cNvPr id="22530" name="Rectangle 2"/>
+          <p:cNvPr id="23554" name="Rectangle 2"/>
           <p:cNvSpPr>
             <a:spLocks noGrp="1" noChangeArrowheads="1"/>
           </p:cNvSpPr>
@@ -7308,69 +7638,213 @@
         </p:nvSpPr>
         <p:spPr>
           <a:xfrm>
-            <a:off x="850900" y="152400"/>
-            <a:ext cx="10502900" cy="800100"/>
+            <a:off x="609600" y="198438"/>
+            <a:ext cx="10972800" cy="576262"/>
           </a:xfrm>
         </p:spPr>
         <p:txBody>
           <a:bodyPr>
-            <a:normAutofit/>
+            <a:normAutofit fontScale="90000"/>
           </a:bodyPr>
           <a:lstStyle/>
           <a:p>
             <a:pPr eaLnBrk="1" hangingPunct="1"/>
             <a:r>
+              <a:rPr lang="en-US" altLang="en-US" smtClean="0"/>
+              <a:t>Process Creation</a:t>
+            </a:r>
+          </a:p>
+        </p:txBody>
+      </p:sp>
+      <p:sp>
+        <p:nvSpPr>
+          <p:cNvPr id="23555" name="Rectangle 3"/>
+          <p:cNvSpPr>
+            <a:spLocks noGrp="1" noChangeArrowheads="1"/>
+          </p:cNvSpPr>
+          <p:nvPr>
+            <p:ph type="body" idx="1"/>
+          </p:nvPr>
+        </p:nvSpPr>
+        <p:spPr>
+          <a:xfrm>
+            <a:off x="889000" y="1206500"/>
+            <a:ext cx="10464800" cy="5384800"/>
+          </a:xfrm>
+        </p:spPr>
+        <p:txBody>
+          <a:bodyPr>
+            <a:normAutofit fontScale="92500" lnSpcReduction="10000"/>
+          </a:bodyPr>
+          <a:lstStyle/>
+          <a:p>
+            <a:r>
+              <a:rPr lang="en-US" altLang="en-US" b="1" dirty="0" smtClean="0">
+                <a:solidFill>
+                  <a:srgbClr val="F7B217"/>
+                </a:solidFill>
+              </a:rPr>
+              <a:t>Parent</a:t>
+            </a:r>
+            <a:r>
+              <a:rPr lang="en-US" altLang="en-US" b="1" dirty="0" smtClean="0"/>
+              <a:t> </a:t>
+            </a:r>
+            <a:r>
               <a:rPr lang="en-US" altLang="en-US" dirty="0" smtClean="0"/>
-              <a:t>Operations on Processes</a:t>
-            </a:r>
-          </a:p>
-        </p:txBody>
-      </p:sp>
-      <p:sp>
-        <p:nvSpPr>
-          <p:cNvPr id="22531" name="Rectangle 3"/>
-          <p:cNvSpPr>
-            <a:spLocks noGrp="1" noChangeArrowheads="1"/>
-          </p:cNvSpPr>
-          <p:nvPr>
-            <p:ph type="body" idx="1"/>
-          </p:nvPr>
-        </p:nvSpPr>
-        <p:spPr>
-          <a:xfrm>
-            <a:off x="846667" y="1246189"/>
-            <a:ext cx="10456333" cy="5307011"/>
-          </a:xfrm>
-        </p:spPr>
-        <p:txBody>
-          <a:bodyPr/>
-          <a:lstStyle/>
-          <a:p>
+              <a:t>process create </a:t>
+            </a:r>
+            <a:r>
+              <a:rPr lang="en-US" altLang="en-US" b="1" dirty="0" smtClean="0">
+                <a:solidFill>
+                  <a:srgbClr val="F7B217"/>
+                </a:solidFill>
+              </a:rPr>
+              <a:t>children</a:t>
+            </a:r>
+            <a:r>
+              <a:rPr lang="en-US" altLang="en-US" b="1" dirty="0" smtClean="0"/>
+              <a:t> </a:t>
+            </a:r>
             <a:r>
               <a:rPr lang="en-US" altLang="en-US" dirty="0" smtClean="0"/>
-              <a:t>System must provide mechanisms for:</a:t>
+              <a:t>processes, which, in turn create other processes, forming a </a:t>
+            </a:r>
+            <a:r>
+              <a:rPr lang="en-US" altLang="en-US" b="1" dirty="0" smtClean="0">
+                <a:solidFill>
+                  <a:srgbClr val="F7B217"/>
+                </a:solidFill>
+              </a:rPr>
+              <a:t>tree</a:t>
+            </a:r>
+            <a:r>
+              <a:rPr lang="en-US" altLang="en-US" dirty="0" smtClean="0"/>
+              <a:t> of processes</a:t>
+            </a:r>
+            <a:endParaRPr lang="en-US" altLang="en-US" sz="800" dirty="0" smtClean="0"/>
+          </a:p>
+          <a:p>
+            <a:r>
+              <a:rPr lang="en-US" altLang="en-US" dirty="0" smtClean="0"/>
+              <a:t>Generally, process identified and managed via a</a:t>
+            </a:r>
+            <a:r>
+              <a:rPr lang="en-US" altLang="en-US" b="1" dirty="0" smtClean="0"/>
+              <a:t> </a:t>
+            </a:r>
+            <a:r>
+              <a:rPr lang="en-US" altLang="en-US" b="1" dirty="0" smtClean="0">
+                <a:solidFill>
+                  <a:srgbClr val="F7B217"/>
+                </a:solidFill>
+              </a:rPr>
+              <a:t>process</a:t>
+            </a:r>
+            <a:r>
+              <a:rPr lang="en-US" altLang="en-US" b="1" dirty="0" smtClean="0">
+                <a:solidFill>
+                  <a:srgbClr val="3366FF"/>
+                </a:solidFill>
+              </a:rPr>
+              <a:t> </a:t>
+            </a:r>
+            <a:r>
+              <a:rPr lang="en-US" altLang="en-US" b="1" dirty="0" smtClean="0">
+                <a:solidFill>
+                  <a:srgbClr val="F7B217"/>
+                </a:solidFill>
+              </a:rPr>
+              <a:t>identifier</a:t>
+            </a:r>
+            <a:r>
+              <a:rPr lang="en-US" altLang="en-US" b="1" dirty="0" smtClean="0">
+                <a:solidFill>
+                  <a:srgbClr val="3366FF"/>
+                </a:solidFill>
+              </a:rPr>
+              <a:t> </a:t>
+            </a:r>
+            <a:r>
+              <a:rPr lang="en-US" altLang="en-US" dirty="0" smtClean="0"/>
+              <a:t>(</a:t>
+            </a:r>
+            <a:r>
+              <a:rPr lang="en-US" altLang="en-US" b="1" dirty="0" smtClean="0">
+                <a:solidFill>
+                  <a:srgbClr val="F7B217"/>
+                </a:solidFill>
+              </a:rPr>
+              <a:t>pid</a:t>
+            </a:r>
+            <a:r>
+              <a:rPr lang="en-US" altLang="en-US" dirty="0" smtClean="0"/>
+              <a:t>)</a:t>
+            </a:r>
+            <a:endParaRPr lang="en-US" altLang="en-US" sz="800" dirty="0" smtClean="0"/>
+          </a:p>
+          <a:p>
+            <a:r>
+              <a:rPr lang="en-US" altLang="en-US" dirty="0" smtClean="0"/>
+              <a:t>Resource sharing options</a:t>
             </a:r>
           </a:p>
           <a:p>
             <a:pPr lvl="1"/>
             <a:r>
               <a:rPr lang="en-US" altLang="en-US" dirty="0" smtClean="0"/>
-              <a:t> process creation,</a:t>
+              <a:t>Parent and children share all resources</a:t>
             </a:r>
           </a:p>
           <a:p>
             <a:pPr lvl="1"/>
             <a:r>
               <a:rPr lang="en-US" altLang="en-US" dirty="0" smtClean="0"/>
-              <a:t> process termination, </a:t>
+              <a:t>Children share subset of parent</a:t>
+            </a:r>
+            <a:r>
+              <a:rPr lang="ja-JP" altLang="en-US" dirty="0" smtClean="0"/>
+              <a:t>’</a:t>
+            </a:r>
+            <a:r>
+              <a:rPr lang="en-US" altLang="ja-JP" dirty="0" smtClean="0"/>
+              <a:t>s resources</a:t>
             </a:r>
           </a:p>
           <a:p>
             <a:pPr lvl="1"/>
             <a:r>
               <a:rPr lang="en-US" altLang="en-US" dirty="0" smtClean="0"/>
-              <a:t> and so on as detailed next</a:t>
-            </a:r>
+              <a:t>Parent and child share no resources</a:t>
+            </a:r>
+            <a:endParaRPr lang="en-US" altLang="en-US" sz="800" dirty="0" smtClean="0"/>
+          </a:p>
+          <a:p>
+            <a:r>
+              <a:rPr lang="en-US" altLang="en-US" dirty="0" smtClean="0"/>
+              <a:t>Execution options</a:t>
+            </a:r>
+          </a:p>
+          <a:p>
+            <a:pPr lvl="1"/>
+            <a:r>
+              <a:rPr lang="en-US" altLang="en-US" dirty="0" smtClean="0"/>
+              <a:t>Parent and children execute concurrently</a:t>
+            </a:r>
+          </a:p>
+          <a:p>
+            <a:pPr lvl="1"/>
+            <a:r>
+              <a:rPr lang="en-US" altLang="en-US" dirty="0" smtClean="0"/>
+              <a:t>Parent waits until children terminate</a:t>
+            </a:r>
+          </a:p>
+          <a:p>
+            <a:pPr>
+              <a:buFont typeface="Monotype Sorts" pitchFamily="-84" charset="2"/>
+              <a:buNone/>
+            </a:pPr>
+            <a:endParaRPr lang="en-US" altLang="en-US" dirty="0" smtClean="0"/>
           </a:p>
         </p:txBody>
       </p:sp>
@@ -7409,6 +7883,13 @@
   <p:clrMapOvr>
     <a:masterClrMapping/>
   </p:clrMapOvr>
+  <p:timing>
+    <p:tnLst>
+      <p:par>
+        <p:cTn id="1" dur="indefinite" restart="never" nodeType="tmRoot"/>
+      </p:par>
+    </p:tnLst>
+  </p:timing>
 </p:sld>
 </file>
 
@@ -7431,229 +7912,7 @@
       </p:grpSpPr>
       <p:sp>
         <p:nvSpPr>
-          <p:cNvPr id="23554" name="Rectangle 2"/>
-          <p:cNvSpPr>
-            <a:spLocks noGrp="1" noChangeArrowheads="1"/>
-          </p:cNvSpPr>
-          <p:nvPr>
-            <p:ph type="title"/>
-          </p:nvPr>
-        </p:nvSpPr>
-        <p:spPr>
-          <a:xfrm>
-            <a:off x="609600" y="198438"/>
-            <a:ext cx="10972800" cy="576262"/>
-          </a:xfrm>
-        </p:spPr>
-        <p:txBody>
-          <a:bodyPr>
-            <a:normAutofit fontScale="90000"/>
-          </a:bodyPr>
-          <a:lstStyle/>
-          <a:p>
-            <a:pPr eaLnBrk="1" hangingPunct="1"/>
-            <a:r>
-              <a:rPr lang="en-US" altLang="en-US" smtClean="0"/>
-              <a:t>Process Creation</a:t>
-            </a:r>
-          </a:p>
-        </p:txBody>
-      </p:sp>
-      <p:sp>
-        <p:nvSpPr>
-          <p:cNvPr id="23555" name="Rectangle 3"/>
-          <p:cNvSpPr>
-            <a:spLocks noGrp="1" noChangeArrowheads="1"/>
-          </p:cNvSpPr>
-          <p:nvPr>
-            <p:ph type="body" idx="1"/>
-          </p:nvPr>
-        </p:nvSpPr>
-        <p:spPr>
-          <a:xfrm>
-            <a:off x="889000" y="1206500"/>
-            <a:ext cx="10464800" cy="5384800"/>
-          </a:xfrm>
-        </p:spPr>
-        <p:txBody>
-          <a:bodyPr>
-            <a:normAutofit fontScale="92500" lnSpcReduction="10000"/>
-          </a:bodyPr>
-          <a:lstStyle/>
-          <a:p>
-            <a:r>
-              <a:rPr lang="en-US" altLang="en-US" b="1" dirty="0" smtClean="0">
-                <a:solidFill>
-                  <a:srgbClr val="F7B217"/>
-                </a:solidFill>
-              </a:rPr>
-              <a:t>Parent</a:t>
-            </a:r>
-            <a:r>
-              <a:rPr lang="en-US" altLang="en-US" b="1" dirty="0" smtClean="0"/>
-              <a:t> </a:t>
-            </a:r>
-            <a:r>
-              <a:rPr lang="en-US" altLang="en-US" dirty="0" smtClean="0"/>
-              <a:t>process create </a:t>
-            </a:r>
-            <a:r>
-              <a:rPr lang="en-US" altLang="en-US" b="1" dirty="0" smtClean="0">
-                <a:solidFill>
-                  <a:srgbClr val="F7B217"/>
-                </a:solidFill>
-              </a:rPr>
-              <a:t>children</a:t>
-            </a:r>
-            <a:r>
-              <a:rPr lang="en-US" altLang="en-US" b="1" dirty="0" smtClean="0"/>
-              <a:t> </a:t>
-            </a:r>
-            <a:r>
-              <a:rPr lang="en-US" altLang="en-US" dirty="0" smtClean="0"/>
-              <a:t>processes, which, in turn create other processes, forming a </a:t>
-            </a:r>
-            <a:r>
-              <a:rPr lang="en-US" altLang="en-US" b="1" dirty="0" smtClean="0">
-                <a:solidFill>
-                  <a:srgbClr val="F7B217"/>
-                </a:solidFill>
-              </a:rPr>
-              <a:t>tree</a:t>
-            </a:r>
-            <a:r>
-              <a:rPr lang="en-US" altLang="en-US" dirty="0" smtClean="0"/>
-              <a:t> of processes</a:t>
-            </a:r>
-            <a:endParaRPr lang="en-US" altLang="en-US" sz="800" dirty="0" smtClean="0"/>
-          </a:p>
-          <a:p>
-            <a:r>
-              <a:rPr lang="en-US" altLang="en-US" dirty="0" smtClean="0"/>
-              <a:t>Generally, process identified and managed via a</a:t>
-            </a:r>
-            <a:r>
-              <a:rPr lang="en-US" altLang="en-US" b="1" dirty="0" smtClean="0"/>
-              <a:t> </a:t>
-            </a:r>
-            <a:r>
-              <a:rPr lang="en-US" altLang="en-US" b="1" dirty="0" smtClean="0">
-                <a:solidFill>
-                  <a:srgbClr val="F7B217"/>
-                </a:solidFill>
-              </a:rPr>
-              <a:t>process</a:t>
-            </a:r>
-            <a:r>
-              <a:rPr lang="en-US" altLang="en-US" b="1" dirty="0" smtClean="0">
-                <a:solidFill>
-                  <a:srgbClr val="3366FF"/>
-                </a:solidFill>
-              </a:rPr>
-              <a:t> </a:t>
-            </a:r>
-            <a:r>
-              <a:rPr lang="en-US" altLang="en-US" b="1" dirty="0" smtClean="0">
-                <a:solidFill>
-                  <a:srgbClr val="F7B217"/>
-                </a:solidFill>
-              </a:rPr>
-              <a:t>identifier</a:t>
-            </a:r>
-            <a:r>
-              <a:rPr lang="en-US" altLang="en-US" b="1" dirty="0" smtClean="0">
-                <a:solidFill>
-                  <a:srgbClr val="3366FF"/>
-                </a:solidFill>
-              </a:rPr>
-              <a:t> </a:t>
-            </a:r>
-            <a:r>
-              <a:rPr lang="en-US" altLang="en-US" dirty="0" smtClean="0"/>
-              <a:t>(</a:t>
-            </a:r>
-            <a:r>
-              <a:rPr lang="en-US" altLang="en-US" b="1" dirty="0" smtClean="0">
-                <a:solidFill>
-                  <a:srgbClr val="F7B217"/>
-                </a:solidFill>
-              </a:rPr>
-              <a:t>pid</a:t>
-            </a:r>
-            <a:r>
-              <a:rPr lang="en-US" altLang="en-US" dirty="0" smtClean="0"/>
-              <a:t>)</a:t>
-            </a:r>
-            <a:endParaRPr lang="en-US" altLang="en-US" sz="800" dirty="0" smtClean="0"/>
-          </a:p>
-          <a:p>
-            <a:r>
-              <a:rPr lang="en-US" altLang="en-US" dirty="0" smtClean="0"/>
-              <a:t>Resource sharing options</a:t>
-            </a:r>
-          </a:p>
-          <a:p>
-            <a:pPr lvl="1"/>
-            <a:r>
-              <a:rPr lang="en-US" altLang="en-US" dirty="0" smtClean="0"/>
-              <a:t>Parent and children share all resources</a:t>
-            </a:r>
-          </a:p>
-          <a:p>
-            <a:pPr lvl="1"/>
-            <a:r>
-              <a:rPr lang="en-US" altLang="en-US" dirty="0" smtClean="0"/>
-              <a:t>Children share subset of parent</a:t>
-            </a:r>
-            <a:r>
-              <a:rPr lang="ja-JP" altLang="en-US" dirty="0" smtClean="0"/>
-              <a:t>’</a:t>
-            </a:r>
-            <a:r>
-              <a:rPr lang="en-US" altLang="ja-JP" dirty="0" smtClean="0"/>
-              <a:t>s resources</a:t>
-            </a:r>
-          </a:p>
-          <a:p>
-            <a:pPr lvl="1"/>
-            <a:r>
-              <a:rPr lang="en-US" altLang="en-US" dirty="0" smtClean="0"/>
-              <a:t>Parent and child share no resources</a:t>
-            </a:r>
-            <a:endParaRPr lang="en-US" altLang="en-US" sz="800" dirty="0" smtClean="0"/>
-          </a:p>
-          <a:p>
-            <a:r>
-              <a:rPr lang="en-US" altLang="en-US" dirty="0" smtClean="0"/>
-              <a:t>Execution options</a:t>
-            </a:r>
-          </a:p>
-          <a:p>
-            <a:pPr lvl="1"/>
-            <a:r>
-              <a:rPr lang="en-US" altLang="en-US" dirty="0" smtClean="0"/>
-              <a:t>Parent and children execute concurrently</a:t>
-            </a:r>
-          </a:p>
-          <a:p>
-            <a:pPr lvl="1"/>
-            <a:r>
-              <a:rPr lang="en-US" altLang="en-US" dirty="0" smtClean="0"/>
-              <a:t>Parent waits until children terminate</a:t>
-            </a:r>
-          </a:p>
-          <a:p>
-            <a:pPr>
-              <a:buFont typeface="Monotype Sorts" pitchFamily="-84" charset="2"/>
-              <a:buNone/>
-            </a:pPr>
-            <a:endParaRPr lang="en-US" altLang="en-US" dirty="0" smtClean="0"/>
-          </a:p>
-        </p:txBody>
-      </p:sp>
-      <p:sp>
-        <p:nvSpPr>
-          <p:cNvPr id="4" name="Номер слайда 5"/>
+          <p:cNvPr id="3" name="Номер слайда 2"/>
           <p:cNvSpPr>
             <a:spLocks noGrp="1"/>
           </p:cNvSpPr>
@@ -7661,12 +7920,7 @@
             <p:ph type="sldNum" sz="quarter" idx="12"/>
           </p:nvPr>
         </p:nvSpPr>
-        <p:spPr>
-          <a:xfrm>
-            <a:off x="10776031" y="6190938"/>
-            <a:ext cx="594673" cy="479419"/>
-          </a:xfrm>
-        </p:spPr>
+        <p:spPr/>
         <p:txBody>
           <a:bodyPr/>
           <a:lstStyle/>
@@ -7681,11 +7935,73 @@
           </a:p>
         </p:txBody>
       </p:sp>
+      <p:sp>
+        <p:nvSpPr>
+          <p:cNvPr id="4" name="Заголовок 3"/>
+          <p:cNvSpPr>
+            <a:spLocks noGrp="1"/>
+          </p:cNvSpPr>
+          <p:nvPr>
+            <p:ph type="title"/>
+          </p:nvPr>
+        </p:nvSpPr>
+        <p:spPr/>
+        <p:txBody>
+          <a:bodyPr/>
+          <a:lstStyle/>
+          <a:p>
+            <a:r>
+              <a:rPr lang="en-US" altLang="en-US" dirty="0" smtClean="0"/>
+              <a:t>A Tree of Processes in Linux</a:t>
+            </a:r>
+            <a:endParaRPr lang="ru-RU" dirty="0"/>
+          </a:p>
+        </p:txBody>
+      </p:sp>
+      <p:pic>
+        <p:nvPicPr>
+          <p:cNvPr id="5" name="Picture 1" descr="3_08.pdf"/>
+          <p:cNvPicPr>
+            <a:picLocks noChangeAspect="1"/>
+          </p:cNvPicPr>
+          <p:nvPr/>
+        </p:nvPicPr>
+        <p:blipFill>
+          <a:blip r:embed="rId2" cstate="print"/>
+          <a:srcRect/>
+          <a:stretch>
+            <a:fillRect/>
+          </a:stretch>
+        </p:blipFill>
+        <p:spPr bwMode="auto">
+          <a:xfrm>
+            <a:off x="802208" y="1174746"/>
+            <a:ext cx="10541715" cy="4964572"/>
+          </a:xfrm>
+          <a:prstGeom prst="rect">
+            <a:avLst/>
+          </a:prstGeom>
+          <a:noFill/>
+          <a:ln w="9525">
+            <a:noFill/>
+            <a:miter lim="800000"/>
+            <a:headEnd/>
+            <a:tailEnd/>
+          </a:ln>
+        </p:spPr>
+      </p:pic>
     </p:spTree>
   </p:cSld>
   <p:clrMapOvr>
     <a:masterClrMapping/>
   </p:clrMapOvr>
+  <p:timing>
+    <p:tnLst>
+      <p:par>
+        <p:cTn id="1" dur="indefinite" restart="never" nodeType="tmRoot"/>
+      </p:par>
+    </p:tnLst>
+  </p:timing>
 </p:sld>
 </file>
 
@@ -8034,6 +8350,13 @@
   <p:clrMapOvr>
     <a:masterClrMapping/>
   </p:clrMapOvr>
+  <p:timing>
+    <p:tnLst>
+      <p:par>
+        <p:cTn id="1" dur="indefinite" restart="never" nodeType="tmRoot"/>
+      </p:par>
+    </p:tnLst>
+  </p:timing>
 </p:sld>
 </file>
 
@@ -8056,62 +8379,156 @@
       </p:grpSpPr>
       <p:sp>
         <p:nvSpPr>
-          <p:cNvPr id="3" name="Номер слайда 2"/>
-          <p:cNvSpPr>
-            <a:spLocks noGrp="1"/>
-          </p:cNvSpPr>
-          <p:nvPr>
-            <p:ph type="sldNum" sz="quarter" idx="12"/>
-          </p:nvPr>
-        </p:nvSpPr>
-        <p:spPr/>
+          <p:cNvPr id="25602" name="Rectangle 2"/>
+          <p:cNvSpPr>
+            <a:spLocks noGrp="1" noChangeArrowheads="1"/>
+          </p:cNvSpPr>
+          <p:nvPr>
+            <p:ph type="title"/>
+          </p:nvPr>
+        </p:nvSpPr>
+        <p:spPr>
+          <a:xfrm>
+            <a:off x="855134" y="152401"/>
+            <a:ext cx="10485966" cy="787399"/>
+          </a:xfrm>
+        </p:spPr>
+        <p:txBody>
+          <a:bodyPr>
+            <a:normAutofit/>
+          </a:bodyPr>
+          <a:lstStyle/>
+          <a:p>
+            <a:pPr eaLnBrk="1" hangingPunct="1"/>
+            <a:r>
+              <a:rPr lang="en-US" altLang="en-US" dirty="0" smtClean="0"/>
+              <a:t>Process Creation (Cont.)</a:t>
+            </a:r>
+          </a:p>
+        </p:txBody>
+      </p:sp>
+      <p:sp>
+        <p:nvSpPr>
+          <p:cNvPr id="25603" name="Rectangle 3"/>
+          <p:cNvSpPr>
+            <a:spLocks noGrp="1" noChangeArrowheads="1"/>
+          </p:cNvSpPr>
+          <p:nvPr>
+            <p:ph type="body" idx="1"/>
+          </p:nvPr>
+        </p:nvSpPr>
+        <p:spPr>
+          <a:xfrm>
+            <a:off x="812800" y="1060451"/>
+            <a:ext cx="10541000" cy="4530725"/>
+          </a:xfrm>
+        </p:spPr>
         <p:txBody>
           <a:bodyPr/>
           <a:lstStyle/>
           <a:p>
-            <a:pPr algn="ctr"/>
-            <a:fld id="{1397BFD8-F312-4EF2-A268-44FB4BDDBBB0}" type="slidenum">
-              <a:rPr lang="ru-RU" smtClean="0"/>
-              <a:pPr algn="ctr"/>
-              <a:t>20</a:t>
-            </a:fld>
-            <a:endParaRPr lang="ru-RU" dirty="0"/>
-          </a:p>
-        </p:txBody>
-      </p:sp>
-      <p:sp>
-        <p:nvSpPr>
-          <p:cNvPr id="4" name="Заголовок 3"/>
-          <p:cNvSpPr>
-            <a:spLocks noGrp="1"/>
-          </p:cNvSpPr>
-          <p:nvPr>
-            <p:ph type="title"/>
-          </p:nvPr>
-        </p:nvSpPr>
-        <p:spPr/>
-        <p:txBody>
-          <a:bodyPr/>
-          <a:lstStyle/>
-          <a:p>
             <a:r>
               <a:rPr lang="en-US" altLang="en-US" dirty="0" smtClean="0"/>
-              <a:t>A Tree of Processes in Linux</a:t>
-            </a:r>
-            <a:endParaRPr lang="ru-RU" dirty="0"/>
+              <a:t>Address space</a:t>
+            </a:r>
+          </a:p>
+          <a:p>
+            <a:pPr lvl="1"/>
+            <a:r>
+              <a:rPr lang="en-US" altLang="en-US" dirty="0" smtClean="0"/>
+              <a:t>Child duplicate of parent</a:t>
+            </a:r>
+          </a:p>
+          <a:p>
+            <a:pPr lvl="1"/>
+            <a:r>
+              <a:rPr lang="en-US" altLang="en-US" dirty="0" smtClean="0"/>
+              <a:t>Child has a program loaded into it</a:t>
+            </a:r>
+          </a:p>
+          <a:p>
+            <a:r>
+              <a:rPr lang="en-US" altLang="en-US" dirty="0" smtClean="0"/>
+              <a:t>UNIX examples</a:t>
+            </a:r>
+          </a:p>
+          <a:p>
+            <a:pPr lvl="1"/>
+            <a:r>
+              <a:rPr lang="en-US" altLang="en-US" b="1" dirty="0" smtClean="0">
+                <a:solidFill>
+                  <a:srgbClr val="000000"/>
+                </a:solidFill>
+                <a:latin typeface="Courier New" pitchFamily="49" charset="0"/>
+                <a:cs typeface="Courier New" pitchFamily="49" charset="0"/>
+              </a:rPr>
+              <a:t>fork()</a:t>
+            </a:r>
+            <a:r>
+              <a:rPr lang="en-US" altLang="en-US" dirty="0" smtClean="0">
+                <a:solidFill>
+                  <a:srgbClr val="000000"/>
+                </a:solidFill>
+              </a:rPr>
+              <a:t> </a:t>
+            </a:r>
+            <a:r>
+              <a:rPr lang="en-US" altLang="en-US" dirty="0" smtClean="0"/>
+              <a:t>system call creates new process</a:t>
+            </a:r>
+          </a:p>
+          <a:p>
+            <a:pPr lvl="1"/>
+            <a:r>
+              <a:rPr lang="en-US" altLang="en-US" b="1" dirty="0" smtClean="0">
+                <a:solidFill>
+                  <a:srgbClr val="000000"/>
+                </a:solidFill>
+                <a:latin typeface="Courier New" pitchFamily="49" charset="0"/>
+                <a:cs typeface="Courier New" pitchFamily="49" charset="0"/>
+              </a:rPr>
+              <a:t>exec()</a:t>
+            </a:r>
+            <a:r>
+              <a:rPr lang="en-US" altLang="en-US" dirty="0" smtClean="0"/>
+              <a:t> system call used after a </a:t>
+            </a:r>
+            <a:r>
+              <a:rPr lang="en-US" altLang="en-US" b="1" dirty="0" smtClean="0">
+                <a:solidFill>
+                  <a:srgbClr val="000000"/>
+                </a:solidFill>
+                <a:latin typeface="Courier New" pitchFamily="49" charset="0"/>
+                <a:cs typeface="Courier New" pitchFamily="49" charset="0"/>
+              </a:rPr>
+              <a:t>fork()</a:t>
+            </a:r>
+            <a:r>
+              <a:rPr lang="en-US" altLang="en-US" dirty="0" smtClean="0"/>
+              <a:t> to replace the process</a:t>
+            </a:r>
+            <a:r>
+              <a:rPr lang="ja-JP" altLang="en-US" dirty="0" smtClean="0"/>
+              <a:t>’</a:t>
+            </a:r>
+            <a:r>
+              <a:rPr lang="en-US" altLang="ja-JP" dirty="0" smtClean="0"/>
+              <a:t> memory space with a new program</a:t>
+            </a:r>
+            <a:endParaRPr lang="en-US" altLang="en-US" dirty="0" smtClean="0"/>
           </a:p>
         </p:txBody>
       </p:sp>
       <p:pic>
         <p:nvPicPr>
-          <p:cNvPr id="5" name="Picture 1" descr="3_08.pdf"/>
+          <p:cNvPr id="25604" name="Picture 4" descr="3"/>
           <p:cNvPicPr>
-            <a:picLocks noChangeAspect="1"/>
+            <a:picLocks noChangeAspect="1" noChangeArrowheads="1"/>
           </p:cNvPicPr>
           <p:nvPr/>
         </p:nvPicPr>
         <p:blipFill>
-          <a:blip r:embed="rId2" cstate="print"/>
+          <a:blip r:embed="rId3" cstate="print"/>
           <a:srcRect/>
           <a:stretch>
             <a:fillRect/>
@@ -8119,8 +8536,8 @@
         </p:blipFill>
         <p:spPr bwMode="auto">
           <a:xfrm>
-            <a:off x="802208" y="1174746"/>
-            <a:ext cx="10541715" cy="4964572"/>
+            <a:off x="2808816" y="4827585"/>
+            <a:ext cx="7093687" cy="1785823"/>
           </a:xfrm>
           <a:prstGeom prst="rect">
             <a:avLst/>
@@ -8134,11 +8551,48 @@
           </a:ln>
         </p:spPr>
       </p:pic>
+      <p:sp>
+        <p:nvSpPr>
+          <p:cNvPr id="5" name="Номер слайда 5"/>
+          <p:cNvSpPr>
+            <a:spLocks noGrp="1"/>
+          </p:cNvSpPr>
+          <p:nvPr>
+            <p:ph type="sldNum" sz="quarter" idx="12"/>
+          </p:nvPr>
+        </p:nvSpPr>
+        <p:spPr>
+          <a:xfrm>
+            <a:off x="10776031" y="6190938"/>
+            <a:ext cx="594673" cy="479419"/>
+          </a:xfrm>
+        </p:spPr>
+        <p:txBody>
+          <a:bodyPr/>
+          <a:lstStyle/>
+          <a:p>
+            <a:pPr algn="ctr"/>
+            <a:fld id="{1397BFD8-F312-4EF2-A268-44FB4BDDBBB0}" type="slidenum">
+              <a:rPr lang="ru-RU" smtClean="0"/>
+              <a:pPr algn="ctr"/>
+              <a:t>20</a:t>
+            </a:fld>
+            <a:endParaRPr lang="ru-RU" dirty="0"/>
+          </a:p>
+        </p:txBody>
+      </p:sp>
     </p:spTree>
   </p:cSld>
   <p:clrMapOvr>
     <a:masterClrMapping/>
   </p:clrMapOvr>
+  <p:timing>
+    <p:tnLst>
+      <p:par>
+        <p:cTn id="1" dur="indefinite" restart="never" nodeType="tmRoot"/>
+      </p:par>
+    </p:tnLst>
+  </p:timing>
 </p:sld>
 </file>
 
@@ -8161,7 +8615,7 @@
       </p:grpSpPr>
       <p:sp>
         <p:nvSpPr>
-          <p:cNvPr id="25602" name="Rectangle 2"/>
+          <p:cNvPr id="26626" name="Rectangle 2"/>
           <p:cNvSpPr>
             <a:spLocks noGrp="1" noChangeArrowheads="1"/>
           </p:cNvSpPr>
@@ -8171,8 +8625,8 @@
         </p:nvSpPr>
         <p:spPr>
           <a:xfrm>
-            <a:off x="855134" y="152401"/>
-            <a:ext cx="10485966" cy="787399"/>
+            <a:off x="850901" y="152400"/>
+            <a:ext cx="10502900" cy="825499"/>
           </a:xfrm>
         </p:spPr>
         <p:txBody>
@@ -8184,128 +8638,16 @@
             <a:pPr eaLnBrk="1" hangingPunct="1"/>
             <a:r>
               <a:rPr lang="en-US" altLang="en-US" dirty="0" smtClean="0"/>
-              <a:t>Process Creation (Cont.)</a:t>
-            </a:r>
-          </a:p>
-        </p:txBody>
-      </p:sp>
-      <p:sp>
-        <p:nvSpPr>
-          <p:cNvPr id="25603" name="Rectangle 3"/>
-          <p:cNvSpPr>
-            <a:spLocks noGrp="1" noChangeArrowheads="1"/>
-          </p:cNvSpPr>
-          <p:nvPr>
-            <p:ph type="body" idx="1"/>
-          </p:nvPr>
-        </p:nvSpPr>
-        <p:spPr>
-          <a:xfrm>
-            <a:off x="812800" y="1060451"/>
-            <a:ext cx="10541000" cy="4530725"/>
-          </a:xfrm>
-        </p:spPr>
-        <p:txBody>
-          <a:bodyPr/>
-          <a:lstStyle/>
-          <a:p>
-            <a:r>
-              <a:rPr lang="en-US" altLang="en-US" dirty="0" smtClean="0"/>
-              <a:t>Address space</a:t>
-            </a:r>
-          </a:p>
-          <a:p>
-            <a:pPr lvl="1"/>
-            <a:r>
-              <a:rPr lang="en-US" altLang="en-US" dirty="0" smtClean="0"/>
-              <a:t>Child duplicate of parent</a:t>
-            </a:r>
-          </a:p>
-          <a:p>
-            <a:pPr lvl="1"/>
-            <a:r>
-              <a:rPr lang="en-US" altLang="en-US" dirty="0" smtClean="0"/>
-              <a:t>Child has a program loaded into it</a:t>
-            </a:r>
-          </a:p>
-          <a:p>
-            <a:r>
-              <a:rPr lang="en-US" altLang="en-US" dirty="0" smtClean="0"/>
-              <a:t>UNIX examples</a:t>
-            </a:r>
-          </a:p>
-          <a:p>
-            <a:pPr lvl="1"/>
-            <a:r>
-              <a:rPr lang="en-US" altLang="en-US" b="1" dirty="0" smtClean="0">
-                <a:solidFill>
-                  <a:srgbClr val="000000"/>
-                </a:solidFill>
-                <a:latin typeface="Courier New" pitchFamily="49" charset="0"/>
-                <a:cs typeface="Courier New" pitchFamily="49" charset="0"/>
-              </a:rPr>
-              <a:t>fork()</a:t>
-            </a:r>
-            <a:r>
-              <a:rPr lang="en-US" altLang="en-US" dirty="0" smtClean="0">
-                <a:solidFill>
-                  <a:srgbClr val="000000"/>
-                </a:solidFill>
-              </a:rPr>
-              <a:t> </a:t>
-            </a:r>
-            <a:r>
-              <a:rPr lang="en-US" altLang="en-US" dirty="0" smtClean="0"/>
-              <a:t>system call creates new process</a:t>
-            </a:r>
-          </a:p>
-          <a:p>
-            <a:pPr lvl="1"/>
-            <a:r>
-              <a:rPr lang="en-US" altLang="en-US" b="1" dirty="0" smtClean="0">
-                <a:solidFill>
-                  <a:srgbClr val="000000"/>
-                </a:solidFill>
-                <a:latin typeface="Courier New" pitchFamily="49" charset="0"/>
-                <a:cs typeface="Courier New" pitchFamily="49" charset="0"/>
-              </a:rPr>
-              <a:t>exec()</a:t>
-            </a:r>
-            <a:r>
-              <a:rPr lang="en-US" altLang="en-US" dirty="0" smtClean="0"/>
-              <a:t> system call used after a </a:t>
-            </a:r>
-            <a:r>
-              <a:rPr lang="en-US" altLang="en-US" b="1" dirty="0" smtClean="0">
-                <a:solidFill>
-                  <a:srgbClr val="000000"/>
-                </a:solidFill>
-                <a:latin typeface="Courier New" pitchFamily="49" charset="0"/>
-                <a:cs typeface="Courier New" pitchFamily="49" charset="0"/>
-              </a:rPr>
-              <a:t>fork()</a:t>
-            </a:r>
-            <a:r>
-              <a:rPr lang="en-US" altLang="en-US" dirty="0" smtClean="0"/>
-              <a:t> to replace the process</a:t>
-            </a:r>
-            <a:r>
-              <a:rPr lang="ja-JP" altLang="en-US" dirty="0" smtClean="0"/>
-              <a:t>’</a:t>
-            </a:r>
-            <a:r>
-              <a:rPr lang="en-US" altLang="ja-JP" dirty="0" smtClean="0"/>
-              <a:t> memory space with a new program</a:t>
-            </a:r>
-            <a:endParaRPr lang="en-US" altLang="en-US" dirty="0" smtClean="0"/>
+              <a:t>C Program Forking Separate Process</a:t>
+            </a:r>
           </a:p>
         </p:txBody>
       </p:sp>
       <p:pic>
         <p:nvPicPr>
-          <p:cNvPr id="25604" name="Picture 4" descr="3"/>
+          <p:cNvPr id="26627" name="Picture 5" descr="Screen Shot 2012-12-04 at 11.21.10 AM.png"/>
           <p:cNvPicPr>
-            <a:picLocks noChangeAspect="1" noChangeArrowheads="1"/>
+            <a:picLocks noChangeAspect="1"/>
           </p:cNvPicPr>
           <p:nvPr/>
         </p:nvPicPr>
@@ -8318,8 +8660,8 @@
         </p:blipFill>
         <p:spPr bwMode="auto">
           <a:xfrm>
-            <a:off x="2808816" y="4827585"/>
-            <a:ext cx="7093687" cy="1785823"/>
+            <a:off x="2313517" y="1122364"/>
+            <a:ext cx="8051800" cy="5603875"/>
           </a:xfrm>
           <a:prstGeom prst="rect">
             <a:avLst/>
@@ -8335,7 +8677,7 @@
       </p:pic>
       <p:sp>
         <p:nvSpPr>
-          <p:cNvPr id="5" name="Номер слайда 5"/>
+          <p:cNvPr id="4" name="Номер слайда 5"/>
           <p:cNvSpPr>
             <a:spLocks noGrp="1"/>
           </p:cNvSpPr>
@@ -8368,6 +8710,13 @@
   <p:clrMapOvr>
     <a:masterClrMapping/>
   </p:clrMapOvr>
+  <p:timing>
+    <p:tnLst>
+      <p:par>
+        <p:cTn id="1" dur="indefinite" restart="never" nodeType="tmRoot"/>
+      </p:par>
+    </p:tnLst>
+  </p:timing>
 </p:sld>
 </file>
 
@@ -8390,7 +8739,7 @@
       </p:grpSpPr>
       <p:sp>
         <p:nvSpPr>
-          <p:cNvPr id="26626" name="Rectangle 2"/>
+          <p:cNvPr id="27650" name="Rectangle 2"/>
           <p:cNvSpPr>
             <a:spLocks noGrp="1" noChangeArrowheads="1"/>
           </p:cNvSpPr>
@@ -8400,8 +8749,8 @@
         </p:nvSpPr>
         <p:spPr>
           <a:xfrm>
-            <a:off x="850901" y="152400"/>
-            <a:ext cx="10502900" cy="825499"/>
+            <a:off x="876300" y="165100"/>
+            <a:ext cx="10452100" cy="838200"/>
           </a:xfrm>
         </p:spPr>
         <p:txBody>
@@ -8412,15 +8761,15 @@
           <a:p>
             <a:pPr eaLnBrk="1" hangingPunct="1"/>
             <a:r>
-              <a:rPr lang="en-US" altLang="en-US" dirty="0" smtClean="0"/>
-              <a:t>C Program Forking Separate Process</a:t>
+              <a:rPr lang="en-US" altLang="en-US" sz="4400" dirty="0" smtClean="0"/>
+              <a:t>Creating a Separate Process via Windows API</a:t>
             </a:r>
           </a:p>
         </p:txBody>
       </p:sp>
       <p:pic>
         <p:nvPicPr>
-          <p:cNvPr id="26627" name="Picture 5" descr="Screen Shot 2012-12-04 at 11.21.10 AM.png"/>
+          <p:cNvPr id="27651" name="Picture 1" descr="Screen Shot 2012-12-04 at 11.23.48 AM.png"/>
           <p:cNvPicPr>
             <a:picLocks noChangeAspect="1"/>
           </p:cNvPicPr>
@@ -8435,8 +8784,8 @@
         </p:blipFill>
         <p:spPr bwMode="auto">
           <a:xfrm>
-            <a:off x="2313517" y="1122364"/>
-            <a:ext cx="8051800" cy="5603875"/>
+            <a:off x="3807885" y="1116013"/>
+            <a:ext cx="5011579" cy="5651183"/>
           </a:xfrm>
           <a:prstGeom prst="rect">
             <a:avLst/>
@@ -8514,7 +8863,7 @@
       </p:grpSpPr>
       <p:sp>
         <p:nvSpPr>
-          <p:cNvPr id="27650" name="Rectangle 2"/>
+          <p:cNvPr id="28674" name="Rectangle 2"/>
           <p:cNvSpPr>
             <a:spLocks noGrp="1" noChangeArrowheads="1"/>
           </p:cNvSpPr>
@@ -8524,8 +8873,8 @@
         </p:nvSpPr>
         <p:spPr>
           <a:xfrm>
-            <a:off x="876300" y="165100"/>
-            <a:ext cx="10452100" cy="838200"/>
+            <a:off x="863600" y="165100"/>
+            <a:ext cx="10502900" cy="787400"/>
           </a:xfrm>
         </p:spPr>
         <p:txBody>
@@ -8536,44 +8885,147 @@
           <a:p>
             <a:pPr eaLnBrk="1" hangingPunct="1"/>
             <a:r>
-              <a:rPr lang="en-US" altLang="en-US" sz="4400" dirty="0" smtClean="0"/>
-              <a:t>Creating a Separate Process via Windows API</a:t>
-            </a:r>
-          </a:p>
-        </p:txBody>
-      </p:sp>
-      <p:pic>
-        <p:nvPicPr>
-          <p:cNvPr id="27651" name="Picture 1" descr="Screen Shot 2012-12-04 at 11.23.48 AM.png"/>
-          <p:cNvPicPr>
-            <a:picLocks noChangeAspect="1"/>
-          </p:cNvPicPr>
-          <p:nvPr/>
-        </p:nvPicPr>
-        <p:blipFill>
-          <a:blip r:embed="rId3" cstate="print"/>
-          <a:srcRect/>
-          <a:stretch>
-            <a:fillRect/>
-          </a:stretch>
-        </p:blipFill>
-        <p:spPr bwMode="auto">
-          <a:xfrm>
-            <a:off x="3807885" y="1116013"/>
-            <a:ext cx="5011579" cy="5651183"/>
-          </a:xfrm>
-          <a:prstGeom prst="rect">
-            <a:avLst/>
-          </a:prstGeom>
-          <a:noFill/>
-          <a:ln w="9525">
-            <a:noFill/>
-            <a:miter lim="800000"/>
-            <a:headEnd/>
-            <a:tailEnd/>
-          </a:ln>
-        </p:spPr>
-      </p:pic>
+              <a:rPr lang="en-US" altLang="en-US" dirty="0" smtClean="0"/>
+              <a:t>Process Termination</a:t>
+            </a:r>
+          </a:p>
+        </p:txBody>
+      </p:sp>
+      <p:sp>
+        <p:nvSpPr>
+          <p:cNvPr id="28675" name="Rectangle 3"/>
+          <p:cNvSpPr>
+            <a:spLocks noGrp="1" noChangeArrowheads="1"/>
+          </p:cNvSpPr>
+          <p:nvPr>
+            <p:ph type="body" idx="1"/>
+          </p:nvPr>
+        </p:nvSpPr>
+        <p:spPr>
+          <a:xfrm>
+            <a:off x="812800" y="1233489"/>
+            <a:ext cx="10541000" cy="5446711"/>
+          </a:xfrm>
+        </p:spPr>
+        <p:txBody>
+          <a:bodyPr>
+            <a:normAutofit fontScale="92500" lnSpcReduction="10000"/>
+          </a:bodyPr>
+          <a:lstStyle/>
+          <a:p>
+            <a:r>
+              <a:rPr lang="en-US" altLang="en-US" dirty="0" smtClean="0"/>
+              <a:t>Process executes last statement and then asks the operating system to delete it using the </a:t>
+            </a:r>
+            <a:r>
+              <a:rPr lang="en-US" altLang="en-US" b="1" dirty="0" smtClean="0">
+                <a:solidFill>
+                  <a:srgbClr val="000000"/>
+                </a:solidFill>
+                <a:latin typeface="Courier New" pitchFamily="49" charset="0"/>
+                <a:cs typeface="Courier New" pitchFamily="49" charset="0"/>
+              </a:rPr>
+              <a:t>exit()</a:t>
+            </a:r>
+            <a:r>
+              <a:rPr lang="en-US" altLang="en-US" dirty="0" smtClean="0">
+                <a:cs typeface="Courier New" pitchFamily="49" charset="0"/>
+              </a:rPr>
+              <a:t> system call.</a:t>
+            </a:r>
+            <a:endParaRPr lang="en-US" altLang="en-US" dirty="0" smtClean="0"/>
+          </a:p>
+          <a:p>
+            <a:pPr lvl="1"/>
+            <a:r>
+              <a:rPr lang="en-US" altLang="en-US" dirty="0" smtClean="0"/>
+              <a:t>Returns  status data from child to parent (via </a:t>
+            </a:r>
+            <a:r>
+              <a:rPr lang="en-US" altLang="en-US" b="1" dirty="0" smtClean="0">
+                <a:solidFill>
+                  <a:srgbClr val="000000"/>
+                </a:solidFill>
+                <a:latin typeface="Courier New" pitchFamily="49" charset="0"/>
+                <a:cs typeface="Courier New" pitchFamily="49" charset="0"/>
+              </a:rPr>
+              <a:t>wait()</a:t>
+            </a:r>
+            <a:r>
+              <a:rPr lang="en-US" altLang="en-US" dirty="0" smtClean="0"/>
+              <a:t>)</a:t>
+            </a:r>
+          </a:p>
+          <a:p>
+            <a:pPr lvl="1"/>
+            <a:r>
+              <a:rPr lang="en-US" altLang="en-US" dirty="0" smtClean="0"/>
+              <a:t>Process</a:t>
+            </a:r>
+            <a:r>
+              <a:rPr lang="ja-JP" altLang="en-US" dirty="0" smtClean="0"/>
+              <a:t>’</a:t>
+            </a:r>
+            <a:r>
+              <a:rPr lang="en-US" altLang="ja-JP" dirty="0" smtClean="0"/>
+              <a:t> resources are </a:t>
+            </a:r>
+            <a:r>
+              <a:rPr lang="en-US" altLang="ja-JP" dirty="0" err="1" smtClean="0"/>
+              <a:t>deallocated</a:t>
+            </a:r>
+            <a:r>
+              <a:rPr lang="en-US" altLang="ja-JP" dirty="0" smtClean="0"/>
+              <a:t> by operating system</a:t>
+            </a:r>
+            <a:endParaRPr lang="en-US" altLang="en-US" dirty="0" smtClean="0"/>
+          </a:p>
+          <a:p>
+            <a:r>
+              <a:rPr lang="en-US" altLang="en-US" dirty="0" smtClean="0"/>
+              <a:t>Parent may terminate the execution of children processes  using the </a:t>
+            </a:r>
+            <a:r>
+              <a:rPr lang="en-US" altLang="en-US" b="1" dirty="0" smtClean="0">
+                <a:solidFill>
+                  <a:srgbClr val="000000"/>
+                </a:solidFill>
+                <a:latin typeface="Courier New" pitchFamily="49" charset="0"/>
+                <a:cs typeface="Courier New" pitchFamily="49" charset="0"/>
+              </a:rPr>
+              <a:t>abort()</a:t>
+            </a:r>
+            <a:r>
+              <a:rPr lang="en-US" altLang="en-US" dirty="0" smtClean="0">
+                <a:cs typeface="Courier New" pitchFamily="49" charset="0"/>
+              </a:rPr>
+              <a:t> system call.  Some reasons for doing so:</a:t>
+            </a:r>
+            <a:endParaRPr lang="en-US" altLang="en-US" dirty="0" smtClean="0"/>
+          </a:p>
+          <a:p>
+            <a:pPr lvl="1"/>
+            <a:r>
+              <a:rPr lang="en-US" altLang="en-US" dirty="0" smtClean="0"/>
+              <a:t>Child has exceeded allocated resources</a:t>
+            </a:r>
+          </a:p>
+          <a:p>
+            <a:pPr lvl="1"/>
+            <a:r>
+              <a:rPr lang="en-US" altLang="en-US" dirty="0" smtClean="0"/>
+              <a:t>Task assigned to child is no longer required</a:t>
+            </a:r>
+          </a:p>
+          <a:p>
+            <a:pPr lvl="1"/>
+            <a:r>
+              <a:rPr lang="en-US" altLang="en-US" dirty="0" smtClean="0"/>
+              <a:t>The parent is exiting and the operating systems does not allow  a child to continue if its parent terminates</a:t>
+            </a:r>
+          </a:p>
+        </p:txBody>
+      </p:sp>
       <p:sp>
         <p:nvSpPr>
           <p:cNvPr id="4" name="Номер слайда 5"/>
@@ -8638,7 +9090,7 @@
       </p:grpSpPr>
       <p:sp>
         <p:nvSpPr>
-          <p:cNvPr id="28674" name="Rectangle 2"/>
+          <p:cNvPr id="29698" name="Rectangle 2"/>
           <p:cNvSpPr>
             <a:spLocks noGrp="1" noChangeArrowheads="1"/>
           </p:cNvSpPr>
@@ -8648,8 +9100,8 @@
         </p:nvSpPr>
         <p:spPr>
           <a:xfrm>
-            <a:off x="863600" y="165100"/>
-            <a:ext cx="10502900" cy="787400"/>
+            <a:off x="863600" y="152400"/>
+            <a:ext cx="10477500" cy="812800"/>
           </a:xfrm>
         </p:spPr>
         <p:txBody>
@@ -8668,7 +9120,7 @@
       </p:sp>
       <p:sp>
         <p:nvSpPr>
-          <p:cNvPr id="28675" name="Rectangle 3"/>
+          <p:cNvPr id="29699" name="Rectangle 3"/>
           <p:cNvSpPr>
             <a:spLocks noGrp="1" noChangeArrowheads="1"/>
           </p:cNvSpPr>
@@ -8678,19 +9130,49 @@
         </p:nvSpPr>
         <p:spPr>
           <a:xfrm>
-            <a:off x="812800" y="1233489"/>
-            <a:ext cx="10541000" cy="5446711"/>
+            <a:off x="800100" y="1042989"/>
+            <a:ext cx="10795000" cy="5662611"/>
           </a:xfrm>
         </p:spPr>
         <p:txBody>
           <a:bodyPr>
-            <a:normAutofit fontScale="92500" lnSpcReduction="10000"/>
+            <a:normAutofit fontScale="85000" lnSpcReduction="20000"/>
           </a:bodyPr>
           <a:lstStyle/>
           <a:p>
+            <a:pPr lvl="1"/>
+            <a:endParaRPr lang="en-US" altLang="en-US" sz="800" dirty="0" smtClean="0"/>
+          </a:p>
+          <a:p>
             <a:r>
               <a:rPr lang="en-US" altLang="en-US" dirty="0" smtClean="0"/>
-              <a:t>Process executes last statement and then asks the operating system to delete it using the </a:t>
+              <a:t>Some operating systems do not allow child to exists if its parent has terminated.  If a process terminates, then all its children must also be terminated.</a:t>
+            </a:r>
+          </a:p>
+          <a:p>
+            <a:pPr lvl="1"/>
+            <a:r>
+              <a:rPr lang="en-US" altLang="en-US" b="1" dirty="0" smtClean="0"/>
+              <a:t>cascading termination.  </a:t>
+            </a:r>
+            <a:r>
+              <a:rPr lang="en-US" altLang="en-US" dirty="0" smtClean="0"/>
+              <a:t>All children, grandchildren, etc.  are  terminated.</a:t>
+            </a:r>
+            <a:endParaRPr lang="en-US" altLang="en-US" b="1" dirty="0" smtClean="0"/>
+          </a:p>
+          <a:p>
+            <a:pPr lvl="1"/>
+            <a:r>
+              <a:rPr lang="en-US" altLang="en-US" dirty="0" smtClean="0"/>
+              <a:t>The termination is initiated by the operating system.</a:t>
+            </a:r>
+            <a:endParaRPr lang="en-US" altLang="en-US" b="1" dirty="0" smtClean="0"/>
+          </a:p>
+          <a:p>
+            <a:r>
+              <a:rPr lang="en-US" altLang="en-US" dirty="0" smtClean="0"/>
+              <a:t>The parent process may wait for termination of a child process by using the </a:t>
             </a:r>
             <a:r>
               <a:rPr lang="en-US" altLang="en-US" b="1" dirty="0" smtClean="0">
@@ -8700,21 +9182,11 @@
                 <a:latin typeface="Courier New" pitchFamily="49" charset="0"/>
                 <a:cs typeface="Courier New" pitchFamily="49" charset="0"/>
               </a:rPr>
-              <a:t>exit()</a:t>
-            </a:r>
-            <a:r>
-              <a:rPr lang="en-US" altLang="en-US" dirty="0" smtClean="0">
-                <a:cs typeface="Courier New" pitchFamily="49" charset="0"/>
-              </a:rPr>
-              <a:t> system call.</a:t>
-            </a:r>
-            <a:endParaRPr lang="en-US" altLang="en-US" dirty="0" smtClean="0"/>
-          </a:p>
-          <a:p>
-            <a:pPr lvl="1"/>
+              <a:t>wait()</a:t>
+            </a:r>
             <a:r>
               <a:rPr lang="en-US" altLang="en-US" dirty="0" smtClean="0"/>
-              <a:t>Returns  status data from child to parent (via </a:t>
+              <a:t>system call</a:t>
             </a:r>
             <a:r>
               <a:rPr lang="en-US" altLang="en-US" b="1" dirty="0" smtClean="0">
@@ -8724,42 +9196,25 @@
                 <a:latin typeface="Courier New" pitchFamily="49" charset="0"/>
                 <a:cs typeface="Courier New" pitchFamily="49" charset="0"/>
               </a:rPr>
-              <a:t>wait()</a:t>
+              <a:t>. </a:t>
             </a:r>
             <a:r>
               <a:rPr lang="en-US" altLang="en-US" dirty="0" smtClean="0"/>
-              <a:t>)</a:t>
-            </a:r>
-          </a:p>
-          <a:p>
-            <a:pPr lvl="1"/>
-            <a:r>
-              <a:rPr lang="en-US" altLang="en-US" dirty="0" smtClean="0"/>
-              <a:t>Process</a:t>
-            </a:r>
-            <a:r>
-              <a:rPr lang="ja-JP" altLang="en-US" dirty="0" smtClean="0"/>
-              <a:t>’</a:t>
-            </a:r>
-            <a:r>
-              <a:rPr lang="en-US" altLang="ja-JP" dirty="0" smtClean="0"/>
-              <a:t> resources are </a:t>
-            </a:r>
-            <a:r>
-              <a:rPr lang="en-US" altLang="ja-JP" dirty="0" err="1" smtClean="0"/>
-              <a:t>deallocated</a:t>
-            </a:r>
-            <a:r>
-              <a:rPr lang="en-US" altLang="ja-JP" dirty="0" smtClean="0"/>
-              <a:t> by operating system</a:t>
-            </a:r>
-            <a:endParaRPr lang="en-US" altLang="en-US" dirty="0" smtClean="0"/>
-          </a:p>
-          <a:p>
-            <a:r>
-              <a:rPr lang="en-US" altLang="en-US" dirty="0" smtClean="0"/>
-              <a:t>Parent may terminate the execution of children processes  using the </a:t>
-            </a:r>
+              <a:t>The call returns status information and the pid of the terminated process</a:t>
+            </a:r>
+            <a:endParaRPr lang="en-US" altLang="en-US" b="1" dirty="0" smtClean="0">
+              <a:solidFill>
+                <a:srgbClr val="000000"/>
+              </a:solidFill>
+              <a:latin typeface="Courier New" pitchFamily="49" charset="0"/>
+              <a:cs typeface="Courier New" pitchFamily="49" charset="0"/>
+            </a:endParaRPr>
+          </a:p>
+          <a:p>
+            <a:pPr>
+              <a:buFont typeface="Monotype Sorts" pitchFamily="-84" charset="2"/>
+              <a:buNone/>
+            </a:pPr>
             <a:r>
               <a:rPr lang="en-US" altLang="en-US" b="1" dirty="0" smtClean="0">
                 <a:solidFill>
@@ -8768,35 +9223,69 @@
                 <a:latin typeface="Courier New" pitchFamily="49" charset="0"/>
                 <a:cs typeface="Courier New" pitchFamily="49" charset="0"/>
               </a:rPr>
-              <a:t>abort()</a:t>
+              <a:t>      pid = wait(&amp;status); </a:t>
+            </a:r>
+          </a:p>
+          <a:p>
+            <a:r>
+              <a:rPr lang="en-US" altLang="en-US" dirty="0" smtClean="0"/>
+              <a:t>If no parent waiting (did not invoke </a:t>
+            </a:r>
+            <a:r>
+              <a:rPr lang="en-US" altLang="en-US" b="1" dirty="0" smtClean="0">
+                <a:solidFill>
+                  <a:srgbClr val="000000"/>
+                </a:solidFill>
+                <a:latin typeface="Courier New" pitchFamily="49" charset="0"/>
+                <a:cs typeface="Courier New" pitchFamily="49" charset="0"/>
+              </a:rPr>
+              <a:t>wait()</a:t>
             </a:r>
             <a:r>
               <a:rPr lang="en-US" altLang="en-US" dirty="0" smtClean="0">
                 <a:cs typeface="Courier New" pitchFamily="49" charset="0"/>
               </a:rPr>
-              <a:t> system call.  Some reasons for doing so:</a:t>
-            </a:r>
-            <a:endParaRPr lang="en-US" altLang="en-US" dirty="0" smtClean="0"/>
-          </a:p>
-          <a:p>
-            <a:pPr lvl="1"/>
+              <a:t>) </a:t>
+            </a:r>
             <a:r>
               <a:rPr lang="en-US" altLang="en-US" dirty="0" smtClean="0"/>
-              <a:t>Child has exceeded allocated resources</a:t>
-            </a:r>
-          </a:p>
-          <a:p>
-            <a:pPr lvl="1"/>
+              <a:t>process is a </a:t>
+            </a:r>
+            <a:r>
+              <a:rPr lang="en-US" altLang="en-US" b="1" dirty="0" smtClean="0">
+                <a:solidFill>
+                  <a:srgbClr val="F7B217"/>
+                </a:solidFill>
+              </a:rPr>
+              <a:t>zombie</a:t>
+            </a:r>
+          </a:p>
+          <a:p>
             <a:r>
               <a:rPr lang="en-US" altLang="en-US" dirty="0" smtClean="0"/>
-              <a:t>Task assigned to child is no longer required</a:t>
-            </a:r>
-          </a:p>
-          <a:p>
-            <a:pPr lvl="1"/>
+              <a:t>If parent terminated without invoking</a:t>
+            </a:r>
+            <a:r>
+              <a:rPr lang="en-US" altLang="en-US" b="1" dirty="0" smtClean="0">
+                <a:solidFill>
+                  <a:srgbClr val="000000"/>
+                </a:solidFill>
+                <a:latin typeface="Courier New" pitchFamily="49" charset="0"/>
+                <a:cs typeface="Courier New" pitchFamily="49" charset="0"/>
+              </a:rPr>
+              <a:t> wait</a:t>
+            </a:r>
             <a:r>
               <a:rPr lang="en-US" altLang="en-US" dirty="0" smtClean="0"/>
-              <a:t>The parent is exiting and the operating systems does not allow  a child to continue if its parent terminates</a:t>
+              <a:t> , process is an </a:t>
+            </a:r>
+            <a:r>
+              <a:rPr lang="en-US" altLang="en-US" b="1" dirty="0" smtClean="0">
+                <a:solidFill>
+                  <a:srgbClr val="F7B217"/>
+                </a:solidFill>
+              </a:rPr>
+              <a:t>orphan</a:t>
             </a:r>
           </a:p>
         </p:txBody>
@@ -8865,9 +9354,9 @@
       </p:grpSpPr>
       <p:sp>
         <p:nvSpPr>
-          <p:cNvPr id="29698" name="Rectangle 2"/>
-          <p:cNvSpPr>
-            <a:spLocks noGrp="1" noChangeArrowheads="1"/>
+          <p:cNvPr id="31746" name="Title 1"/>
+          <p:cNvSpPr>
+            <a:spLocks noGrp="1"/>
           </p:cNvSpPr>
           <p:nvPr>
             <p:ph type="title"/>
@@ -8875,193 +9364,187 @@
         </p:nvSpPr>
         <p:spPr>
           <a:xfrm>
-            <a:off x="863600" y="152400"/>
-            <a:ext cx="10477500" cy="812800"/>
+            <a:off x="876301" y="165100"/>
+            <a:ext cx="10464800" cy="736599"/>
           </a:xfrm>
         </p:spPr>
         <p:txBody>
           <a:bodyPr>
-            <a:normAutofit/>
+            <a:normAutofit fontScale="90000"/>
           </a:bodyPr>
           <a:lstStyle/>
           <a:p>
-            <a:pPr eaLnBrk="1" hangingPunct="1"/>
+            <a:r>
+              <a:rPr lang="en-US" altLang="en-US" dirty="0" err="1" smtClean="0"/>
+              <a:t>Interprocess</a:t>
+            </a:r>
             <a:r>
               <a:rPr lang="en-US" altLang="en-US" dirty="0" smtClean="0"/>
-              <a:t>Process Termination</a:t>
-            </a:r>
-          </a:p>
-        </p:txBody>
-      </p:sp>
-      <p:sp>
-        <p:nvSpPr>
-          <p:cNvPr id="29699" name="Rectangle 3"/>
-          <p:cNvSpPr>
-            <a:spLocks noGrp="1" noChangeArrowheads="1"/>
-          </p:cNvSpPr>
-          <p:nvPr>
-            <p:ph type="body" idx="1"/>
-          </p:nvPr>
-        </p:nvSpPr>
-        <p:spPr>
-          <a:xfrm>
-            <a:off x="800100" y="1042989"/>
-            <a:ext cx="10795000" cy="5662611"/>
+              <a:t> Communication</a:t>
+            </a:r>
+          </a:p>
+        </p:txBody>
+      </p:sp>
+      <p:sp>
+        <p:nvSpPr>
+          <p:cNvPr id="31747" name="Content Placeholder 2"/>
+          <p:cNvSpPr>
+            <a:spLocks noGrp="1"/>
+          </p:cNvSpPr>
+          <p:nvPr>
+            <p:ph idx="1"/>
+          </p:nvPr>
+        </p:nvSpPr>
+        <p:spPr>
+          <a:xfrm>
+            <a:off x="863600" y="1028700"/>
+            <a:ext cx="10541000" cy="5626100"/>
           </a:xfrm>
         </p:spPr>
         <p:txBody>
           <a:bodyPr>
-            <a:normAutofit fontScale="85000" lnSpcReduction="20000"/>
+            <a:normAutofit fontScale="62500" lnSpcReduction="20000"/>
           </a:bodyPr>
           <a:lstStyle/>
           <a:p>
+            <a:r>
+              <a:rPr lang="en-US" altLang="en-US" sz="5100" dirty="0" smtClean="0"/>
+              <a:t>Processes within a system may be </a:t>
+            </a:r>
+            <a:r>
+              <a:rPr lang="en-US" altLang="en-US" sz="5100" b="1" i="1" dirty="0" smtClean="0"/>
+              <a:t>independent</a:t>
+            </a:r>
+            <a:r>
+              <a:rPr lang="en-US" altLang="en-US" sz="5100" b="1" dirty="0" smtClean="0"/>
+              <a:t> </a:t>
+            </a:r>
+            <a:r>
+              <a:rPr lang="en-US" altLang="en-US" sz="5100" dirty="0" smtClean="0"/>
+              <a:t>or </a:t>
+            </a:r>
+            <a:r>
+              <a:rPr lang="en-US" altLang="en-US" sz="5100" b="1" i="1" dirty="0" smtClean="0"/>
+              <a:t>cooperating</a:t>
+            </a:r>
+          </a:p>
+          <a:p>
+            <a:r>
+              <a:rPr lang="en-US" altLang="en-US" sz="5100" dirty="0" smtClean="0"/>
+              <a:t>Cooperating process can affect or be affected by other processes, including sharing data</a:t>
+            </a:r>
+          </a:p>
+          <a:p>
+            <a:r>
+              <a:rPr lang="en-US" altLang="en-US" sz="5100" dirty="0" smtClean="0"/>
+              <a:t>Reasons for cooperating processes:</a:t>
+            </a:r>
+          </a:p>
+          <a:p>
             <a:pPr lvl="1"/>
-            <a:endParaRPr lang="en-US" altLang="en-US" sz="800" dirty="0" smtClean="0"/>
-          </a:p>
-          <a:p>
-            <a:r>
-              <a:rPr lang="en-US" altLang="en-US" dirty="0" smtClean="0"/>
-              <a:t>Some operating systems do not allow child to exists if its parent has terminated.  If a process terminates, then all its children must also be terminated.</a:t>
+            <a:r>
+              <a:rPr lang="en-US" altLang="en-US" sz="4500" dirty="0" smtClean="0"/>
+              <a:t>Information sharing</a:t>
             </a:r>
           </a:p>
           <a:p>
             <a:pPr lvl="1"/>
             <a:r>
-              <a:rPr lang="en-US" altLang="en-US" b="1" dirty="0" smtClean="0"/>
-              <a:t>cascading termination.  </a:t>
-            </a:r>
-            <a:r>
-              <a:rPr lang="en-US" altLang="en-US" dirty="0" smtClean="0"/>
-              <a:t>All children, grandchildren, etc.  are  terminated.</a:t>
-            </a:r>
-            <a:endParaRPr lang="en-US" altLang="en-US" b="1" dirty="0" smtClean="0"/>
+              <a:rPr lang="en-US" altLang="en-US" sz="4500" dirty="0" smtClean="0"/>
+              <a:t>Computation speedup</a:t>
+            </a:r>
           </a:p>
           <a:p>
             <a:pPr lvl="1"/>
             <a:r>
-              <a:rPr lang="en-US" altLang="en-US" dirty="0" smtClean="0"/>
-              <a:t>The termination is initiated by the operating system.</a:t>
-            </a:r>
-            <a:endParaRPr lang="en-US" altLang="en-US" b="1" dirty="0" smtClean="0"/>
-          </a:p>
-          <a:p>
-            <a:r>
-              <a:rPr lang="en-US" altLang="en-US" dirty="0" smtClean="0"/>
-              <a:t>The parent process may wait for termination of a child process by using the </a:t>
-            </a:r>
-            <a:r>
-              <a:rPr lang="en-US" altLang="en-US" b="1" dirty="0" smtClean="0">
-                <a:solidFill>
-                  <a:srgbClr val="000000"/>
-                </a:solidFill>
-                <a:latin typeface="Courier New" pitchFamily="49" charset="0"/>
-                <a:cs typeface="Courier New" pitchFamily="49" charset="0"/>
-              </a:rPr>
-              <a:t>wait()</a:t>
-            </a:r>
-            <a:r>
-              <a:rPr lang="en-US" altLang="en-US" dirty="0" smtClean="0"/>
-              <a:t>system call</a:t>
-            </a:r>
-            <a:r>
-              <a:rPr lang="en-US" altLang="en-US" b="1" dirty="0" smtClean="0">
-                <a:solidFill>
-                  <a:srgbClr val="000000"/>
-                </a:solidFill>
-                <a:latin typeface="Courier New" pitchFamily="49" charset="0"/>
-                <a:cs typeface="Courier New" pitchFamily="49" charset="0"/>
-              </a:rPr>
-              <a:t>. </a:t>
-            </a:r>
-            <a:r>
-              <a:rPr lang="en-US" altLang="en-US" dirty="0" smtClean="0"/>
-              <a:t>The call returns status information and the pid of the terminated process</a:t>
-            </a:r>
-            <a:endParaRPr lang="en-US" altLang="en-US" b="1" dirty="0" smtClean="0">
-              <a:solidFill>
-                <a:srgbClr val="000000"/>
-              </a:solidFill>
-              <a:latin typeface="Courier New" pitchFamily="49" charset="0"/>
-              <a:cs typeface="Courier New" pitchFamily="49" charset="0"/>
-            </a:endParaRPr>
-          </a:p>
-          <a:p>
-            <a:pPr>
-              <a:buFont typeface="Monotype Sorts" pitchFamily="-84" charset="2"/>
-              <a:buNone/>
-            </a:pPr>
-            <a:r>
-              <a:rPr lang="en-US" altLang="en-US" b="1" dirty="0" smtClean="0">
-                <a:solidFill>
-                  <a:srgbClr val="000000"/>
-                </a:solidFill>
-                <a:latin typeface="Courier New" pitchFamily="49" charset="0"/>
-                <a:cs typeface="Courier New" pitchFamily="49" charset="0"/>
-              </a:rPr>
-              <a:t>      pid = wait(&amp;status); </a:t>
-            </a:r>
-          </a:p>
-          <a:p>
-            <a:r>
-              <a:rPr lang="en-US" altLang="en-US" dirty="0" smtClean="0"/>
-              <a:t>If no parent waiting (did not invoke </a:t>
-            </a:r>
-            <a:r>
-              <a:rPr lang="en-US" altLang="en-US" b="1" dirty="0" smtClean="0">
-                <a:solidFill>
-                  <a:srgbClr val="000000"/>
-                </a:solidFill>
-                <a:latin typeface="Courier New" pitchFamily="49" charset="0"/>
-                <a:cs typeface="Courier New" pitchFamily="49" charset="0"/>
-              </a:rPr>
-              <a:t>wait()</a:t>
-            </a:r>
-            <a:r>
-              <a:rPr lang="en-US" altLang="en-US" dirty="0" smtClean="0">
-                <a:cs typeface="Courier New" pitchFamily="49" charset="0"/>
-              </a:rPr>
-              <a:t>) </a:t>
-            </a:r>
-            <a:r>
-              <a:rPr lang="en-US" altLang="en-US" dirty="0" smtClean="0"/>
-              <a:t>process is a </a:t>
-            </a:r>
-            <a:r>
-              <a:rPr lang="en-US" altLang="en-US" b="1" dirty="0" smtClean="0">
+              <a:rPr lang="en-US" altLang="en-US" sz="4500" dirty="0" smtClean="0"/>
+              <a:t>Modularity</a:t>
+            </a:r>
+          </a:p>
+          <a:p>
+            <a:pPr lvl="1"/>
+            <a:r>
+              <a:rPr lang="en-US" altLang="en-US" sz="4500" dirty="0" smtClean="0"/>
+              <a:t>Convenience	</a:t>
+            </a:r>
+          </a:p>
+          <a:p>
+            <a:r>
+              <a:rPr lang="en-US" altLang="en-US" sz="5100" dirty="0" smtClean="0"/>
+              <a:t>Cooperating processes need </a:t>
+            </a:r>
+            <a:r>
+              <a:rPr lang="en-US" altLang="en-US" sz="5100" b="1" dirty="0" err="1" smtClean="0">
                 <a:solidFill>
                   <a:srgbClr val="F7B217"/>
                 </a:solidFill>
               </a:rPr>
-              <a:t>zombie</a:t>
-            </a:r>
-          </a:p>
-          <a:p>
-            <a:r>
-              <a:rPr lang="en-US" altLang="en-US" dirty="0" smtClean="0"/>
-              <a:t>If parent terminated without invoking</a:t>
-            </a:r>
-            <a:r>
-              <a:rPr lang="en-US" altLang="en-US" b="1" dirty="0" smtClean="0">
-                <a:solidFill>
-                  <a:srgbClr val="000000"/>
-                </a:solidFill>
-                <a:latin typeface="Courier New" pitchFamily="49" charset="0"/>
-                <a:cs typeface="Courier New" pitchFamily="49" charset="0"/>
-              </a:rPr>
-              <a:t> wait</a:t>
-            </a:r>
-            <a:r>
-              <a:rPr lang="en-US" altLang="en-US" dirty="0" smtClean="0"/>
-              <a:t> , process is an </a:t>
-            </a:r>
-            <a:r>
-              <a:rPr lang="en-US" altLang="en-US" b="1" dirty="0" smtClean="0">
+              <a:t>interprocess</a:t>
+            </a:r>
+            <a:r>
+              <a:rPr lang="en-US" altLang="en-US" sz="5100" b="1" dirty="0" smtClean="0">
                 <a:solidFill>
                   <a:srgbClr val="F7B217"/>
                 </a:solidFill>
               </a:rPr>
-              <a:t>orphan</a:t>
-            </a:r>
+              <a:t> communication</a:t>
+            </a:r>
+            <a:r>
+              <a:rPr lang="en-US" altLang="en-US" sz="5100" b="1" dirty="0" smtClean="0">
+                <a:solidFill>
+                  <a:srgbClr val="3366FF"/>
+                </a:solidFill>
+              </a:rPr>
+              <a:t> </a:t>
+            </a:r>
+            <a:r>
+              <a:rPr lang="en-US" altLang="en-US" sz="5100" dirty="0" smtClean="0"/>
+              <a:t>(</a:t>
+            </a:r>
+            <a:r>
+              <a:rPr lang="en-US" altLang="en-US" sz="5100" b="1" dirty="0" smtClean="0">
+                <a:solidFill>
+                  <a:srgbClr val="F7B217"/>
+                </a:solidFill>
+              </a:rPr>
+              <a:t>IPC</a:t>
+            </a:r>
+            <a:r>
+              <a:rPr lang="en-US" altLang="en-US" sz="5100" dirty="0" smtClean="0"/>
+              <a:t>)</a:t>
+            </a:r>
+          </a:p>
+          <a:p>
+            <a:r>
+              <a:rPr lang="en-US" altLang="en-US" sz="5100" dirty="0" smtClean="0"/>
+              <a:t>Two models of IPC</a:t>
+            </a:r>
+          </a:p>
+          <a:p>
+            <a:pPr lvl="1"/>
+            <a:r>
+              <a:rPr lang="en-US" altLang="en-US" sz="4500" b="1" dirty="0" smtClean="0">
+                <a:solidFill>
+                  <a:srgbClr val="F7B217"/>
+                </a:solidFill>
+              </a:rPr>
+              <a:t>Shared memory</a:t>
+            </a:r>
+          </a:p>
+          <a:p>
+            <a:pPr lvl="1"/>
+            <a:r>
+              <a:rPr lang="en-US" altLang="en-US" sz="4500" b="1" dirty="0" smtClean="0">
+                <a:solidFill>
+                  <a:srgbClr val="F7B217"/>
+                </a:solidFill>
+              </a:rPr>
+              <a:t>Message passing</a:t>
+            </a:r>
+          </a:p>
+          <a:p>
+            <a:pPr lvl="1"/>
+            <a:endParaRPr lang="en-US" altLang="en-US" dirty="0" smtClean="0"/>
           </a:p>
         </p:txBody>
       </p:sp>
@@ -9100,13 +9583,6 @@
   <p:clrMapOvr>
     <a:masterClrMapping/>
   </p:clrMapOvr>
-  <p:timing>
-    <p:tnLst>
-      <p:par>
-        <p:cTn id="1" dur="indefinite" restart="never" nodeType="tmRoot"/>
-      </p:par>
-    </p:tnLst>
-  </p:timing>
 </p:sld>
 </file>
 
@@ -9129,470 +9605,113 @@
       </p:grpSpPr>
       <p:sp>
         <p:nvSpPr>
-          <p:cNvPr id="4" name="Прямоугольник 3"/>
-          <p:cNvSpPr/>
-          <p:nvPr/>
-        </p:nvSpPr>
-        <p:spPr>
-          <a:xfrm>
-            <a:off x="2664999" y="472120"/>
-            <a:ext cx="7524751" cy="5262979"/>
-          </a:xfrm>
-          <a:prstGeom prst="rect">
-            <a:avLst/>
-          </a:prstGeom>
-          <a:noFill/>
-          <a:ln>
-            <a:noFill/>
-          </a:ln>
-          <a:scene3d>
-            <a:camera prst="perspectiveRelaxed"/>
-            <a:lightRig rig="threePt" dir="t"/>
-          </a:scene3d>
-        </p:spPr>
-        <p:txBody>
-          <a:bodyPr wrap="square" lIns="91440" tIns="45720" rIns="91440" bIns="45720">
-            <a:spAutoFit/>
+          <p:cNvPr id="2" name="Содержимое 1"/>
+          <p:cNvSpPr>
+            <a:spLocks noGrp="1"/>
+          </p:cNvSpPr>
+          <p:nvPr>
+            <p:ph idx="1"/>
+          </p:nvPr>
+        </p:nvSpPr>
+        <p:spPr>
+          <a:xfrm>
+            <a:off x="787400" y="1152653"/>
+            <a:ext cx="10515600" cy="968247"/>
+          </a:xfrm>
+        </p:spPr>
+        <p:txBody>
+          <a:bodyPr>
+            <a:normAutofit fontScale="70000" lnSpcReduction="20000"/>
           </a:bodyPr>
           <a:lstStyle/>
           <a:p>
             <a:r>
-              <a:rPr lang="en-US" sz="2400" dirty="0" smtClean="0">
-                <a:ln w="0"/>
+              <a:rPr lang="en-US" altLang="en-US" b="1" dirty="0" smtClean="0">
                 <a:solidFill>
-                  <a:srgbClr val="273272"/>
+                  <a:srgbClr val="000000"/>
                 </a:solidFill>
-                <a:effectLst>
-                  <a:reflection blurRad="6350" stA="53000" endA="300" endPos="35500" dir="5400000" sy="-90000" algn="bl" rotWithShape="0"/>
-                </a:effectLst>
                 <a:latin typeface="Courier New" pitchFamily="49" charset="0"/>
                 <a:cs typeface="Courier New" pitchFamily="49" charset="0"/>
               </a:rPr>
-              <a:t>		</a:t>
-            </a:r>
-          </a:p>
-          <a:p>
-            <a:r>
-              <a:rPr lang="en-US" sz="2400" dirty="0" smtClean="0">
-                <a:ln w="0"/>
+              <a:t>(</a:t>
+            </a:r>
+            <a:r>
+              <a:rPr lang="en-US" altLang="en-US" sz="5000" b="1" dirty="0" smtClean="0">
                 <a:solidFill>
-                  <a:srgbClr val="273272"/>
+                  <a:srgbClr val="1E3272"/>
                 </a:solidFill>
-                <a:effectLst>
-                  <a:reflection blurRad="6350" stA="53000" endA="300" endPos="35500" dir="5400000" sy="-90000" algn="bl" rotWithShape="0"/>
-                </a:effectLst>
                 <a:latin typeface="Courier New" pitchFamily="49" charset="0"/>
                 <a:cs typeface="Courier New" pitchFamily="49" charset="0"/>
               </a:rPr>
-              <a:t>		.text</a:t>
-            </a:r>
-          </a:p>
-          <a:p>
-            <a:r>
-              <a:rPr lang="en-US" sz="2400" dirty="0" smtClean="0">
-                <a:ln w="0"/>
-                <a:solidFill>
-                  <a:srgbClr val="273272"/>
-                </a:solidFill>
-                <a:effectLst>
-                  <a:reflection blurRad="6350" stA="53000" endA="300" endPos="35500" dir="5400000" sy="-90000" algn="bl" rotWithShape="0"/>
-                </a:effectLst>
-                <a:latin typeface="Courier New" pitchFamily="49" charset="0"/>
-                <a:cs typeface="Courier New" pitchFamily="49" charset="0"/>
-              </a:rPr>
-              <a:t>__start:	addi t1, zero, 0x18</a:t>
-            </a:r>
-          </a:p>
-          <a:p>
-            <a:r>
-              <a:rPr lang="en-US" sz="2400" dirty="0" smtClean="0">
-                <a:ln w="0"/>
-                <a:solidFill>
-                  <a:srgbClr val="273272"/>
-                </a:solidFill>
-                <a:effectLst>
-                  <a:reflection blurRad="6350" stA="53000" endA="300" endPos="35500" dir="5400000" sy="-90000" algn="bl" rotWithShape="0"/>
-                </a:effectLst>
-                <a:latin typeface="Courier New" pitchFamily="49" charset="0"/>
-                <a:cs typeface="Courier New" pitchFamily="49" charset="0"/>
-              </a:rPr>
-              <a:t>		addi t2, zero, 0x21</a:t>
-            </a:r>
-          </a:p>
-          <a:p>
-            <a:r>
-              <a:rPr lang="en-US" sz="2400" dirty="0" smtClean="0">
-                <a:ln w="0"/>
-                <a:solidFill>
-                  <a:srgbClr val="273272"/>
-                </a:solidFill>
-                <a:effectLst>
-                  <a:reflection blurRad="6350" stA="53000" endA="300" endPos="35500" dir="5400000" sy="-90000" algn="bl" rotWithShape="0"/>
-                </a:effectLst>
-                <a:latin typeface="Courier New" pitchFamily="49" charset="0"/>
-                <a:cs typeface="Courier New" pitchFamily="49" charset="0"/>
-              </a:rPr>
-              <a:t>cycle:	</a:t>
-            </a:r>
-            <a:r>
-              <a:rPr lang="en-US" sz="2400" dirty="0" err="1" smtClean="0">
-                <a:ln w="0"/>
-                <a:solidFill>
-                  <a:srgbClr val="273272"/>
-                </a:solidFill>
-                <a:effectLst>
-                  <a:reflection blurRad="6350" stA="53000" endA="300" endPos="35500" dir="5400000" sy="-90000" algn="bl" rotWithShape="0"/>
-                </a:effectLst>
-                <a:latin typeface="Courier New" pitchFamily="49" charset="0"/>
-                <a:cs typeface="Courier New" pitchFamily="49" charset="0"/>
-              </a:rPr>
-              <a:t>beq</a:t>
-            </a:r>
-            <a:r>
-              <a:rPr lang="en-US" sz="2400" dirty="0" smtClean="0">
-                <a:ln w="0"/>
-                <a:solidFill>
-                  <a:srgbClr val="273272"/>
-                </a:solidFill>
-                <a:effectLst>
-                  <a:reflection blurRad="6350" stA="53000" endA="300" endPos="35500" dir="5400000" sy="-90000" algn="bl" rotWithShape="0"/>
-                </a:effectLst>
-                <a:latin typeface="Courier New" pitchFamily="49" charset="0"/>
-                <a:cs typeface="Courier New" pitchFamily="49" charset="0"/>
-              </a:rPr>
-              <a:t> t1, t2, done</a:t>
-            </a:r>
-          </a:p>
-          <a:p>
-            <a:r>
-              <a:rPr lang="en-US" sz="2400" dirty="0" smtClean="0">
-                <a:ln w="0"/>
-                <a:solidFill>
-                  <a:srgbClr val="273272"/>
-                </a:solidFill>
-                <a:effectLst>
-                  <a:reflection blurRad="6350" stA="53000" endA="300" endPos="35500" dir="5400000" sy="-90000" algn="bl" rotWithShape="0"/>
-                </a:effectLst>
-                <a:latin typeface="Courier New" pitchFamily="49" charset="0"/>
-                <a:cs typeface="Courier New" pitchFamily="49" charset="0"/>
-              </a:rPr>
-              <a:t>		</a:t>
-            </a:r>
-            <a:r>
-              <a:rPr lang="en-US" sz="2400" dirty="0" err="1" smtClean="0">
-                <a:ln w="0"/>
-                <a:solidFill>
-                  <a:srgbClr val="273272"/>
-                </a:solidFill>
-                <a:effectLst>
-                  <a:reflection blurRad="6350" stA="53000" endA="300" endPos="35500" dir="5400000" sy="-90000" algn="bl" rotWithShape="0"/>
-                </a:effectLst>
-                <a:latin typeface="Courier New" pitchFamily="49" charset="0"/>
-                <a:cs typeface="Courier New" pitchFamily="49" charset="0"/>
-              </a:rPr>
-              <a:t>slt</a:t>
-            </a:r>
-            <a:r>
-              <a:rPr lang="en-US" sz="2400" dirty="0" smtClean="0">
-                <a:ln w="0"/>
-                <a:solidFill>
-                  <a:srgbClr val="273272"/>
-                </a:solidFill>
-                <a:effectLst>
-                  <a:reflection blurRad="6350" stA="53000" endA="300" endPos="35500" dir="5400000" sy="-90000" algn="bl" rotWithShape="0"/>
-                </a:effectLst>
-                <a:latin typeface="Courier New" pitchFamily="49" charset="0"/>
-                <a:cs typeface="Courier New" pitchFamily="49" charset="0"/>
-              </a:rPr>
-              <a:t> t0, t1, t2</a:t>
-            </a:r>
-          </a:p>
-          <a:p>
-            <a:r>
-              <a:rPr lang="en-US" sz="2400" dirty="0" smtClean="0">
-                <a:ln w="0"/>
-                <a:solidFill>
-                  <a:srgbClr val="273272"/>
-                </a:solidFill>
-                <a:effectLst>
-                  <a:reflection blurRad="6350" stA="53000" endA="300" endPos="35500" dir="5400000" sy="-90000" algn="bl" rotWithShape="0"/>
-                </a:effectLst>
-                <a:latin typeface="Courier New" pitchFamily="49" charset="0"/>
-                <a:cs typeface="Courier New" pitchFamily="49" charset="0"/>
-              </a:rPr>
-              <a:t>		</a:t>
-            </a:r>
-            <a:r>
-              <a:rPr lang="en-US" sz="2400" dirty="0" err="1" smtClean="0">
-                <a:ln w="0"/>
-                <a:solidFill>
-                  <a:srgbClr val="273272"/>
-                </a:solidFill>
-                <a:effectLst>
-                  <a:reflection blurRad="6350" stA="53000" endA="300" endPos="35500" dir="5400000" sy="-90000" algn="bl" rotWithShape="0"/>
-                </a:effectLst>
-                <a:latin typeface="Courier New" pitchFamily="49" charset="0"/>
-                <a:cs typeface="Courier New" pitchFamily="49" charset="0"/>
-              </a:rPr>
-              <a:t>bne</a:t>
-            </a:r>
-            <a:r>
-              <a:rPr lang="en-US" sz="2400" dirty="0" smtClean="0">
-                <a:ln w="0"/>
-                <a:solidFill>
-                  <a:srgbClr val="273272"/>
-                </a:solidFill>
-                <a:effectLst>
-                  <a:reflection blurRad="6350" stA="53000" endA="300" endPos="35500" dir="5400000" sy="-90000" algn="bl" rotWithShape="0"/>
-                </a:effectLst>
-                <a:latin typeface="Courier New" pitchFamily="49" charset="0"/>
-                <a:cs typeface="Courier New" pitchFamily="49" charset="0"/>
-              </a:rPr>
-              <a:t> t0, zero, </a:t>
-            </a:r>
-            <a:r>
-              <a:rPr lang="en-US" sz="2400" dirty="0" err="1" smtClean="0">
-                <a:ln w="0"/>
-                <a:solidFill>
-                  <a:srgbClr val="273272"/>
-                </a:solidFill>
-                <a:effectLst>
-                  <a:reflection blurRad="6350" stA="53000" endA="300" endPos="35500" dir="5400000" sy="-90000" algn="bl" rotWithShape="0"/>
-                </a:effectLst>
-                <a:latin typeface="Courier New" pitchFamily="49" charset="0"/>
-                <a:cs typeface="Courier New" pitchFamily="49" charset="0"/>
-              </a:rPr>
-              <a:t>if_less</a:t>
-            </a:r>
-            <a:endParaRPr lang="en-US" sz="2400" dirty="0" smtClean="0">
-              <a:ln w="0"/>
+              <a:t>a) Message passing. </a:t>
+            </a:r>
+            <a:endParaRPr lang="en-US" altLang="en-US" sz="5000" b="1" dirty="0" smtClean="0">
               <a:solidFill>
-                <a:srgbClr val="273272"/>
+                <a:srgbClr val="1E3272"/>
               </a:solidFill>
-              <a:effectLst>
-                <a:reflection blurRad="6350" stA="53000" endA="300" endPos="35500" dir="5400000" sy="-90000" algn="bl" rotWithShape="0"/>
-              </a:effectLst>
               <a:latin typeface="Courier New" pitchFamily="49" charset="0"/>
               <a:cs typeface="Courier New" pitchFamily="49" charset="0"/>
             </a:endParaRPr>
           </a:p>
           <a:p>
             <a:r>
-              <a:rPr lang="en-US" sz="2400" dirty="0" smtClean="0">
-                <a:ln w="0"/>
+              <a:rPr lang="en-US" altLang="en-US" sz="5000" b="1" dirty="0" smtClean="0">
                 <a:solidFill>
-                  <a:srgbClr val="273272"/>
+                  <a:srgbClr val="1E3272"/>
                 </a:solidFill>
-                <a:effectLst>
-                  <a:reflection blurRad="6350" stA="53000" endA="300" endPos="35500" dir="5400000" sy="-90000" algn="bl" rotWithShape="0"/>
-                </a:effectLst>
                 <a:latin typeface="Courier New" pitchFamily="49" charset="0"/>
                 <a:cs typeface="Courier New" pitchFamily="49" charset="0"/>
               </a:rPr>
-              <a:t>		</a:t>
-            </a:r>
-            <a:r>
-              <a:rPr lang="en-US" sz="2400" dirty="0" err="1" smtClean="0">
-                <a:ln w="0"/>
+              <a:t>(</a:t>
+            </a:r>
+            <a:r>
+              <a:rPr lang="en-US" altLang="en-US" sz="5000" b="1" dirty="0" smtClean="0">
                 <a:solidFill>
-                  <a:srgbClr val="273272"/>
+                  <a:srgbClr val="1E3272"/>
                 </a:solidFill>
-                <a:effectLst>
-                  <a:reflection blurRad="6350" stA="53000" endA="300" endPos="35500" dir="5400000" sy="-90000" algn="bl" rotWithShape="0"/>
-                </a:effectLst>
                 <a:latin typeface="Courier New" pitchFamily="49" charset="0"/>
                 <a:cs typeface="Courier New" pitchFamily="49" charset="0"/>
               </a:rPr>
-              <a:t>nop</a:t>
-            </a:r>
-            <a:endParaRPr lang="en-US" sz="2400" dirty="0" smtClean="0">
-              <a:ln w="0"/>
-              <a:solidFill>
-                <a:srgbClr val="273272"/>
-              </a:solidFill>
-              <a:effectLst>
-                <a:reflection blurRad="6350" stA="53000" endA="300" endPos="35500" dir="5400000" sy="-90000" algn="bl" rotWithShape="0"/>
-              </a:effectLst>
-              <a:latin typeface="Courier New" pitchFamily="49" charset="0"/>
-              <a:cs typeface="Courier New" pitchFamily="49" charset="0"/>
-            </a:endParaRPr>
-          </a:p>
-          <a:p>
-            <a:r>
-              <a:rPr lang="en-US" sz="2400" dirty="0" smtClean="0">
-                <a:ln w="0"/>
+              <a:t>b) </a:t>
+            </a:r>
+            <a:r>
+              <a:rPr lang="en-US" altLang="en-US" sz="5000" b="1" dirty="0" smtClean="0">
                 <a:solidFill>
-                  <a:srgbClr val="273272"/>
+                  <a:srgbClr val="1E3272"/>
                 </a:solidFill>
-                <a:effectLst>
-                  <a:reflection blurRad="6350" stA="53000" endA="300" endPos="35500" dir="5400000" sy="-90000" algn="bl" rotWithShape="0"/>
-                </a:effectLst>
                 <a:latin typeface="Courier New" pitchFamily="49" charset="0"/>
                 <a:cs typeface="Courier New" pitchFamily="49" charset="0"/>
               </a:rPr>
-              <a:t>		sub t1, t1, t2</a:t>
-            </a:r>
-          </a:p>
-          <a:p>
-            <a:r>
-              <a:rPr lang="en-US" sz="2400" dirty="0" smtClean="0">
-                <a:ln w="0"/>
+              <a:t>Shared </a:t>
+            </a:r>
+            <a:r>
+              <a:rPr lang="en-US" altLang="en-US" sz="5000" b="1" dirty="0" smtClean="0">
                 <a:solidFill>
-                  <a:srgbClr val="273272"/>
+                  <a:srgbClr val="1E3272"/>
                 </a:solidFill>
-                <a:effectLst>
-                  <a:reflection blurRad="6350" stA="53000" endA="300" endPos="35500" dir="5400000" sy="-90000" algn="bl" rotWithShape="0"/>
-                </a:effectLst>
                 <a:latin typeface="Courier New" pitchFamily="49" charset="0"/>
                 <a:cs typeface="Courier New" pitchFamily="49" charset="0"/>
               </a:rPr>
-              <a:t>		j cycle</a:t>
-            </a:r>
-          </a:p>
-          <a:p>
-            <a:r>
-              <a:rPr lang="en-US" sz="2400" dirty="0" smtClean="0">
-                <a:ln w="0"/>
+              <a:t>memory. </a:t>
+            </a:r>
+            <a:r>
+              <a:rPr lang="en-US" altLang="en-US" sz="5000" b="1" dirty="0" smtClean="0">
                 <a:solidFill>
-                  <a:srgbClr val="273272"/>
+                  <a:srgbClr val="1E3272"/>
                 </a:solidFill>
-                <a:effectLst>
-                  <a:reflection blurRad="6350" stA="53000" endA="300" endPos="35500" dir="5400000" sy="-90000" algn="bl" rotWithShape="0"/>
-                </a:effectLst>
-                <a:latin typeface="Courier New" pitchFamily="49" charset="0"/>
                 <a:cs typeface="Courier New" pitchFamily="49" charset="0"/>
               </a:rPr>
-              <a:t>		</a:t>
-            </a:r>
-            <a:r>
-              <a:rPr lang="en-US" sz="2400" dirty="0" err="1" smtClean="0">
-                <a:ln w="0"/>
-                <a:solidFill>
-                  <a:srgbClr val="273272"/>
-                </a:solidFill>
-                <a:effectLst>
-                  <a:reflection blurRad="6350" stA="53000" endA="300" endPos="35500" dir="5400000" sy="-90000" algn="bl" rotWithShape="0"/>
-                </a:effectLst>
-                <a:latin typeface="Courier New" pitchFamily="49" charset="0"/>
-                <a:cs typeface="Courier New" pitchFamily="49" charset="0"/>
-              </a:rPr>
-              <a:t>nop</a:t>
-            </a:r>
-            <a:endParaRPr lang="en-US" sz="2400" dirty="0" smtClean="0">
-              <a:ln w="0"/>
-              <a:solidFill>
-                <a:srgbClr val="273272"/>
-              </a:solidFill>
-              <a:effectLst>
-                <a:reflection blurRad="6350" stA="53000" endA="300" endPos="35500" dir="5400000" sy="-90000" algn="bl" rotWithShape="0"/>
-              </a:effectLst>
-              <a:latin typeface="Courier New" pitchFamily="49" charset="0"/>
-              <a:cs typeface="Courier New" pitchFamily="49" charset="0"/>
-            </a:endParaRPr>
-          </a:p>
-          <a:p>
-            <a:r>
-              <a:rPr lang="en-US" sz="2400" dirty="0" err="1" smtClean="0">
-                <a:ln w="0"/>
-                <a:solidFill>
-                  <a:srgbClr val="273272"/>
-                </a:solidFill>
-                <a:effectLst>
-                  <a:reflection blurRad="6350" stA="53000" endA="300" endPos="35500" dir="5400000" sy="-90000" algn="bl" rotWithShape="0"/>
-                </a:effectLst>
-                <a:latin typeface="Courier New" pitchFamily="49" charset="0"/>
-                <a:cs typeface="Courier New" pitchFamily="49" charset="0"/>
-              </a:rPr>
-              <a:t>if_less</a:t>
-            </a:r>
-            <a:r>
-              <a:rPr lang="en-US" sz="2400" dirty="0" smtClean="0">
-                <a:ln w="0"/>
-                <a:solidFill>
-                  <a:srgbClr val="273272"/>
-                </a:solidFill>
-                <a:effectLst>
-                  <a:reflection blurRad="6350" stA="53000" endA="300" endPos="35500" dir="5400000" sy="-90000" algn="bl" rotWithShape="0"/>
-                </a:effectLst>
-                <a:latin typeface="Courier New" pitchFamily="49" charset="0"/>
-                <a:cs typeface="Courier New" pitchFamily="49" charset="0"/>
-              </a:rPr>
-              <a:t>:	sub t2, t2, t1</a:t>
-            </a:r>
-          </a:p>
-          <a:p>
-            <a:r>
-              <a:rPr lang="en-US" sz="2400" dirty="0" smtClean="0">
-                <a:ln w="0"/>
-                <a:solidFill>
-                  <a:srgbClr val="273272"/>
-                </a:solidFill>
-                <a:effectLst>
-                  <a:reflection blurRad="6350" stA="53000" endA="300" endPos="35500" dir="5400000" sy="-90000" algn="bl" rotWithShape="0"/>
-                </a:effectLst>
-                <a:latin typeface="Courier New" pitchFamily="49" charset="0"/>
-                <a:cs typeface="Courier New" pitchFamily="49" charset="0"/>
-              </a:rPr>
-              <a:t>		j cycle</a:t>
-            </a:r>
-          </a:p>
-          <a:p>
-            <a:r>
-              <a:rPr lang="en-US" sz="2400" dirty="0" smtClean="0">
-                <a:ln w="0"/>
-                <a:solidFill>
-                  <a:srgbClr val="273272"/>
-                </a:solidFill>
-                <a:effectLst>
-                  <a:reflection blurRad="6350" stA="53000" endA="300" endPos="35500" dir="5400000" sy="-90000" algn="bl" rotWithShape="0"/>
-                </a:effectLst>
-                <a:latin typeface="Courier New" pitchFamily="49" charset="0"/>
-                <a:cs typeface="Courier New" pitchFamily="49" charset="0"/>
-              </a:rPr>
-              <a:t>done:		add t3, t1, zero</a:t>
-            </a:r>
-            <a:endParaRPr lang="ru-RU" sz="2400" b="0" cap="none" spc="0" dirty="0">
-              <a:ln w="0"/>
-              <a:solidFill>
-                <a:srgbClr val="273272"/>
-              </a:solidFill>
-              <a:effectLst>
-                <a:reflection blurRad="6350" stA="53000" endA="300" endPos="35500" dir="5400000" sy="-90000" algn="bl" rotWithShape="0"/>
-              </a:effectLst>
-              <a:latin typeface="Courier New" pitchFamily="49" charset="0"/>
-              <a:cs typeface="Courier New" pitchFamily="49" charset="0"/>
-            </a:endParaRPr>
-          </a:p>
-        </p:txBody>
-      </p:sp>
-      <p:sp>
-        <p:nvSpPr>
-          <p:cNvPr id="2" name="Заголовок 1"/>
-          <p:cNvSpPr>
-            <a:spLocks noGrp="1"/>
-          </p:cNvSpPr>
-          <p:nvPr>
-            <p:ph type="title"/>
-          </p:nvPr>
-        </p:nvSpPr>
-        <p:spPr/>
-        <p:txBody>
-          <a:bodyPr>
-            <a:normAutofit/>
-          </a:bodyPr>
-          <a:lstStyle/>
-          <a:p>
-            <a:r>
-              <a:rPr lang="en-US" dirty="0" smtClean="0"/>
-              <a:t>Any Questions?</a:t>
-            </a:r>
-            <a:endParaRPr lang="ru-RU" sz="4000" dirty="0"/>
-          </a:p>
-        </p:txBody>
-      </p:sp>
-      <p:sp>
-        <p:nvSpPr>
-          <p:cNvPr id="6" name="Номер слайда 5"/>
+              <a:t> </a:t>
+            </a:r>
+          </a:p>
+          <a:p>
+            <a:endParaRPr lang="ru-RU" dirty="0"/>
+          </a:p>
+        </p:txBody>
+      </p:sp>
+      <p:sp>
+        <p:nvSpPr>
+          <p:cNvPr id="3" name="Номер слайда 2"/>
           <p:cNvSpPr>
             <a:spLocks noGrp="1"/>
           </p:cNvSpPr>
@@ -9615,23 +9734,584 @@
           </a:p>
         </p:txBody>
       </p:sp>
+      <p:sp>
+        <p:nvSpPr>
+          <p:cNvPr id="4" name="Заголовок 3"/>
+          <p:cNvSpPr>
+            <a:spLocks noGrp="1"/>
+          </p:cNvSpPr>
+          <p:nvPr>
+            <p:ph type="title"/>
+          </p:nvPr>
+        </p:nvSpPr>
+        <p:spPr/>
+        <p:txBody>
+          <a:bodyPr/>
+          <a:lstStyle/>
+          <a:p>
+            <a:r>
+              <a:rPr lang="en-US" altLang="en-US" dirty="0" smtClean="0"/>
+              <a:t>Communications Models </a:t>
+            </a:r>
+            <a:endParaRPr lang="ru-RU" dirty="0"/>
+          </a:p>
+        </p:txBody>
+      </p:sp>
+      <p:pic>
+        <p:nvPicPr>
+          <p:cNvPr id="5" name="Picture 1" descr="3_12.pdf"/>
+          <p:cNvPicPr>
+            <a:picLocks noChangeAspect="1"/>
+          </p:cNvPicPr>
+          <p:nvPr/>
+        </p:nvPicPr>
+        <p:blipFill>
+          <a:blip r:embed="rId2" cstate="print"/>
+          <a:srcRect/>
+          <a:stretch>
+            <a:fillRect/>
+          </a:stretch>
+        </p:blipFill>
+        <p:spPr bwMode="auto">
+          <a:xfrm>
+            <a:off x="2089151" y="2271713"/>
+            <a:ext cx="8134349" cy="4324350"/>
+          </a:xfrm>
+          <a:prstGeom prst="rect">
+            <a:avLst/>
+          </a:prstGeom>
+          <a:noFill/>
+          <a:ln w="9525">
+            <a:noFill/>
+            <a:miter lim="800000"/>
+            <a:headEnd/>
+            <a:tailEnd/>
+          </a:ln>
+        </p:spPr>
+      </p:pic>
     </p:spTree>
-    <p:extLst>
-      <p:ext uri="{BB962C8B-B14F-4D97-AF65-F5344CB8AC3E}">
-        <p14:creationId xmlns="" xmlns:p14="http://schemas.microsoft.com/office/powerpoint/2010/main" val="4217875043"/>
-      </p:ext>
-    </p:extLst>
   </p:cSld>
   <p:clrMapOvr>
     <a:masterClrMapping/>
   </p:clrMapOvr>
-  <p:timing>
-    <p:tnLst>
-      <p:par>
-        <p:cTn id="1" dur="indefinite" restart="never" nodeType="tmRoot"/>
-      </p:par>
-    </p:tnLst>
-  </p:timing>
+</p:sld>
+</file>
+
+<file path=ppt/slides/slide27.xml><?xml version="1.0" encoding="utf-8"?>
+<p:sld xmlns:a="http://schemas.openxmlformats.org/drawingml/2006/main" xmlns:r="http://schemas.openxmlformats.org/officeDocument/2006/relationships" xmlns:p="http://schemas.openxmlformats.org/presentationml/2006/main">
+  <p:cSld>
+    <p:spTree>
+      <p:nvGrpSpPr>
+        <p:cNvPr id="1" name=""/>
+        <p:cNvGrpSpPr/>
+        <p:nvPr/>
+      </p:nvGrpSpPr>
+      <p:grpSpPr>
+        <a:xfrm>
+          <a:off x="0" y="0"/>
+          <a:ext cx="0" cy="0"/>
+          <a:chOff x="0" y="0"/>
+          <a:chExt cx="0" cy="0"/>
+        </a:xfrm>
+      </p:grpSpPr>
+      <p:sp>
+        <p:nvSpPr>
+          <p:cNvPr id="33794" name="Rectangle 2"/>
+          <p:cNvSpPr>
+            <a:spLocks noGrp="1" noChangeArrowheads="1"/>
+          </p:cNvSpPr>
+          <p:nvPr>
+            <p:ph type="title"/>
+          </p:nvPr>
+        </p:nvSpPr>
+        <p:spPr>
+          <a:xfrm>
+            <a:off x="1413933" y="277813"/>
+            <a:ext cx="10168467" cy="576262"/>
+          </a:xfrm>
+        </p:spPr>
+        <p:txBody>
+          <a:bodyPr>
+            <a:normAutofit fontScale="90000"/>
+          </a:bodyPr>
+          <a:lstStyle/>
+          <a:p>
+            <a:pPr eaLnBrk="1" hangingPunct="1"/>
+            <a:r>
+              <a:rPr lang="en-US" smtClean="0"/>
+              <a:t>Cooperating Processes</a:t>
+            </a:r>
+          </a:p>
+        </p:txBody>
+      </p:sp>
+      <p:sp>
+        <p:nvSpPr>
+          <p:cNvPr id="33795" name="Rectangle 3"/>
+          <p:cNvSpPr>
+            <a:spLocks noGrp="1" noChangeArrowheads="1"/>
+          </p:cNvSpPr>
+          <p:nvPr>
+            <p:ph type="body" idx="1"/>
+          </p:nvPr>
+        </p:nvSpPr>
+        <p:spPr>
+          <a:xfrm>
+            <a:off x="1075267" y="1233489"/>
+            <a:ext cx="10039351" cy="4530725"/>
+          </a:xfrm>
+        </p:spPr>
+        <p:txBody>
+          <a:bodyPr>
+            <a:normAutofit lnSpcReduction="10000"/>
+          </a:bodyPr>
+          <a:lstStyle/>
+          <a:p>
+            <a:r>
+              <a:rPr lang="en-US" b="1" i="1" dirty="0" smtClean="0">
+                <a:solidFill>
+                  <a:srgbClr val="F7B217"/>
+                </a:solidFill>
+              </a:rPr>
+              <a:t>Independent</a:t>
+            </a:r>
+            <a:r>
+              <a:rPr lang="en-US" dirty="0" smtClean="0"/>
+              <a:t> process cannot affect or be affected by the execution of another process</a:t>
+            </a:r>
+          </a:p>
+          <a:p>
+            <a:r>
+              <a:rPr lang="en-US" b="1" i="1" dirty="0" smtClean="0">
+                <a:solidFill>
+                  <a:srgbClr val="F7B217"/>
+                </a:solidFill>
+              </a:rPr>
+              <a:t>Cooperating</a:t>
+            </a:r>
+            <a:r>
+              <a:rPr lang="en-US" dirty="0" smtClean="0"/>
+              <a:t> process can affect or be affected by the execution of another process</a:t>
+            </a:r>
+          </a:p>
+          <a:p>
+            <a:r>
+              <a:rPr lang="en-US" dirty="0" smtClean="0"/>
+              <a:t>Advantages of process cooperation</a:t>
+            </a:r>
+          </a:p>
+          <a:p>
+            <a:pPr lvl="1"/>
+            <a:r>
+              <a:rPr lang="en-US" dirty="0" smtClean="0"/>
+              <a:t>Information sharing </a:t>
+            </a:r>
+          </a:p>
+          <a:p>
+            <a:pPr lvl="1"/>
+            <a:r>
+              <a:rPr lang="en-US" dirty="0" smtClean="0"/>
+              <a:t>Computation speed-up</a:t>
+            </a:r>
+          </a:p>
+          <a:p>
+            <a:pPr lvl="1"/>
+            <a:r>
+              <a:rPr lang="en-US" dirty="0" smtClean="0"/>
+              <a:t>Modularity</a:t>
+            </a:r>
+          </a:p>
+          <a:p>
+            <a:pPr lvl="1"/>
+            <a:r>
+              <a:rPr lang="en-US" dirty="0" smtClean="0"/>
+              <a:t>Convenience</a:t>
+            </a:r>
+          </a:p>
+        </p:txBody>
+      </p:sp>
+      <p:sp>
+        <p:nvSpPr>
+          <p:cNvPr id="4" name="Номер слайда 5"/>
+          <p:cNvSpPr>
+            <a:spLocks noGrp="1"/>
+          </p:cNvSpPr>
+          <p:nvPr>
+            <p:ph type="sldNum" sz="quarter" idx="12"/>
+          </p:nvPr>
+        </p:nvSpPr>
+        <p:spPr>
+          <a:xfrm>
+            <a:off x="10776031" y="6190938"/>
+            <a:ext cx="594673" cy="479419"/>
+          </a:xfrm>
+        </p:spPr>
+        <p:txBody>
+          <a:bodyPr/>
+          <a:lstStyle/>
+          <a:p>
+            <a:pPr algn="ctr"/>
+            <a:fld id="{1397BFD8-F312-4EF2-A268-44FB4BDDBBB0}" type="slidenum">
+              <a:rPr lang="ru-RU" smtClean="0"/>
+              <a:pPr algn="ctr"/>
+              <a:t>27</a:t>
+            </a:fld>
+            <a:endParaRPr lang="ru-RU" dirty="0"/>
+          </a:p>
+        </p:txBody>
+      </p:sp>
+    </p:spTree>
+  </p:cSld>
+  <p:clrMapOvr>
+    <a:masterClrMapping/>
+  </p:clrMapOvr>
+</p:sld>
+</file>
+
+<file path=ppt/slides/slide28.xml><?xml version="1.0" encoding="utf-8"?>
+<p:sld xmlns:a="http://schemas.openxmlformats.org/drawingml/2006/main" xmlns:r="http://schemas.openxmlformats.org/officeDocument/2006/relationships" xmlns:p="http://schemas.openxmlformats.org/presentationml/2006/main">
+  <p:cSld>
+    <p:spTree>
+      <p:nvGrpSpPr>
+        <p:cNvPr id="1" name=""/>
+        <p:cNvGrpSpPr/>
+        <p:nvPr/>
+      </p:nvGrpSpPr>
+      <p:grpSpPr>
+        <a:xfrm>
+          <a:off x="0" y="0"/>
+          <a:ext cx="0" cy="0"/>
+          <a:chOff x="0" y="0"/>
+          <a:chExt cx="0" cy="0"/>
+        </a:xfrm>
+      </p:grpSpPr>
+      <p:sp>
+        <p:nvSpPr>
+          <p:cNvPr id="34818" name="Rectangle 2"/>
+          <p:cNvSpPr>
+            <a:spLocks noGrp="1" noChangeArrowheads="1"/>
+          </p:cNvSpPr>
+          <p:nvPr>
+            <p:ph type="title"/>
+          </p:nvPr>
+        </p:nvSpPr>
+        <p:spPr>
+          <a:xfrm>
+            <a:off x="999067" y="247651"/>
+            <a:ext cx="10583333" cy="576263"/>
+          </a:xfrm>
+        </p:spPr>
+        <p:txBody>
+          <a:bodyPr>
+            <a:normAutofit fontScale="90000"/>
+          </a:bodyPr>
+          <a:lstStyle/>
+          <a:p>
+            <a:pPr eaLnBrk="1" hangingPunct="1"/>
+            <a:r>
+              <a:rPr lang="en-US" smtClean="0"/>
+              <a:t>Producer-Consumer Problem</a:t>
+            </a:r>
+          </a:p>
+        </p:txBody>
+      </p:sp>
+      <p:sp>
+        <p:nvSpPr>
+          <p:cNvPr id="34819" name="Rectangle 3"/>
+          <p:cNvSpPr>
+            <a:spLocks noGrp="1" noChangeArrowheads="1"/>
+          </p:cNvSpPr>
+          <p:nvPr>
+            <p:ph type="body" idx="1"/>
+          </p:nvPr>
+        </p:nvSpPr>
+        <p:spPr>
+          <a:xfrm>
+            <a:off x="1123951" y="1185863"/>
+            <a:ext cx="8890000" cy="4498975"/>
+          </a:xfrm>
+        </p:spPr>
+        <p:txBody>
+          <a:bodyPr/>
+          <a:lstStyle/>
+          <a:p>
+            <a:r>
+              <a:rPr lang="en-US" dirty="0" smtClean="0"/>
+              <a:t>Paradigm for cooperating processes, </a:t>
+            </a:r>
+            <a:r>
+              <a:rPr lang="en-US" i="1" dirty="0" smtClean="0"/>
+              <a:t>producer</a:t>
+            </a:r>
+            <a:r>
+              <a:rPr lang="en-US" dirty="0" smtClean="0"/>
+              <a:t> process produces information that is consumed by a </a:t>
+            </a:r>
+            <a:r>
+              <a:rPr lang="en-US" i="1" dirty="0" smtClean="0"/>
+              <a:t>consumer</a:t>
+            </a:r>
+            <a:r>
+              <a:rPr lang="en-US" dirty="0" smtClean="0"/>
+              <a:t> process</a:t>
+            </a:r>
+          </a:p>
+          <a:p>
+            <a:pPr lvl="1"/>
+            <a:r>
+              <a:rPr lang="en-US" b="1" dirty="0" smtClean="0">
+                <a:solidFill>
+                  <a:srgbClr val="F7B217"/>
+                </a:solidFill>
+              </a:rPr>
+              <a:t>unbounded-buffer</a:t>
+            </a:r>
+            <a:r>
+              <a:rPr lang="en-US" b="1" dirty="0" smtClean="0">
+                <a:solidFill>
+                  <a:srgbClr val="3366FF"/>
+                </a:solidFill>
+              </a:rPr>
+              <a:t> </a:t>
+            </a:r>
+            <a:r>
+              <a:rPr lang="en-US" dirty="0" smtClean="0"/>
+              <a:t>places no practical limit on the size of the buffer</a:t>
+            </a:r>
+          </a:p>
+          <a:p>
+            <a:pPr lvl="1"/>
+            <a:r>
+              <a:rPr lang="en-US" b="1" dirty="0" smtClean="0">
+                <a:solidFill>
+                  <a:srgbClr val="F7B217"/>
+                </a:solidFill>
+              </a:rPr>
+              <a:t>bounded-buffer </a:t>
+            </a:r>
+            <a:r>
+              <a:rPr lang="en-US" dirty="0" smtClean="0"/>
+              <a:t>assumes that there is a fixed buffer size</a:t>
+            </a:r>
+          </a:p>
+        </p:txBody>
+      </p:sp>
+      <p:sp>
+        <p:nvSpPr>
+          <p:cNvPr id="4" name="Номер слайда 5"/>
+          <p:cNvSpPr>
+            <a:spLocks noGrp="1"/>
+          </p:cNvSpPr>
+          <p:nvPr>
+            <p:ph type="sldNum" sz="quarter" idx="12"/>
+          </p:nvPr>
+        </p:nvSpPr>
+        <p:spPr>
+          <a:xfrm>
+            <a:off x="10776031" y="6190938"/>
+            <a:ext cx="594673" cy="479419"/>
+          </a:xfrm>
+        </p:spPr>
+        <p:txBody>
+          <a:bodyPr/>
+          <a:lstStyle/>
+          <a:p>
+            <a:pPr algn="ctr"/>
+            <a:fld id="{1397BFD8-F312-4EF2-A268-44FB4BDDBBB0}" type="slidenum">
+              <a:rPr lang="ru-RU" smtClean="0"/>
+              <a:pPr algn="ctr"/>
+              <a:t>28</a:t>
+            </a:fld>
+            <a:endParaRPr lang="ru-RU" dirty="0"/>
+          </a:p>
+        </p:txBody>
+      </p:sp>
+    </p:spTree>
+  </p:cSld>
+  <p:clrMapOvr>
+    <a:masterClrMapping/>
+  </p:clrMapOvr>
+</p:sld>
+</file>
+
+<file path=ppt/slides/slide29.xml><?xml version="1.0" encoding="utf-8"?>
+<p:sld xmlns:a="http://schemas.openxmlformats.org/drawingml/2006/main" xmlns:r="http://schemas.openxmlformats.org/officeDocument/2006/relationships" xmlns:p="http://schemas.openxmlformats.org/presentationml/2006/main">
+  <p:cSld>
+    <p:spTree>
+      <p:nvGrpSpPr>
+        <p:cNvPr id="1" name=""/>
+        <p:cNvGrpSpPr/>
+        <p:nvPr/>
+      </p:nvGrpSpPr>
+      <p:grpSpPr>
+        <a:xfrm>
+          <a:off x="0" y="0"/>
+          <a:ext cx="0" cy="0"/>
+          <a:chOff x="0" y="0"/>
+          <a:chExt cx="0" cy="0"/>
+        </a:xfrm>
+      </p:grpSpPr>
+      <p:sp>
+        <p:nvSpPr>
+          <p:cNvPr id="38914" name="Rectangle 2"/>
+          <p:cNvSpPr>
+            <a:spLocks noGrp="1" noChangeArrowheads="1"/>
+          </p:cNvSpPr>
+          <p:nvPr>
+            <p:ph type="title"/>
+          </p:nvPr>
+        </p:nvSpPr>
+        <p:spPr>
+          <a:xfrm>
+            <a:off x="863600" y="152400"/>
+            <a:ext cx="10477500" cy="876299"/>
+          </a:xfrm>
+        </p:spPr>
+        <p:txBody>
+          <a:bodyPr>
+            <a:normAutofit/>
+          </a:bodyPr>
+          <a:lstStyle/>
+          <a:p>
+            <a:pPr eaLnBrk="1" hangingPunct="1"/>
+            <a:r>
+              <a:rPr lang="en-US" altLang="en-US" sz="4000" dirty="0" err="1" smtClean="0"/>
+              <a:t>Interprocess</a:t>
+            </a:r>
+            <a:r>
+              <a:rPr lang="en-US" altLang="en-US" sz="4000" dirty="0" smtClean="0"/>
+              <a:t> Communication –  Shared Memory</a:t>
+            </a:r>
+          </a:p>
+        </p:txBody>
+      </p:sp>
+      <p:sp>
+        <p:nvSpPr>
+          <p:cNvPr id="38915" name="Rectangle 3"/>
+          <p:cNvSpPr>
+            <a:spLocks noGrp="1" noChangeArrowheads="1"/>
+          </p:cNvSpPr>
+          <p:nvPr>
+            <p:ph type="body" idx="1"/>
+          </p:nvPr>
+        </p:nvSpPr>
+        <p:spPr>
+          <a:xfrm>
+            <a:off x="901700" y="1233489"/>
+            <a:ext cx="10464800" cy="4530725"/>
+          </a:xfrm>
+        </p:spPr>
+        <p:txBody>
+          <a:bodyPr>
+            <a:normAutofit lnSpcReduction="10000"/>
+          </a:bodyPr>
+          <a:lstStyle/>
+          <a:p>
+            <a:pPr>
+              <a:lnSpc>
+                <a:spcPct val="90000"/>
+              </a:lnSpc>
+            </a:pPr>
+            <a:r>
+              <a:rPr lang="en-US" altLang="en-US" dirty="0" smtClean="0"/>
+              <a:t>An area of memory shared among the processes that wish to communicate</a:t>
+            </a:r>
+          </a:p>
+          <a:p>
+            <a:pPr>
+              <a:lnSpc>
+                <a:spcPct val="90000"/>
+              </a:lnSpc>
+            </a:pPr>
+            <a:r>
+              <a:rPr lang="en-US" altLang="en-US" dirty="0" smtClean="0"/>
+              <a:t>The communication is under the control of the users processes not the operating system.</a:t>
+            </a:r>
+          </a:p>
+          <a:p>
+            <a:pPr>
+              <a:lnSpc>
+                <a:spcPct val="90000"/>
+              </a:lnSpc>
+            </a:pPr>
+            <a:r>
+              <a:rPr lang="en-US" altLang="en-US" dirty="0" smtClean="0"/>
+              <a:t>Major issues is to provide mechanism that will allow the user processes to synchronize their actions when they access shared memory. </a:t>
+            </a:r>
+          </a:p>
+          <a:p>
+            <a:pPr>
+              <a:lnSpc>
+                <a:spcPct val="90000"/>
+              </a:lnSpc>
+            </a:pPr>
+            <a:r>
+              <a:rPr lang="en-US" altLang="en-US" dirty="0" smtClean="0"/>
+              <a:t>Synchronization is discussed in great details in Chapter 5.</a:t>
+            </a:r>
+          </a:p>
+          <a:p>
+            <a:pPr>
+              <a:lnSpc>
+                <a:spcPct val="90000"/>
+              </a:lnSpc>
+            </a:pPr>
+            <a:endParaRPr lang="en-US" altLang="en-US" dirty="0" smtClean="0"/>
+          </a:p>
+          <a:p>
+            <a:pPr>
+              <a:lnSpc>
+                <a:spcPct val="90000"/>
+              </a:lnSpc>
+            </a:pPr>
+            <a:endParaRPr lang="en-US" altLang="en-US" dirty="0" smtClean="0"/>
+          </a:p>
+          <a:p>
+            <a:pPr lvl="1">
+              <a:lnSpc>
+                <a:spcPct val="90000"/>
+              </a:lnSpc>
+              <a:buFont typeface="Monotype Sorts" pitchFamily="-84" charset="2"/>
+              <a:buNone/>
+            </a:pPr>
+            <a:endParaRPr lang="en-US" altLang="en-US" dirty="0" smtClean="0"/>
+          </a:p>
+        </p:txBody>
+      </p:sp>
+      <p:sp>
+        <p:nvSpPr>
+          <p:cNvPr id="4" name="Номер слайда 5"/>
+          <p:cNvSpPr>
+            <a:spLocks noGrp="1"/>
+          </p:cNvSpPr>
+          <p:nvPr>
+            <p:ph type="sldNum" sz="quarter" idx="12"/>
+          </p:nvPr>
+        </p:nvSpPr>
+        <p:spPr>
+          <a:xfrm>
+            <a:off x="10776031" y="6190938"/>
+            <a:ext cx="594673" cy="479419"/>
+          </a:xfrm>
+        </p:spPr>
+        <p:txBody>
+          <a:bodyPr/>
+          <a:lstStyle/>
+          <a:p>
+            <a:pPr algn="ctr"/>
+            <a:fld id="{1397BFD8-F312-4EF2-A268-44FB4BDDBBB0}" type="slidenum">
+              <a:rPr lang="ru-RU" smtClean="0"/>
+              <a:pPr algn="ctr"/>
+              <a:t>29</a:t>
+            </a:fld>
+            <a:endParaRPr lang="ru-RU" dirty="0"/>
+          </a:p>
+        </p:txBody>
+      </p:sp>
+    </p:spTree>
+  </p:cSld>
+  <p:clrMapOvr>
+    <a:masterClrMapping/>
+  </p:clrMapOvr>
 </p:sld>
 </file>
 
@@ -9808,6 +10488,1808 @@
         </p:txBody>
       </p:sp>
     </p:spTree>
+  </p:cSld>
+  <p:clrMapOvr>
+    <a:masterClrMapping/>
+  </p:clrMapOvr>
+  <p:timing>
+    <p:tnLst>
+      <p:par>
+        <p:cTn id="1" dur="indefinite" restart="never" nodeType="tmRoot"/>
+      </p:par>
+    </p:tnLst>
+  </p:timing>
+</p:sld>
+</file>
+
+<file path=ppt/slides/slide30.xml><?xml version="1.0" encoding="utf-8"?>
+<p:sld xmlns:a="http://schemas.openxmlformats.org/drawingml/2006/main" xmlns:r="http://schemas.openxmlformats.org/officeDocument/2006/relationships" xmlns:p="http://schemas.openxmlformats.org/presentationml/2006/main">
+  <p:cSld>
+    <p:spTree>
+      <p:nvGrpSpPr>
+        <p:cNvPr id="1" name=""/>
+        <p:cNvGrpSpPr/>
+        <p:nvPr/>
+      </p:nvGrpSpPr>
+      <p:grpSpPr>
+        <a:xfrm>
+          <a:off x="0" y="0"/>
+          <a:ext cx="0" cy="0"/>
+          <a:chOff x="0" y="0"/>
+          <a:chExt cx="0" cy="0"/>
+        </a:xfrm>
+      </p:grpSpPr>
+      <p:sp>
+        <p:nvSpPr>
+          <p:cNvPr id="39938" name="Rectangle 2"/>
+          <p:cNvSpPr>
+            <a:spLocks noGrp="1" noChangeArrowheads="1"/>
+          </p:cNvSpPr>
+          <p:nvPr>
+            <p:ph type="title"/>
+          </p:nvPr>
+        </p:nvSpPr>
+        <p:spPr>
+          <a:xfrm>
+            <a:off x="876300" y="127001"/>
+            <a:ext cx="10464800" cy="812799"/>
+          </a:xfrm>
+        </p:spPr>
+        <p:txBody>
+          <a:bodyPr>
+            <a:noAutofit/>
+          </a:bodyPr>
+          <a:lstStyle/>
+          <a:p>
+            <a:pPr eaLnBrk="1" hangingPunct="1"/>
+            <a:r>
+              <a:rPr lang="en-US" altLang="en-US" sz="4000" dirty="0" err="1" smtClean="0"/>
+              <a:t>Interprocess</a:t>
+            </a:r>
+            <a:r>
+              <a:rPr lang="en-US" altLang="en-US" sz="4000" dirty="0" smtClean="0"/>
+              <a:t> Communication – Message Passing</a:t>
+            </a:r>
+          </a:p>
+        </p:txBody>
+      </p:sp>
+      <p:sp>
+        <p:nvSpPr>
+          <p:cNvPr id="39939" name="Rectangle 3"/>
+          <p:cNvSpPr>
+            <a:spLocks noGrp="1" noChangeArrowheads="1"/>
+          </p:cNvSpPr>
+          <p:nvPr>
+            <p:ph type="body" idx="1"/>
+          </p:nvPr>
+        </p:nvSpPr>
+        <p:spPr>
+          <a:xfrm>
+            <a:off x="863600" y="1201739"/>
+            <a:ext cx="10464800" cy="4856161"/>
+          </a:xfrm>
+        </p:spPr>
+        <p:txBody>
+          <a:bodyPr>
+            <a:normAutofit lnSpcReduction="10000"/>
+          </a:bodyPr>
+          <a:lstStyle/>
+          <a:p>
+            <a:pPr>
+              <a:lnSpc>
+                <a:spcPct val="90000"/>
+              </a:lnSpc>
+            </a:pPr>
+            <a:r>
+              <a:rPr lang="en-US" altLang="en-US" dirty="0" smtClean="0"/>
+              <a:t>Mechanism for processes to communicate and to synchronize their actions</a:t>
+            </a:r>
+          </a:p>
+          <a:p>
+            <a:pPr>
+              <a:lnSpc>
+                <a:spcPct val="90000"/>
+              </a:lnSpc>
+            </a:pPr>
+            <a:endParaRPr lang="en-US" altLang="en-US" sz="800" dirty="0" smtClean="0"/>
+          </a:p>
+          <a:p>
+            <a:pPr>
+              <a:lnSpc>
+                <a:spcPct val="90000"/>
+              </a:lnSpc>
+            </a:pPr>
+            <a:r>
+              <a:rPr lang="en-US" altLang="en-US" dirty="0" smtClean="0"/>
+              <a:t>Message system – processes communicate with each other without resorting to shared variables</a:t>
+            </a:r>
+          </a:p>
+          <a:p>
+            <a:pPr>
+              <a:lnSpc>
+                <a:spcPct val="90000"/>
+              </a:lnSpc>
+            </a:pPr>
+            <a:endParaRPr lang="en-US" altLang="en-US" sz="800" dirty="0" smtClean="0"/>
+          </a:p>
+          <a:p>
+            <a:pPr>
+              <a:lnSpc>
+                <a:spcPct val="90000"/>
+              </a:lnSpc>
+            </a:pPr>
+            <a:r>
+              <a:rPr lang="en-US" altLang="en-US" dirty="0" smtClean="0"/>
+              <a:t>IPC facility provides two operations:</a:t>
+            </a:r>
+          </a:p>
+          <a:p>
+            <a:pPr lvl="1">
+              <a:lnSpc>
+                <a:spcPct val="90000"/>
+              </a:lnSpc>
+            </a:pPr>
+            <a:r>
+              <a:rPr lang="en-US" altLang="en-US" b="1" dirty="0" smtClean="0">
+                <a:latin typeface="Courier New" pitchFamily="49" charset="0"/>
+                <a:cs typeface="Courier New" pitchFamily="49" charset="0"/>
+              </a:rPr>
+              <a:t>send</a:t>
+            </a:r>
+            <a:r>
+              <a:rPr lang="en-US" altLang="en-US" dirty="0" smtClean="0"/>
+              <a:t>(</a:t>
+            </a:r>
+            <a:r>
+              <a:rPr lang="en-US" altLang="en-US" i="1" dirty="0" smtClean="0"/>
+              <a:t>message</a:t>
+            </a:r>
+            <a:r>
+              <a:rPr lang="en-US" altLang="en-US" dirty="0" smtClean="0"/>
+              <a:t>)</a:t>
+            </a:r>
+          </a:p>
+          <a:p>
+            <a:pPr lvl="1">
+              <a:lnSpc>
+                <a:spcPct val="90000"/>
+              </a:lnSpc>
+            </a:pPr>
+            <a:r>
+              <a:rPr lang="en-US" altLang="en-US" b="1" dirty="0" smtClean="0">
+                <a:latin typeface="Courier New" pitchFamily="49" charset="0"/>
+                <a:cs typeface="Courier New" pitchFamily="49" charset="0"/>
+              </a:rPr>
+              <a:t>receive</a:t>
+            </a:r>
+            <a:r>
+              <a:rPr lang="en-US" altLang="en-US" dirty="0" smtClean="0"/>
+              <a:t>(</a:t>
+            </a:r>
+            <a:r>
+              <a:rPr lang="en-US" altLang="en-US" i="1" dirty="0" smtClean="0"/>
+              <a:t>message</a:t>
+            </a:r>
+            <a:r>
+              <a:rPr lang="en-US" altLang="en-US" dirty="0" smtClean="0"/>
+              <a:t>)</a:t>
+            </a:r>
+          </a:p>
+          <a:p>
+            <a:pPr lvl="1">
+              <a:lnSpc>
+                <a:spcPct val="90000"/>
+              </a:lnSpc>
+              <a:buFont typeface="Monotype Sorts" pitchFamily="-84" charset="2"/>
+              <a:buNone/>
+            </a:pPr>
+            <a:endParaRPr lang="en-US" altLang="en-US" sz="800" dirty="0" smtClean="0"/>
+          </a:p>
+          <a:p>
+            <a:pPr>
+              <a:lnSpc>
+                <a:spcPct val="90000"/>
+              </a:lnSpc>
+            </a:pPr>
+            <a:r>
+              <a:rPr lang="en-US" altLang="en-US" dirty="0" smtClean="0"/>
+              <a:t>The</a:t>
+            </a:r>
+            <a:r>
+              <a:rPr lang="en-US" altLang="en-US" i="1" dirty="0" smtClean="0"/>
+              <a:t> message</a:t>
+            </a:r>
+            <a:r>
+              <a:rPr lang="en-US" altLang="en-US" dirty="0" smtClean="0"/>
+              <a:t> size is either fixed or variable</a:t>
+            </a:r>
+          </a:p>
+          <a:p>
+            <a:pPr lvl="1">
+              <a:lnSpc>
+                <a:spcPct val="90000"/>
+              </a:lnSpc>
+              <a:buFont typeface="Monotype Sorts" pitchFamily="-84" charset="2"/>
+              <a:buNone/>
+            </a:pPr>
+            <a:endParaRPr lang="en-US" altLang="en-US" dirty="0" smtClean="0"/>
+          </a:p>
+        </p:txBody>
+      </p:sp>
+      <p:sp>
+        <p:nvSpPr>
+          <p:cNvPr id="4" name="Номер слайда 5"/>
+          <p:cNvSpPr>
+            <a:spLocks noGrp="1"/>
+          </p:cNvSpPr>
+          <p:nvPr>
+            <p:ph type="sldNum" sz="quarter" idx="12"/>
+          </p:nvPr>
+        </p:nvSpPr>
+        <p:spPr>
+          <a:xfrm>
+            <a:off x="10776031" y="6190938"/>
+            <a:ext cx="594673" cy="479419"/>
+          </a:xfrm>
+        </p:spPr>
+        <p:txBody>
+          <a:bodyPr/>
+          <a:lstStyle/>
+          <a:p>
+            <a:pPr algn="ctr"/>
+            <a:fld id="{1397BFD8-F312-4EF2-A268-44FB4BDDBBB0}" type="slidenum">
+              <a:rPr lang="ru-RU" smtClean="0"/>
+              <a:pPr algn="ctr"/>
+              <a:t>30</a:t>
+            </a:fld>
+            <a:endParaRPr lang="ru-RU" dirty="0"/>
+          </a:p>
+        </p:txBody>
+      </p:sp>
+    </p:spTree>
+  </p:cSld>
+  <p:clrMapOvr>
+    <a:masterClrMapping/>
+  </p:clrMapOvr>
+</p:sld>
+</file>
+
+<file path=ppt/slides/slide31.xml><?xml version="1.0" encoding="utf-8"?>
+<p:sld xmlns:a="http://schemas.openxmlformats.org/drawingml/2006/main" xmlns:r="http://schemas.openxmlformats.org/officeDocument/2006/relationships" xmlns:p="http://schemas.openxmlformats.org/presentationml/2006/main">
+  <p:cSld>
+    <p:spTree>
+      <p:nvGrpSpPr>
+        <p:cNvPr id="1" name=""/>
+        <p:cNvGrpSpPr/>
+        <p:nvPr/>
+      </p:nvGrpSpPr>
+      <p:grpSpPr>
+        <a:xfrm>
+          <a:off x="0" y="0"/>
+          <a:ext cx="0" cy="0"/>
+          <a:chOff x="0" y="0"/>
+          <a:chExt cx="0" cy="0"/>
+        </a:xfrm>
+      </p:grpSpPr>
+      <p:sp>
+        <p:nvSpPr>
+          <p:cNvPr id="14338" name="Rectangle 2"/>
+          <p:cNvSpPr>
+            <a:spLocks noGrp="1" noChangeArrowheads="1"/>
+          </p:cNvSpPr>
+          <p:nvPr>
+            <p:ph type="title"/>
+          </p:nvPr>
+        </p:nvSpPr>
+        <p:spPr>
+          <a:xfrm>
+            <a:off x="850901" y="152400"/>
+            <a:ext cx="10477500" cy="762000"/>
+          </a:xfrm>
+        </p:spPr>
+        <p:txBody>
+          <a:bodyPr>
+            <a:normAutofit fontScale="90000"/>
+          </a:bodyPr>
+          <a:lstStyle/>
+          <a:p>
+            <a:pPr eaLnBrk="1" hangingPunct="1"/>
+            <a:r>
+              <a:rPr lang="en-US" altLang="en-US" dirty="0" smtClean="0"/>
+              <a:t>User Threads and Kernel Threads</a:t>
+            </a:r>
+          </a:p>
+        </p:txBody>
+      </p:sp>
+      <p:sp>
+        <p:nvSpPr>
+          <p:cNvPr id="14339" name="Rectangle 3"/>
+          <p:cNvSpPr>
+            <a:spLocks noGrp="1" noChangeArrowheads="1"/>
+          </p:cNvSpPr>
+          <p:nvPr>
+            <p:ph type="body" idx="1"/>
+          </p:nvPr>
+        </p:nvSpPr>
+        <p:spPr>
+          <a:xfrm>
+            <a:off x="838200" y="1178052"/>
+            <a:ext cx="10515600" cy="5438647"/>
+          </a:xfrm>
+        </p:spPr>
+        <p:txBody>
+          <a:bodyPr>
+            <a:normAutofit fontScale="85000" lnSpcReduction="20000"/>
+          </a:bodyPr>
+          <a:lstStyle/>
+          <a:p>
+            <a:r>
+              <a:rPr lang="en-US" altLang="en-US" b="1" dirty="0" smtClean="0">
+                <a:solidFill>
+                  <a:srgbClr val="F7B217"/>
+                </a:solidFill>
+              </a:rPr>
+              <a:t>User threads</a:t>
+            </a:r>
+            <a:r>
+              <a:rPr lang="en-US" altLang="en-US" dirty="0" smtClean="0">
+                <a:solidFill>
+                  <a:srgbClr val="F7B217"/>
+                </a:solidFill>
+              </a:rPr>
+              <a:t> </a:t>
+            </a:r>
+            <a:r>
+              <a:rPr lang="en-US" altLang="en-US" dirty="0" smtClean="0"/>
+              <a:t>- management done by user-level threads library</a:t>
+            </a:r>
+          </a:p>
+          <a:p>
+            <a:r>
+              <a:rPr lang="en-US" altLang="en-US" dirty="0" smtClean="0"/>
+              <a:t>Three primary thread libraries:</a:t>
+            </a:r>
+          </a:p>
+          <a:p>
+            <a:pPr lvl="1"/>
+            <a:r>
+              <a:rPr lang="en-US" altLang="en-US" dirty="0" smtClean="0"/>
+              <a:t> POSIX </a:t>
+            </a:r>
+            <a:r>
+              <a:rPr lang="en-US" altLang="en-US" b="1" dirty="0" err="1" smtClean="0">
+                <a:solidFill>
+                  <a:srgbClr val="F7B217"/>
+                </a:solidFill>
+              </a:rPr>
+              <a:t>Pthreads</a:t>
+            </a:r>
+            <a:endParaRPr lang="en-US" altLang="en-US" b="1" i="1" dirty="0" smtClean="0">
+              <a:solidFill>
+                <a:srgbClr val="F7B217"/>
+              </a:solidFill>
+            </a:endParaRPr>
+          </a:p>
+          <a:p>
+            <a:pPr lvl="1"/>
+            <a:r>
+              <a:rPr lang="en-US" altLang="en-US" dirty="0" smtClean="0"/>
+              <a:t> Windows threads</a:t>
+            </a:r>
+          </a:p>
+          <a:p>
+            <a:pPr lvl="1"/>
+            <a:r>
+              <a:rPr lang="en-US" altLang="en-US" dirty="0" smtClean="0"/>
+              <a:t> Java threads</a:t>
+            </a:r>
+          </a:p>
+          <a:p>
+            <a:r>
+              <a:rPr lang="en-US" altLang="en-US" b="1" dirty="0" smtClean="0">
+                <a:solidFill>
+                  <a:srgbClr val="F7B217"/>
+                </a:solidFill>
+              </a:rPr>
+              <a:t>Kernel threads </a:t>
+            </a:r>
+            <a:r>
+              <a:rPr lang="en-US" altLang="en-US" dirty="0" smtClean="0"/>
+              <a:t>- Supported by the Kernel</a:t>
+            </a:r>
+          </a:p>
+          <a:p>
+            <a:r>
+              <a:rPr lang="en-US" altLang="en-US" dirty="0" smtClean="0"/>
+              <a:t>Examples – virtually all general purpose operating systems, including:</a:t>
+            </a:r>
+          </a:p>
+          <a:p>
+            <a:pPr lvl="1"/>
+            <a:r>
+              <a:rPr lang="en-US" altLang="en-US" dirty="0" smtClean="0"/>
+              <a:t>Windows </a:t>
+            </a:r>
+          </a:p>
+          <a:p>
+            <a:pPr lvl="1"/>
+            <a:r>
+              <a:rPr lang="en-US" altLang="en-US" dirty="0" smtClean="0"/>
+              <a:t>Solaris</a:t>
+            </a:r>
+          </a:p>
+          <a:p>
+            <a:pPr lvl="1"/>
+            <a:r>
+              <a:rPr lang="en-US" altLang="en-US" dirty="0" smtClean="0"/>
+              <a:t>Linux</a:t>
+            </a:r>
+          </a:p>
+          <a:p>
+            <a:pPr lvl="1"/>
+            <a:r>
+              <a:rPr lang="en-US" altLang="en-US" dirty="0" smtClean="0"/>
+              <a:t>Tru64 UNIX</a:t>
+            </a:r>
+          </a:p>
+          <a:p>
+            <a:pPr lvl="1"/>
+            <a:r>
+              <a:rPr lang="en-US" altLang="en-US" dirty="0" smtClean="0"/>
+              <a:t>Mac OS X</a:t>
+            </a:r>
+          </a:p>
+          <a:p>
+            <a:pPr lvl="1"/>
+            <a:endParaRPr lang="en-US" altLang="en-US" dirty="0" smtClean="0"/>
+          </a:p>
+        </p:txBody>
+      </p:sp>
+      <p:sp>
+        <p:nvSpPr>
+          <p:cNvPr id="4" name="Номер слайда 5"/>
+          <p:cNvSpPr>
+            <a:spLocks noGrp="1"/>
+          </p:cNvSpPr>
+          <p:nvPr>
+            <p:ph type="sldNum" sz="quarter" idx="12"/>
+          </p:nvPr>
+        </p:nvSpPr>
+        <p:spPr>
+          <a:xfrm>
+            <a:off x="10776031" y="6190938"/>
+            <a:ext cx="594673" cy="479419"/>
+          </a:xfrm>
+        </p:spPr>
+        <p:txBody>
+          <a:bodyPr/>
+          <a:lstStyle/>
+          <a:p>
+            <a:pPr algn="ctr"/>
+            <a:fld id="{1397BFD8-F312-4EF2-A268-44FB4BDDBBB0}" type="slidenum">
+              <a:rPr lang="ru-RU" smtClean="0"/>
+              <a:pPr algn="ctr"/>
+              <a:t>31</a:t>
+            </a:fld>
+            <a:endParaRPr lang="ru-RU" dirty="0"/>
+          </a:p>
+        </p:txBody>
+      </p:sp>
+    </p:spTree>
+  </p:cSld>
+  <p:clrMapOvr>
+    <a:masterClrMapping/>
+  </p:clrMapOvr>
+  <p:timing>
+    <p:tnLst>
+      <p:par>
+        <p:cTn id="1" dur="indefinite" restart="never" nodeType="tmRoot"/>
+      </p:par>
+    </p:tnLst>
+  </p:timing>
+</p:sld>
+</file>
+
+<file path=ppt/slides/slide32.xml><?xml version="1.0" encoding="utf-8"?>
+<p:sld xmlns:a="http://schemas.openxmlformats.org/drawingml/2006/main" xmlns:r="http://schemas.openxmlformats.org/officeDocument/2006/relationships" xmlns:p="http://schemas.openxmlformats.org/presentationml/2006/main">
+  <p:cSld>
+    <p:spTree>
+      <p:nvGrpSpPr>
+        <p:cNvPr id="1" name=""/>
+        <p:cNvGrpSpPr/>
+        <p:nvPr/>
+      </p:nvGrpSpPr>
+      <p:grpSpPr>
+        <a:xfrm>
+          <a:off x="0" y="0"/>
+          <a:ext cx="0" cy="0"/>
+          <a:chOff x="0" y="0"/>
+          <a:chExt cx="0" cy="0"/>
+        </a:xfrm>
+      </p:grpSpPr>
+      <p:sp>
+        <p:nvSpPr>
+          <p:cNvPr id="21506" name="Rectangle 2"/>
+          <p:cNvSpPr>
+            <a:spLocks noGrp="1" noChangeArrowheads="1"/>
+          </p:cNvSpPr>
+          <p:nvPr>
+            <p:ph type="title"/>
+          </p:nvPr>
+        </p:nvSpPr>
+        <p:spPr>
+          <a:xfrm>
+            <a:off x="850900" y="177800"/>
+            <a:ext cx="10490200" cy="762000"/>
+          </a:xfrm>
+        </p:spPr>
+        <p:txBody>
+          <a:bodyPr>
+            <a:normAutofit fontScale="90000"/>
+          </a:bodyPr>
+          <a:lstStyle/>
+          <a:p>
+            <a:pPr eaLnBrk="1" hangingPunct="1"/>
+            <a:r>
+              <a:rPr lang="en-US" altLang="en-US" sz="4900" dirty="0" err="1" smtClean="0"/>
+              <a:t>Pthreads</a:t>
+            </a:r>
+            <a:endParaRPr lang="en-US" altLang="en-US" dirty="0" smtClean="0"/>
+          </a:p>
+        </p:txBody>
+      </p:sp>
+      <p:sp>
+        <p:nvSpPr>
+          <p:cNvPr id="21507" name="Rectangle 3"/>
+          <p:cNvSpPr>
+            <a:spLocks noGrp="1" noChangeArrowheads="1"/>
+          </p:cNvSpPr>
+          <p:nvPr>
+            <p:ph type="body" idx="1"/>
+          </p:nvPr>
+        </p:nvSpPr>
+        <p:spPr>
+          <a:xfrm>
+            <a:off x="1075267" y="1233489"/>
+            <a:ext cx="9355667" cy="4465637"/>
+          </a:xfrm>
+        </p:spPr>
+        <p:txBody>
+          <a:bodyPr>
+            <a:normAutofit fontScale="92500"/>
+          </a:bodyPr>
+          <a:lstStyle/>
+          <a:p>
+            <a:r>
+              <a:rPr lang="en-US" altLang="en-US" smtClean="0"/>
+              <a:t>May be provided either as user-level or kernel-level</a:t>
+            </a:r>
+          </a:p>
+          <a:p>
+            <a:r>
+              <a:rPr lang="en-US" altLang="en-US" smtClean="0"/>
+              <a:t>A POSIX standard (IEEE 1003.1c) API for thread creation and synchronization</a:t>
+            </a:r>
+          </a:p>
+          <a:p>
+            <a:r>
+              <a:rPr lang="en-US" altLang="en-US" b="1" i="1" smtClean="0"/>
+              <a:t>Specification</a:t>
+            </a:r>
+            <a:r>
+              <a:rPr lang="en-US" altLang="en-US" smtClean="0"/>
+              <a:t>, not </a:t>
+            </a:r>
+            <a:r>
+              <a:rPr lang="en-US" altLang="en-US" b="1" i="1" smtClean="0"/>
+              <a:t>implementation</a:t>
+            </a:r>
+            <a:endParaRPr lang="en-US" altLang="en-US" smtClean="0"/>
+          </a:p>
+          <a:p>
+            <a:r>
+              <a:rPr lang="en-US" altLang="en-US" smtClean="0"/>
+              <a:t>API specifies behavior of the thread library, implementation is up to development of the library</a:t>
+            </a:r>
+          </a:p>
+          <a:p>
+            <a:r>
+              <a:rPr lang="en-US" altLang="en-US" smtClean="0"/>
+              <a:t>Common in UNIX operating systems (Solaris, Linux, Mac OS X)</a:t>
+            </a:r>
+          </a:p>
+          <a:p>
+            <a:pPr>
+              <a:buFont typeface="Monotype Sorts" pitchFamily="-84" charset="2"/>
+              <a:buNone/>
+            </a:pPr>
+            <a:endParaRPr lang="en-US" altLang="en-US" smtClean="0"/>
+          </a:p>
+        </p:txBody>
+      </p:sp>
+      <p:sp>
+        <p:nvSpPr>
+          <p:cNvPr id="4" name="Номер слайда 5"/>
+          <p:cNvSpPr>
+            <a:spLocks noGrp="1"/>
+          </p:cNvSpPr>
+          <p:nvPr>
+            <p:ph type="sldNum" sz="quarter" idx="12"/>
+          </p:nvPr>
+        </p:nvSpPr>
+        <p:spPr>
+          <a:xfrm>
+            <a:off x="10776031" y="6190938"/>
+            <a:ext cx="594673" cy="479419"/>
+          </a:xfrm>
+        </p:spPr>
+        <p:txBody>
+          <a:bodyPr/>
+          <a:lstStyle/>
+          <a:p>
+            <a:pPr algn="ctr"/>
+            <a:fld id="{1397BFD8-F312-4EF2-A268-44FB4BDDBBB0}" type="slidenum">
+              <a:rPr lang="ru-RU" smtClean="0"/>
+              <a:pPr algn="ctr"/>
+              <a:t>32</a:t>
+            </a:fld>
+            <a:endParaRPr lang="ru-RU" dirty="0"/>
+          </a:p>
+        </p:txBody>
+      </p:sp>
+    </p:spTree>
+  </p:cSld>
+  <p:clrMapOvr>
+    <a:masterClrMapping/>
+  </p:clrMapOvr>
+  <p:timing>
+    <p:tnLst>
+      <p:par>
+        <p:cTn id="1" dur="indefinite" restart="never" nodeType="tmRoot"/>
+      </p:par>
+    </p:tnLst>
+  </p:timing>
+</p:sld>
+</file>
+
+<file path=ppt/slides/slide33.xml><?xml version="1.0" encoding="utf-8"?>
+<p:sld xmlns:a="http://schemas.openxmlformats.org/drawingml/2006/main" xmlns:r="http://schemas.openxmlformats.org/officeDocument/2006/relationships" xmlns:p="http://schemas.openxmlformats.org/presentationml/2006/main">
+  <p:cSld>
+    <p:spTree>
+      <p:nvGrpSpPr>
+        <p:cNvPr id="1" name=""/>
+        <p:cNvGrpSpPr/>
+        <p:nvPr/>
+      </p:nvGrpSpPr>
+      <p:grpSpPr>
+        <a:xfrm>
+          <a:off x="0" y="0"/>
+          <a:ext cx="0" cy="0"/>
+          <a:chOff x="0" y="0"/>
+          <a:chExt cx="0" cy="0"/>
+        </a:xfrm>
+      </p:grpSpPr>
+      <p:sp>
+        <p:nvSpPr>
+          <p:cNvPr id="22530" name="Title 1"/>
+          <p:cNvSpPr>
+            <a:spLocks noGrp="1"/>
+          </p:cNvSpPr>
+          <p:nvPr>
+            <p:ph type="title"/>
+          </p:nvPr>
+        </p:nvSpPr>
+        <p:spPr>
+          <a:xfrm>
+            <a:off x="863600" y="165100"/>
+            <a:ext cx="10502900" cy="774700"/>
+          </a:xfrm>
+        </p:spPr>
+        <p:txBody>
+          <a:bodyPr>
+            <a:normAutofit/>
+          </a:bodyPr>
+          <a:lstStyle/>
+          <a:p>
+            <a:r>
+              <a:rPr lang="en-US" altLang="en-US" sz="4400" dirty="0" err="1" smtClean="0"/>
+              <a:t>Pthreads</a:t>
+            </a:r>
+            <a:r>
+              <a:rPr lang="en-US" altLang="en-US" sz="4400" dirty="0" smtClean="0"/>
+              <a:t> Example</a:t>
+            </a:r>
+          </a:p>
+        </p:txBody>
+      </p:sp>
+      <p:pic>
+        <p:nvPicPr>
+          <p:cNvPr id="22531" name="Picture 1" descr="Screen Shot 2012-12-04 at 8.50.38 PM.png"/>
+          <p:cNvPicPr>
+            <a:picLocks noChangeAspect="1"/>
+          </p:cNvPicPr>
+          <p:nvPr/>
+        </p:nvPicPr>
+        <p:blipFill>
+          <a:blip r:embed="rId2" cstate="print"/>
+          <a:srcRect/>
+          <a:stretch>
+            <a:fillRect/>
+          </a:stretch>
+        </p:blipFill>
+        <p:spPr bwMode="auto">
+          <a:xfrm>
+            <a:off x="1833033" y="1090613"/>
+            <a:ext cx="8705851" cy="4868862"/>
+          </a:xfrm>
+          <a:prstGeom prst="rect">
+            <a:avLst/>
+          </a:prstGeom>
+          <a:noFill/>
+          <a:ln w="9525">
+            <a:noFill/>
+            <a:miter lim="800000"/>
+            <a:headEnd/>
+            <a:tailEnd/>
+          </a:ln>
+        </p:spPr>
+      </p:pic>
+      <p:sp>
+        <p:nvSpPr>
+          <p:cNvPr id="4" name="Номер слайда 5"/>
+          <p:cNvSpPr>
+            <a:spLocks noGrp="1"/>
+          </p:cNvSpPr>
+          <p:nvPr>
+            <p:ph type="sldNum" sz="quarter" idx="12"/>
+          </p:nvPr>
+        </p:nvSpPr>
+        <p:spPr>
+          <a:xfrm>
+            <a:off x="10776031" y="6190938"/>
+            <a:ext cx="594673" cy="479419"/>
+          </a:xfrm>
+        </p:spPr>
+        <p:txBody>
+          <a:bodyPr/>
+          <a:lstStyle/>
+          <a:p>
+            <a:pPr algn="ctr"/>
+            <a:fld id="{1397BFD8-F312-4EF2-A268-44FB4BDDBBB0}" type="slidenum">
+              <a:rPr lang="ru-RU" smtClean="0"/>
+              <a:pPr algn="ctr"/>
+              <a:t>33</a:t>
+            </a:fld>
+            <a:endParaRPr lang="ru-RU" dirty="0"/>
+          </a:p>
+        </p:txBody>
+      </p:sp>
+    </p:spTree>
+  </p:cSld>
+  <p:clrMapOvr>
+    <a:masterClrMapping/>
+  </p:clrMapOvr>
+  <p:timing>
+    <p:tnLst>
+      <p:par>
+        <p:cTn id="1" dur="indefinite" restart="never" nodeType="tmRoot"/>
+      </p:par>
+    </p:tnLst>
+  </p:timing>
+</p:sld>
+</file>
+
+<file path=ppt/slides/slide34.xml><?xml version="1.0" encoding="utf-8"?>
+<p:sld xmlns:a="http://schemas.openxmlformats.org/drawingml/2006/main" xmlns:r="http://schemas.openxmlformats.org/officeDocument/2006/relationships" xmlns:p="http://schemas.openxmlformats.org/presentationml/2006/main">
+  <p:cSld>
+    <p:spTree>
+      <p:nvGrpSpPr>
+        <p:cNvPr id="1" name=""/>
+        <p:cNvGrpSpPr/>
+        <p:nvPr/>
+      </p:nvGrpSpPr>
+      <p:grpSpPr>
+        <a:xfrm>
+          <a:off x="0" y="0"/>
+          <a:ext cx="0" cy="0"/>
+          <a:chOff x="0" y="0"/>
+          <a:chExt cx="0" cy="0"/>
+        </a:xfrm>
+      </p:grpSpPr>
+      <p:sp>
+        <p:nvSpPr>
+          <p:cNvPr id="23554" name="Title 1"/>
+          <p:cNvSpPr>
+            <a:spLocks noGrp="1"/>
+          </p:cNvSpPr>
+          <p:nvPr>
+            <p:ph type="title"/>
+          </p:nvPr>
+        </p:nvSpPr>
+        <p:spPr>
+          <a:xfrm>
+            <a:off x="850900" y="165100"/>
+            <a:ext cx="10515600" cy="749300"/>
+          </a:xfrm>
+        </p:spPr>
+        <p:txBody>
+          <a:bodyPr>
+            <a:normAutofit fontScale="90000"/>
+          </a:bodyPr>
+          <a:lstStyle/>
+          <a:p>
+            <a:r>
+              <a:rPr lang="en-US" altLang="en-US" dirty="0" err="1" smtClean="0"/>
+              <a:t>Pthreads</a:t>
+            </a:r>
+            <a:r>
+              <a:rPr lang="en-US" altLang="en-US" dirty="0" smtClean="0"/>
+              <a:t> Example (Cont.)</a:t>
+            </a:r>
+          </a:p>
+        </p:txBody>
+      </p:sp>
+      <p:pic>
+        <p:nvPicPr>
+          <p:cNvPr id="23555" name="Picture 1"/>
+          <p:cNvPicPr>
+            <a:picLocks noChangeAspect="1"/>
+          </p:cNvPicPr>
+          <p:nvPr/>
+        </p:nvPicPr>
+        <p:blipFill>
+          <a:blip r:embed="rId2" cstate="print"/>
+          <a:srcRect/>
+          <a:stretch>
+            <a:fillRect/>
+          </a:stretch>
+        </p:blipFill>
+        <p:spPr bwMode="auto">
+          <a:xfrm>
+            <a:off x="2495551" y="1084264"/>
+            <a:ext cx="7727949" cy="5337175"/>
+          </a:xfrm>
+          <a:prstGeom prst="rect">
+            <a:avLst/>
+          </a:prstGeom>
+          <a:noFill/>
+          <a:ln w="9525">
+            <a:noFill/>
+            <a:miter lim="800000"/>
+            <a:headEnd/>
+            <a:tailEnd/>
+          </a:ln>
+        </p:spPr>
+      </p:pic>
+      <p:sp>
+        <p:nvSpPr>
+          <p:cNvPr id="4" name="Номер слайда 5"/>
+          <p:cNvSpPr>
+            <a:spLocks noGrp="1"/>
+          </p:cNvSpPr>
+          <p:nvPr>
+            <p:ph type="sldNum" sz="quarter" idx="12"/>
+          </p:nvPr>
+        </p:nvSpPr>
+        <p:spPr>
+          <a:xfrm>
+            <a:off x="10776031" y="6190938"/>
+            <a:ext cx="594673" cy="479419"/>
+          </a:xfrm>
+        </p:spPr>
+        <p:txBody>
+          <a:bodyPr/>
+          <a:lstStyle/>
+          <a:p>
+            <a:pPr algn="ctr"/>
+            <a:fld id="{1397BFD8-F312-4EF2-A268-44FB4BDDBBB0}" type="slidenum">
+              <a:rPr lang="ru-RU" smtClean="0"/>
+              <a:pPr algn="ctr"/>
+              <a:t>34</a:t>
+            </a:fld>
+            <a:endParaRPr lang="ru-RU" dirty="0"/>
+          </a:p>
+        </p:txBody>
+      </p:sp>
+    </p:spTree>
+  </p:cSld>
+  <p:clrMapOvr>
+    <a:masterClrMapping/>
+  </p:clrMapOvr>
+  <p:timing>
+    <p:tnLst>
+      <p:par>
+        <p:cTn id="1" dur="indefinite" restart="never" nodeType="tmRoot"/>
+      </p:par>
+    </p:tnLst>
+  </p:timing>
+</p:sld>
+</file>
+
+<file path=ppt/slides/slide35.xml><?xml version="1.0" encoding="utf-8"?>
+<p:sld xmlns:a="http://schemas.openxmlformats.org/drawingml/2006/main" xmlns:r="http://schemas.openxmlformats.org/officeDocument/2006/relationships" xmlns:p="http://schemas.openxmlformats.org/presentationml/2006/main">
+  <p:cSld>
+    <p:spTree>
+      <p:nvGrpSpPr>
+        <p:cNvPr id="1" name=""/>
+        <p:cNvGrpSpPr/>
+        <p:nvPr/>
+      </p:nvGrpSpPr>
+      <p:grpSpPr>
+        <a:xfrm>
+          <a:off x="0" y="0"/>
+          <a:ext cx="0" cy="0"/>
+          <a:chOff x="0" y="0"/>
+          <a:chExt cx="0" cy="0"/>
+        </a:xfrm>
+      </p:grpSpPr>
+      <p:sp>
+        <p:nvSpPr>
+          <p:cNvPr id="24578" name="Title 1"/>
+          <p:cNvSpPr>
+            <a:spLocks noGrp="1"/>
+          </p:cNvSpPr>
+          <p:nvPr>
+            <p:ph type="title"/>
+          </p:nvPr>
+        </p:nvSpPr>
+        <p:spPr>
+          <a:xfrm>
+            <a:off x="876301" y="165100"/>
+            <a:ext cx="10439400" cy="787400"/>
+          </a:xfrm>
+        </p:spPr>
+        <p:txBody>
+          <a:bodyPr>
+            <a:normAutofit/>
+          </a:bodyPr>
+          <a:lstStyle/>
+          <a:p>
+            <a:r>
+              <a:rPr lang="en-US" altLang="en-US" sz="4000" dirty="0" err="1" smtClean="0"/>
+              <a:t>Pthreads</a:t>
+            </a:r>
+            <a:r>
+              <a:rPr lang="en-US" altLang="en-US" sz="4000" dirty="0" smtClean="0"/>
+              <a:t> Code for Joining 10 Threads</a:t>
+            </a:r>
+          </a:p>
+        </p:txBody>
+      </p:sp>
+      <p:pic>
+        <p:nvPicPr>
+          <p:cNvPr id="24579" name="Picture 1"/>
+          <p:cNvPicPr>
+            <a:picLocks noChangeAspect="1"/>
+          </p:cNvPicPr>
+          <p:nvPr/>
+        </p:nvPicPr>
+        <p:blipFill>
+          <a:blip r:embed="rId2" cstate="print"/>
+          <a:srcRect/>
+          <a:stretch>
+            <a:fillRect/>
+          </a:stretch>
+        </p:blipFill>
+        <p:spPr bwMode="auto">
+          <a:xfrm>
+            <a:off x="2470151" y="1447800"/>
+            <a:ext cx="7251700" cy="2133600"/>
+          </a:xfrm>
+          <a:prstGeom prst="rect">
+            <a:avLst/>
+          </a:prstGeom>
+          <a:noFill/>
+          <a:ln w="9525">
+            <a:noFill/>
+            <a:miter lim="800000"/>
+            <a:headEnd/>
+            <a:tailEnd/>
+          </a:ln>
+        </p:spPr>
+      </p:pic>
+      <p:sp>
+        <p:nvSpPr>
+          <p:cNvPr id="4" name="Номер слайда 5"/>
+          <p:cNvSpPr>
+            <a:spLocks noGrp="1"/>
+          </p:cNvSpPr>
+          <p:nvPr>
+            <p:ph type="sldNum" sz="quarter" idx="12"/>
+          </p:nvPr>
+        </p:nvSpPr>
+        <p:spPr>
+          <a:xfrm>
+            <a:off x="10776031" y="6190938"/>
+            <a:ext cx="594673" cy="479419"/>
+          </a:xfrm>
+        </p:spPr>
+        <p:txBody>
+          <a:bodyPr/>
+          <a:lstStyle/>
+          <a:p>
+            <a:pPr algn="ctr"/>
+            <a:fld id="{1397BFD8-F312-4EF2-A268-44FB4BDDBBB0}" type="slidenum">
+              <a:rPr lang="ru-RU" smtClean="0"/>
+              <a:pPr algn="ctr"/>
+              <a:t>35</a:t>
+            </a:fld>
+            <a:endParaRPr lang="ru-RU" dirty="0"/>
+          </a:p>
+        </p:txBody>
+      </p:sp>
+    </p:spTree>
+  </p:cSld>
+  <p:clrMapOvr>
+    <a:masterClrMapping/>
+  </p:clrMapOvr>
+  <p:timing>
+    <p:tnLst>
+      <p:par>
+        <p:cTn id="1" dur="indefinite" restart="never" nodeType="tmRoot"/>
+      </p:par>
+    </p:tnLst>
+  </p:timing>
+</p:sld>
+</file>
+
+<file path=ppt/slides/slide36.xml><?xml version="1.0" encoding="utf-8"?>
+<p:sld xmlns:a="http://schemas.openxmlformats.org/drawingml/2006/main" xmlns:r="http://schemas.openxmlformats.org/officeDocument/2006/relationships" xmlns:p="http://schemas.openxmlformats.org/presentationml/2006/main">
+  <p:cSld>
+    <p:spTree>
+      <p:nvGrpSpPr>
+        <p:cNvPr id="1" name=""/>
+        <p:cNvGrpSpPr/>
+        <p:nvPr/>
+      </p:nvGrpSpPr>
+      <p:grpSpPr>
+        <a:xfrm>
+          <a:off x="0" y="0"/>
+          <a:ext cx="0" cy="0"/>
+          <a:chOff x="0" y="0"/>
+          <a:chExt cx="0" cy="0"/>
+        </a:xfrm>
+      </p:grpSpPr>
+      <p:sp>
+        <p:nvSpPr>
+          <p:cNvPr id="25602" name="Title 1"/>
+          <p:cNvSpPr>
+            <a:spLocks noGrp="1"/>
+          </p:cNvSpPr>
+          <p:nvPr>
+            <p:ph type="title"/>
+          </p:nvPr>
+        </p:nvSpPr>
+        <p:spPr>
+          <a:xfrm>
+            <a:off x="889001" y="177800"/>
+            <a:ext cx="10426700" cy="749300"/>
+          </a:xfrm>
+        </p:spPr>
+        <p:txBody>
+          <a:bodyPr>
+            <a:normAutofit fontScale="90000"/>
+          </a:bodyPr>
+          <a:lstStyle/>
+          <a:p>
+            <a:r>
+              <a:rPr lang="en-US" altLang="en-US" dirty="0" smtClean="0"/>
+              <a:t>Windows  Multithreaded C Program</a:t>
+            </a:r>
+          </a:p>
+        </p:txBody>
+      </p:sp>
+      <p:pic>
+        <p:nvPicPr>
+          <p:cNvPr id="25603" name="Picture 1" descr="Screen Shot 2012-12-04 at 9.06.58 PM.png"/>
+          <p:cNvPicPr>
+            <a:picLocks noChangeAspect="1"/>
+          </p:cNvPicPr>
+          <p:nvPr/>
+        </p:nvPicPr>
+        <p:blipFill>
+          <a:blip r:embed="rId2" cstate="print"/>
+          <a:srcRect/>
+          <a:stretch>
+            <a:fillRect/>
+          </a:stretch>
+        </p:blipFill>
+        <p:spPr bwMode="auto">
+          <a:xfrm>
+            <a:off x="2495551" y="1028700"/>
+            <a:ext cx="7076016" cy="5697538"/>
+          </a:xfrm>
+          <a:prstGeom prst="rect">
+            <a:avLst/>
+          </a:prstGeom>
+          <a:noFill/>
+          <a:ln w="9525">
+            <a:noFill/>
+            <a:miter lim="800000"/>
+            <a:headEnd/>
+            <a:tailEnd/>
+          </a:ln>
+        </p:spPr>
+      </p:pic>
+      <p:sp>
+        <p:nvSpPr>
+          <p:cNvPr id="4" name="Номер слайда 5"/>
+          <p:cNvSpPr>
+            <a:spLocks noGrp="1"/>
+          </p:cNvSpPr>
+          <p:nvPr>
+            <p:ph type="sldNum" sz="quarter" idx="12"/>
+          </p:nvPr>
+        </p:nvSpPr>
+        <p:spPr>
+          <a:xfrm>
+            <a:off x="10776031" y="6190938"/>
+            <a:ext cx="594673" cy="479419"/>
+          </a:xfrm>
+        </p:spPr>
+        <p:txBody>
+          <a:bodyPr/>
+          <a:lstStyle/>
+          <a:p>
+            <a:pPr algn="ctr"/>
+            <a:fld id="{1397BFD8-F312-4EF2-A268-44FB4BDDBBB0}" type="slidenum">
+              <a:rPr lang="ru-RU" smtClean="0"/>
+              <a:pPr algn="ctr"/>
+              <a:t>36</a:t>
+            </a:fld>
+            <a:endParaRPr lang="ru-RU" dirty="0"/>
+          </a:p>
+        </p:txBody>
+      </p:sp>
+    </p:spTree>
+  </p:cSld>
+  <p:clrMapOvr>
+    <a:masterClrMapping/>
+  </p:clrMapOvr>
+  <p:timing>
+    <p:tnLst>
+      <p:par>
+        <p:cTn id="1" dur="indefinite" restart="never" nodeType="tmRoot"/>
+      </p:par>
+    </p:tnLst>
+  </p:timing>
+</p:sld>
+</file>
+
+<file path=ppt/slides/slide37.xml><?xml version="1.0" encoding="utf-8"?>
+<p:sld xmlns:a="http://schemas.openxmlformats.org/drawingml/2006/main" xmlns:r="http://schemas.openxmlformats.org/officeDocument/2006/relationships" xmlns:p="http://schemas.openxmlformats.org/presentationml/2006/main">
+  <p:cSld>
+    <p:spTree>
+      <p:nvGrpSpPr>
+        <p:cNvPr id="1" name=""/>
+        <p:cNvGrpSpPr/>
+        <p:nvPr/>
+      </p:nvGrpSpPr>
+      <p:grpSpPr>
+        <a:xfrm>
+          <a:off x="0" y="0"/>
+          <a:ext cx="0" cy="0"/>
+          <a:chOff x="0" y="0"/>
+          <a:chExt cx="0" cy="0"/>
+        </a:xfrm>
+      </p:grpSpPr>
+      <p:sp>
+        <p:nvSpPr>
+          <p:cNvPr id="26626" name="Title 1"/>
+          <p:cNvSpPr>
+            <a:spLocks noGrp="1"/>
+          </p:cNvSpPr>
+          <p:nvPr>
+            <p:ph type="title"/>
+          </p:nvPr>
+        </p:nvSpPr>
+        <p:spPr>
+          <a:xfrm>
+            <a:off x="838201" y="165100"/>
+            <a:ext cx="10540999" cy="825500"/>
+          </a:xfrm>
+        </p:spPr>
+        <p:txBody>
+          <a:bodyPr>
+            <a:normAutofit/>
+          </a:bodyPr>
+          <a:lstStyle/>
+          <a:p>
+            <a:r>
+              <a:rPr lang="en-US" altLang="en-US" sz="4000" dirty="0" smtClean="0"/>
+              <a:t>Windows  Multithreaded C Program (Cont.)</a:t>
+            </a:r>
+          </a:p>
+        </p:txBody>
+      </p:sp>
+      <p:pic>
+        <p:nvPicPr>
+          <p:cNvPr id="26627" name="Picture 1" descr="Screen Shot 2012-12-04 at 9.08.08 PM.png"/>
+          <p:cNvPicPr>
+            <a:picLocks noChangeAspect="1"/>
+          </p:cNvPicPr>
+          <p:nvPr/>
+        </p:nvPicPr>
+        <p:blipFill>
+          <a:blip r:embed="rId2" cstate="print"/>
+          <a:srcRect/>
+          <a:stretch>
+            <a:fillRect/>
+          </a:stretch>
+        </p:blipFill>
+        <p:spPr bwMode="auto">
+          <a:xfrm>
+            <a:off x="2271184" y="1196975"/>
+            <a:ext cx="8697383" cy="5006975"/>
+          </a:xfrm>
+          <a:prstGeom prst="rect">
+            <a:avLst/>
+          </a:prstGeom>
+          <a:noFill/>
+          <a:ln w="9525">
+            <a:noFill/>
+            <a:miter lim="800000"/>
+            <a:headEnd/>
+            <a:tailEnd/>
+          </a:ln>
+        </p:spPr>
+      </p:pic>
+      <p:sp>
+        <p:nvSpPr>
+          <p:cNvPr id="4" name="Номер слайда 5"/>
+          <p:cNvSpPr>
+            <a:spLocks noGrp="1"/>
+          </p:cNvSpPr>
+          <p:nvPr>
+            <p:ph type="sldNum" sz="quarter" idx="12"/>
+          </p:nvPr>
+        </p:nvSpPr>
+        <p:spPr>
+          <a:xfrm>
+            <a:off x="10776031" y="6190938"/>
+            <a:ext cx="594673" cy="479419"/>
+          </a:xfrm>
+        </p:spPr>
+        <p:txBody>
+          <a:bodyPr/>
+          <a:lstStyle/>
+          <a:p>
+            <a:pPr algn="ctr"/>
+            <a:fld id="{1397BFD8-F312-4EF2-A268-44FB4BDDBBB0}" type="slidenum">
+              <a:rPr lang="ru-RU" smtClean="0"/>
+              <a:pPr algn="ctr"/>
+              <a:t>37</a:t>
+            </a:fld>
+            <a:endParaRPr lang="ru-RU" dirty="0"/>
+          </a:p>
+        </p:txBody>
+      </p:sp>
+    </p:spTree>
+  </p:cSld>
+  <p:clrMapOvr>
+    <a:masterClrMapping/>
+  </p:clrMapOvr>
+  <p:timing>
+    <p:tnLst>
+      <p:par>
+        <p:cTn id="1" dur="indefinite" restart="never" nodeType="tmRoot"/>
+      </p:par>
+    </p:tnLst>
+  </p:timing>
+</p:sld>
+</file>
+
+<file path=ppt/slides/slide38.xml><?xml version="1.0" encoding="utf-8"?>
+<p:sld xmlns:a="http://schemas.openxmlformats.org/drawingml/2006/main" xmlns:r="http://schemas.openxmlformats.org/officeDocument/2006/relationships" xmlns:p="http://schemas.openxmlformats.org/presentationml/2006/main">
+  <p:cSld>
+    <p:spTree>
+      <p:nvGrpSpPr>
+        <p:cNvPr id="1" name=""/>
+        <p:cNvGrpSpPr/>
+        <p:nvPr/>
+      </p:nvGrpSpPr>
+      <p:grpSpPr>
+        <a:xfrm>
+          <a:off x="0" y="0"/>
+          <a:ext cx="0" cy="0"/>
+          <a:chOff x="0" y="0"/>
+          <a:chExt cx="0" cy="0"/>
+        </a:xfrm>
+      </p:grpSpPr>
+      <p:sp>
+        <p:nvSpPr>
+          <p:cNvPr id="4" name="Прямоугольник 3"/>
+          <p:cNvSpPr/>
+          <p:nvPr/>
+        </p:nvSpPr>
+        <p:spPr>
+          <a:xfrm>
+            <a:off x="2664999" y="472120"/>
+            <a:ext cx="7524751" cy="5262979"/>
+          </a:xfrm>
+          <a:prstGeom prst="rect">
+            <a:avLst/>
+          </a:prstGeom>
+          <a:noFill/>
+          <a:ln>
+            <a:noFill/>
+          </a:ln>
+          <a:scene3d>
+            <a:camera prst="perspectiveRelaxed"/>
+            <a:lightRig rig="threePt" dir="t"/>
+          </a:scene3d>
+        </p:spPr>
+        <p:txBody>
+          <a:bodyPr wrap="square" lIns="91440" tIns="45720" rIns="91440" bIns="45720">
+            <a:spAutoFit/>
+          </a:bodyPr>
+          <a:lstStyle/>
+          <a:p>
+            <a:r>
+              <a:rPr lang="en-US" sz="2400" dirty="0" smtClean="0">
+                <a:ln w="0"/>
+                <a:solidFill>
+                  <a:srgbClr val="273272"/>
+                </a:solidFill>
+                <a:effectLst>
+                  <a:reflection blurRad="6350" stA="53000" endA="300" endPos="35500" dir="5400000" sy="-90000" algn="bl" rotWithShape="0"/>
+                </a:effectLst>
+                <a:latin typeface="Courier New" pitchFamily="49" charset="0"/>
+                <a:cs typeface="Courier New" pitchFamily="49" charset="0"/>
+              </a:rPr>
+              <a:t>		</a:t>
+            </a:r>
+          </a:p>
+          <a:p>
+            <a:r>
+              <a:rPr lang="en-US" sz="2400" dirty="0" smtClean="0">
+                <a:ln w="0"/>
+                <a:solidFill>
+                  <a:srgbClr val="273272"/>
+                </a:solidFill>
+                <a:effectLst>
+                  <a:reflection blurRad="6350" stA="53000" endA="300" endPos="35500" dir="5400000" sy="-90000" algn="bl" rotWithShape="0"/>
+                </a:effectLst>
+                <a:latin typeface="Courier New" pitchFamily="49" charset="0"/>
+                <a:cs typeface="Courier New" pitchFamily="49" charset="0"/>
+              </a:rPr>
+              <a:t>		.text</a:t>
+            </a:r>
+          </a:p>
+          <a:p>
+            <a:r>
+              <a:rPr lang="en-US" sz="2400" dirty="0" smtClean="0">
+                <a:ln w="0"/>
+                <a:solidFill>
+                  <a:srgbClr val="273272"/>
+                </a:solidFill>
+                <a:effectLst>
+                  <a:reflection blurRad="6350" stA="53000" endA="300" endPos="35500" dir="5400000" sy="-90000" algn="bl" rotWithShape="0"/>
+                </a:effectLst>
+                <a:latin typeface="Courier New" pitchFamily="49" charset="0"/>
+                <a:cs typeface="Courier New" pitchFamily="49" charset="0"/>
+              </a:rPr>
+              <a:t>__start:	addi t1, zero, 0x18</a:t>
+            </a:r>
+          </a:p>
+          <a:p>
+            <a:r>
+              <a:rPr lang="en-US" sz="2400" dirty="0" smtClean="0">
+                <a:ln w="0"/>
+                <a:solidFill>
+                  <a:srgbClr val="273272"/>
+                </a:solidFill>
+                <a:effectLst>
+                  <a:reflection blurRad="6350" stA="53000" endA="300" endPos="35500" dir="5400000" sy="-90000" algn="bl" rotWithShape="0"/>
+                </a:effectLst>
+                <a:latin typeface="Courier New" pitchFamily="49" charset="0"/>
+                <a:cs typeface="Courier New" pitchFamily="49" charset="0"/>
+              </a:rPr>
+              <a:t>		addi t2, zero, 0x21</a:t>
+            </a:r>
+          </a:p>
+          <a:p>
+            <a:r>
+              <a:rPr lang="en-US" sz="2400" dirty="0" smtClean="0">
+                <a:ln w="0"/>
+                <a:solidFill>
+                  <a:srgbClr val="273272"/>
+                </a:solidFill>
+                <a:effectLst>
+                  <a:reflection blurRad="6350" stA="53000" endA="300" endPos="35500" dir="5400000" sy="-90000" algn="bl" rotWithShape="0"/>
+                </a:effectLst>
+                <a:latin typeface="Courier New" pitchFamily="49" charset="0"/>
+                <a:cs typeface="Courier New" pitchFamily="49" charset="0"/>
+              </a:rPr>
+              <a:t>cycle:	</a:t>
+            </a:r>
+            <a:r>
+              <a:rPr lang="en-US" sz="2400" dirty="0" err="1" smtClean="0">
+                <a:ln w="0"/>
+                <a:solidFill>
+                  <a:srgbClr val="273272"/>
+                </a:solidFill>
+                <a:effectLst>
+                  <a:reflection blurRad="6350" stA="53000" endA="300" endPos="35500" dir="5400000" sy="-90000" algn="bl" rotWithShape="0"/>
+                </a:effectLst>
+                <a:latin typeface="Courier New" pitchFamily="49" charset="0"/>
+                <a:cs typeface="Courier New" pitchFamily="49" charset="0"/>
+              </a:rPr>
+              <a:t>beq</a:t>
+            </a:r>
+            <a:r>
+              <a:rPr lang="en-US" sz="2400" dirty="0" smtClean="0">
+                <a:ln w="0"/>
+                <a:solidFill>
+                  <a:srgbClr val="273272"/>
+                </a:solidFill>
+                <a:effectLst>
+                  <a:reflection blurRad="6350" stA="53000" endA="300" endPos="35500" dir="5400000" sy="-90000" algn="bl" rotWithShape="0"/>
+                </a:effectLst>
+                <a:latin typeface="Courier New" pitchFamily="49" charset="0"/>
+                <a:cs typeface="Courier New" pitchFamily="49" charset="0"/>
+              </a:rPr>
+              <a:t> t1, t2, done</a:t>
+            </a:r>
+          </a:p>
+          <a:p>
+            <a:r>
+              <a:rPr lang="en-US" sz="2400" dirty="0" smtClean="0">
+                <a:ln w="0"/>
+                <a:solidFill>
+                  <a:srgbClr val="273272"/>
+                </a:solidFill>
+                <a:effectLst>
+                  <a:reflection blurRad="6350" stA="53000" endA="300" endPos="35500" dir="5400000" sy="-90000" algn="bl" rotWithShape="0"/>
+                </a:effectLst>
+                <a:latin typeface="Courier New" pitchFamily="49" charset="0"/>
+                <a:cs typeface="Courier New" pitchFamily="49" charset="0"/>
+              </a:rPr>
+              <a:t>		</a:t>
+            </a:r>
+            <a:r>
+              <a:rPr lang="en-US" sz="2400" dirty="0" err="1" smtClean="0">
+                <a:ln w="0"/>
+                <a:solidFill>
+                  <a:srgbClr val="273272"/>
+                </a:solidFill>
+                <a:effectLst>
+                  <a:reflection blurRad="6350" stA="53000" endA="300" endPos="35500" dir="5400000" sy="-90000" algn="bl" rotWithShape="0"/>
+                </a:effectLst>
+                <a:latin typeface="Courier New" pitchFamily="49" charset="0"/>
+                <a:cs typeface="Courier New" pitchFamily="49" charset="0"/>
+              </a:rPr>
+              <a:t>slt</a:t>
+            </a:r>
+            <a:r>
+              <a:rPr lang="en-US" sz="2400" dirty="0" smtClean="0">
+                <a:ln w="0"/>
+                <a:solidFill>
+                  <a:srgbClr val="273272"/>
+                </a:solidFill>
+                <a:effectLst>
+                  <a:reflection blurRad="6350" stA="53000" endA="300" endPos="35500" dir="5400000" sy="-90000" algn="bl" rotWithShape="0"/>
+                </a:effectLst>
+                <a:latin typeface="Courier New" pitchFamily="49" charset="0"/>
+                <a:cs typeface="Courier New" pitchFamily="49" charset="0"/>
+              </a:rPr>
+              <a:t> t0, t1, t2</a:t>
+            </a:r>
+          </a:p>
+          <a:p>
+            <a:r>
+              <a:rPr lang="en-US" sz="2400" dirty="0" smtClean="0">
+                <a:ln w="0"/>
+                <a:solidFill>
+                  <a:srgbClr val="273272"/>
+                </a:solidFill>
+                <a:effectLst>
+                  <a:reflection blurRad="6350" stA="53000" endA="300" endPos="35500" dir="5400000" sy="-90000" algn="bl" rotWithShape="0"/>
+                </a:effectLst>
+                <a:latin typeface="Courier New" pitchFamily="49" charset="0"/>
+                <a:cs typeface="Courier New" pitchFamily="49" charset="0"/>
+              </a:rPr>
+              <a:t>		</a:t>
+            </a:r>
+            <a:r>
+              <a:rPr lang="en-US" sz="2400" dirty="0" err="1" smtClean="0">
+                <a:ln w="0"/>
+                <a:solidFill>
+                  <a:srgbClr val="273272"/>
+                </a:solidFill>
+                <a:effectLst>
+                  <a:reflection blurRad="6350" stA="53000" endA="300" endPos="35500" dir="5400000" sy="-90000" algn="bl" rotWithShape="0"/>
+                </a:effectLst>
+                <a:latin typeface="Courier New" pitchFamily="49" charset="0"/>
+                <a:cs typeface="Courier New" pitchFamily="49" charset="0"/>
+              </a:rPr>
+              <a:t>bne</a:t>
+            </a:r>
+            <a:r>
+              <a:rPr lang="en-US" sz="2400" dirty="0" smtClean="0">
+                <a:ln w="0"/>
+                <a:solidFill>
+                  <a:srgbClr val="273272"/>
+                </a:solidFill>
+                <a:effectLst>
+                  <a:reflection blurRad="6350" stA="53000" endA="300" endPos="35500" dir="5400000" sy="-90000" algn="bl" rotWithShape="0"/>
+                </a:effectLst>
+                <a:latin typeface="Courier New" pitchFamily="49" charset="0"/>
+                <a:cs typeface="Courier New" pitchFamily="49" charset="0"/>
+              </a:rPr>
+              <a:t> t0, zero, </a:t>
+            </a:r>
+            <a:r>
+              <a:rPr lang="en-US" sz="2400" dirty="0" err="1" smtClean="0">
+                <a:ln w="0"/>
+                <a:solidFill>
+                  <a:srgbClr val="273272"/>
+                </a:solidFill>
+                <a:effectLst>
+                  <a:reflection blurRad="6350" stA="53000" endA="300" endPos="35500" dir="5400000" sy="-90000" algn="bl" rotWithShape="0"/>
+                </a:effectLst>
+                <a:latin typeface="Courier New" pitchFamily="49" charset="0"/>
+                <a:cs typeface="Courier New" pitchFamily="49" charset="0"/>
+              </a:rPr>
+              <a:t>if_less</a:t>
+            </a:r>
+            <a:endParaRPr lang="en-US" sz="2400" dirty="0" smtClean="0">
+              <a:ln w="0"/>
+              <a:solidFill>
+                <a:srgbClr val="273272"/>
+              </a:solidFill>
+              <a:effectLst>
+                <a:reflection blurRad="6350" stA="53000" endA="300" endPos="35500" dir="5400000" sy="-90000" algn="bl" rotWithShape="0"/>
+              </a:effectLst>
+              <a:latin typeface="Courier New" pitchFamily="49" charset="0"/>
+              <a:cs typeface="Courier New" pitchFamily="49" charset="0"/>
+            </a:endParaRPr>
+          </a:p>
+          <a:p>
+            <a:r>
+              <a:rPr lang="en-US" sz="2400" dirty="0" smtClean="0">
+                <a:ln w="0"/>
+                <a:solidFill>
+                  <a:srgbClr val="273272"/>
+                </a:solidFill>
+                <a:effectLst>
+                  <a:reflection blurRad="6350" stA="53000" endA="300" endPos="35500" dir="5400000" sy="-90000" algn="bl" rotWithShape="0"/>
+                </a:effectLst>
+                <a:latin typeface="Courier New" pitchFamily="49" charset="0"/>
+                <a:cs typeface="Courier New" pitchFamily="49" charset="0"/>
+              </a:rPr>
+              <a:t>		</a:t>
+            </a:r>
+            <a:r>
+              <a:rPr lang="en-US" sz="2400" dirty="0" err="1" smtClean="0">
+                <a:ln w="0"/>
+                <a:solidFill>
+                  <a:srgbClr val="273272"/>
+                </a:solidFill>
+                <a:effectLst>
+                  <a:reflection blurRad="6350" stA="53000" endA="300" endPos="35500" dir="5400000" sy="-90000" algn="bl" rotWithShape="0"/>
+                </a:effectLst>
+                <a:latin typeface="Courier New" pitchFamily="49" charset="0"/>
+                <a:cs typeface="Courier New" pitchFamily="49" charset="0"/>
+              </a:rPr>
+              <a:t>nop</a:t>
+            </a:r>
+            <a:endParaRPr lang="en-US" sz="2400" dirty="0" smtClean="0">
+              <a:ln w="0"/>
+              <a:solidFill>
+                <a:srgbClr val="273272"/>
+              </a:solidFill>
+              <a:effectLst>
+                <a:reflection blurRad="6350" stA="53000" endA="300" endPos="35500" dir="5400000" sy="-90000" algn="bl" rotWithShape="0"/>
+              </a:effectLst>
+              <a:latin typeface="Courier New" pitchFamily="49" charset="0"/>
+              <a:cs typeface="Courier New" pitchFamily="49" charset="0"/>
+            </a:endParaRPr>
+          </a:p>
+          <a:p>
+            <a:r>
+              <a:rPr lang="en-US" sz="2400" dirty="0" smtClean="0">
+                <a:ln w="0"/>
+                <a:solidFill>
+                  <a:srgbClr val="273272"/>
+                </a:solidFill>
+                <a:effectLst>
+                  <a:reflection blurRad="6350" stA="53000" endA="300" endPos="35500" dir="5400000" sy="-90000" algn="bl" rotWithShape="0"/>
+                </a:effectLst>
+                <a:latin typeface="Courier New" pitchFamily="49" charset="0"/>
+                <a:cs typeface="Courier New" pitchFamily="49" charset="0"/>
+              </a:rPr>
+              <a:t>		sub t1, t1, t2</a:t>
+            </a:r>
+          </a:p>
+          <a:p>
+            <a:r>
+              <a:rPr lang="en-US" sz="2400" dirty="0" smtClean="0">
+                <a:ln w="0"/>
+                <a:solidFill>
+                  <a:srgbClr val="273272"/>
+                </a:solidFill>
+                <a:effectLst>
+                  <a:reflection blurRad="6350" stA="53000" endA="300" endPos="35500" dir="5400000" sy="-90000" algn="bl" rotWithShape="0"/>
+                </a:effectLst>
+                <a:latin typeface="Courier New" pitchFamily="49" charset="0"/>
+                <a:cs typeface="Courier New" pitchFamily="49" charset="0"/>
+              </a:rPr>
+              <a:t>		j cycle</a:t>
+            </a:r>
+          </a:p>
+          <a:p>
+            <a:r>
+              <a:rPr lang="en-US" sz="2400" dirty="0" smtClean="0">
+                <a:ln w="0"/>
+                <a:solidFill>
+                  <a:srgbClr val="273272"/>
+                </a:solidFill>
+                <a:effectLst>
+                  <a:reflection blurRad="6350" stA="53000" endA="300" endPos="35500" dir="5400000" sy="-90000" algn="bl" rotWithShape="0"/>
+                </a:effectLst>
+                <a:latin typeface="Courier New" pitchFamily="49" charset="0"/>
+                <a:cs typeface="Courier New" pitchFamily="49" charset="0"/>
+              </a:rPr>
+              <a:t>		</a:t>
+            </a:r>
+            <a:r>
+              <a:rPr lang="en-US" sz="2400" dirty="0" err="1" smtClean="0">
+                <a:ln w="0"/>
+                <a:solidFill>
+                  <a:srgbClr val="273272"/>
+                </a:solidFill>
+                <a:effectLst>
+                  <a:reflection blurRad="6350" stA="53000" endA="300" endPos="35500" dir="5400000" sy="-90000" algn="bl" rotWithShape="0"/>
+                </a:effectLst>
+                <a:latin typeface="Courier New" pitchFamily="49" charset="0"/>
+                <a:cs typeface="Courier New" pitchFamily="49" charset="0"/>
+              </a:rPr>
+              <a:t>nop</a:t>
+            </a:r>
+            <a:endParaRPr lang="en-US" sz="2400" dirty="0" smtClean="0">
+              <a:ln w="0"/>
+              <a:solidFill>
+                <a:srgbClr val="273272"/>
+              </a:solidFill>
+              <a:effectLst>
+                <a:reflection blurRad="6350" stA="53000" endA="300" endPos="35500" dir="5400000" sy="-90000" algn="bl" rotWithShape="0"/>
+              </a:effectLst>
+              <a:latin typeface="Courier New" pitchFamily="49" charset="0"/>
+              <a:cs typeface="Courier New" pitchFamily="49" charset="0"/>
+            </a:endParaRPr>
+          </a:p>
+          <a:p>
+            <a:r>
+              <a:rPr lang="en-US" sz="2400" dirty="0" err="1" smtClean="0">
+                <a:ln w="0"/>
+                <a:solidFill>
+                  <a:srgbClr val="273272"/>
+                </a:solidFill>
+                <a:effectLst>
+                  <a:reflection blurRad="6350" stA="53000" endA="300" endPos="35500" dir="5400000" sy="-90000" algn="bl" rotWithShape="0"/>
+                </a:effectLst>
+                <a:latin typeface="Courier New" pitchFamily="49" charset="0"/>
+                <a:cs typeface="Courier New" pitchFamily="49" charset="0"/>
+              </a:rPr>
+              <a:t>if_less</a:t>
+            </a:r>
+            <a:r>
+              <a:rPr lang="en-US" sz="2400" dirty="0" smtClean="0">
+                <a:ln w="0"/>
+                <a:solidFill>
+                  <a:srgbClr val="273272"/>
+                </a:solidFill>
+                <a:effectLst>
+                  <a:reflection blurRad="6350" stA="53000" endA="300" endPos="35500" dir="5400000" sy="-90000" algn="bl" rotWithShape="0"/>
+                </a:effectLst>
+                <a:latin typeface="Courier New" pitchFamily="49" charset="0"/>
+                <a:cs typeface="Courier New" pitchFamily="49" charset="0"/>
+              </a:rPr>
+              <a:t>:	sub t2, t2, t1</a:t>
+            </a:r>
+          </a:p>
+          <a:p>
+            <a:r>
+              <a:rPr lang="en-US" sz="2400" dirty="0" smtClean="0">
+                <a:ln w="0"/>
+                <a:solidFill>
+                  <a:srgbClr val="273272"/>
+                </a:solidFill>
+                <a:effectLst>
+                  <a:reflection blurRad="6350" stA="53000" endA="300" endPos="35500" dir="5400000" sy="-90000" algn="bl" rotWithShape="0"/>
+                </a:effectLst>
+                <a:latin typeface="Courier New" pitchFamily="49" charset="0"/>
+                <a:cs typeface="Courier New" pitchFamily="49" charset="0"/>
+              </a:rPr>
+              <a:t>		j cycle</a:t>
+            </a:r>
+          </a:p>
+          <a:p>
+            <a:r>
+              <a:rPr lang="en-US" sz="2400" dirty="0" smtClean="0">
+                <a:ln w="0"/>
+                <a:solidFill>
+                  <a:srgbClr val="273272"/>
+                </a:solidFill>
+                <a:effectLst>
+                  <a:reflection blurRad="6350" stA="53000" endA="300" endPos="35500" dir="5400000" sy="-90000" algn="bl" rotWithShape="0"/>
+                </a:effectLst>
+                <a:latin typeface="Courier New" pitchFamily="49" charset="0"/>
+                <a:cs typeface="Courier New" pitchFamily="49" charset="0"/>
+              </a:rPr>
+              <a:t>done:		add t3, t1, zero</a:t>
+            </a:r>
+            <a:endParaRPr lang="ru-RU" sz="2400" b="0" cap="none" spc="0" dirty="0">
+              <a:ln w="0"/>
+              <a:solidFill>
+                <a:srgbClr val="273272"/>
+              </a:solidFill>
+              <a:effectLst>
+                <a:reflection blurRad="6350" stA="53000" endA="300" endPos="35500" dir="5400000" sy="-90000" algn="bl" rotWithShape="0"/>
+              </a:effectLst>
+              <a:latin typeface="Courier New" pitchFamily="49" charset="0"/>
+              <a:cs typeface="Courier New" pitchFamily="49" charset="0"/>
+            </a:endParaRPr>
+          </a:p>
+        </p:txBody>
+      </p:sp>
+      <p:sp>
+        <p:nvSpPr>
+          <p:cNvPr id="2" name="Заголовок 1"/>
+          <p:cNvSpPr>
+            <a:spLocks noGrp="1"/>
+          </p:cNvSpPr>
+          <p:nvPr>
+            <p:ph type="title"/>
+          </p:nvPr>
+        </p:nvSpPr>
+        <p:spPr/>
+        <p:txBody>
+          <a:bodyPr>
+            <a:normAutofit/>
+          </a:bodyPr>
+          <a:lstStyle/>
+          <a:p>
+            <a:r>
+              <a:rPr lang="en-US" dirty="0" smtClean="0"/>
+              <a:t>Any Questions?</a:t>
+            </a:r>
+            <a:endParaRPr lang="ru-RU" sz="4000" dirty="0"/>
+          </a:p>
+        </p:txBody>
+      </p:sp>
+      <p:sp>
+        <p:nvSpPr>
+          <p:cNvPr id="6" name="Номер слайда 5"/>
+          <p:cNvSpPr>
+            <a:spLocks noGrp="1"/>
+          </p:cNvSpPr>
+          <p:nvPr>
+            <p:ph type="sldNum" sz="quarter" idx="12"/>
+          </p:nvPr>
+        </p:nvSpPr>
+        <p:spPr/>
+        <p:txBody>
+          <a:bodyPr/>
+          <a:lstStyle/>
+          <a:p>
+            <a:pPr algn="ctr"/>
+            <a:fld id="{1397BFD8-F312-4EF2-A268-44FB4BDDBBB0}" type="slidenum">
+              <a:rPr lang="ru-RU" smtClean="0"/>
+              <a:pPr algn="ctr"/>
+              <a:t>38</a:t>
+            </a:fld>
+            <a:endParaRPr lang="ru-RU" dirty="0"/>
+          </a:p>
+        </p:txBody>
+      </p:sp>
+    </p:spTree>
+    <p:extLst>
+      <p:ext uri="{BB962C8B-B14F-4D97-AF65-F5344CB8AC3E}">
+        <p14:creationId xmlns:p14="http://schemas.microsoft.com/office/powerpoint/2010/main" xmlns="" val="4217875043"/>
+      </p:ext>
+    </p:extLst>
   </p:cSld>
   <p:clrMapOvr>
     <a:masterClrMapping/>
@@ -9924,6 +12406,13 @@
   <p:clrMapOvr>
     <a:masterClrMapping/>
   </p:clrMapOvr>
+  <p:timing>
+    <p:tnLst>
+      <p:par>
+        <p:cTn id="1" dur="indefinite" restart="never" nodeType="tmRoot"/>
+      </p:par>
+    </p:tnLst>
+  </p:timing>
 </p:sld>
 </file>
 
@@ -10561,6 +13050,13 @@
   <p:clrMapOvr>
     <a:masterClrMapping/>
   </p:clrMapOvr>
+  <p:timing>
+    <p:tnLst>
+      <p:par>
+        <p:cTn id="1" dur="indefinite" restart="never" nodeType="tmRoot"/>
+      </p:par>
+    </p:tnLst>
+  </p:timing>
 </p:sld>
 </file>
 
@@ -11000,7 +13496,7 @@
   <a:extraClrSchemeLst/>
   <a:extLst>
     <a:ext uri="{05A4C25C-085E-4340-85A3-A5531E510DB2}">
-      <thm15:themeFamily xmlns="" xmlns:thm15="http://schemas.microsoft.com/office/thememl/2012/main" name="Office Theme" id="{62F939B6-93AF-4DB8-9C6B-D6C7DFDC589F}" vid="{4A3C46E8-61CC-4603-A589-7422A47A8E4A}"/>
+      <thm15:themeFamily xmlns:thm15="http://schemas.microsoft.com/office/thememl/2012/main" xmlns="" name="Office Theme" id="{62F939B6-93AF-4DB8-9C6B-D6C7DFDC589F}" vid="{4A3C46E8-61CC-4603-A589-7422A47A8E4A}"/>
     </a:ext>
   </a:extLst>
 </a:theme>
@@ -11261,7 +13757,7 @@
   <a:extraClrSchemeLst/>
   <a:extLst>
     <a:ext uri="{05A4C25C-085E-4340-85A3-A5531E510DB2}">
-      <thm15:themeFamily xmlns="" xmlns:thm15="http://schemas.microsoft.com/office/thememl/2012/main" name="Office Theme" id="{62F939B6-93AF-4DB8-9C6B-D6C7DFDC589F}" vid="{4A3C46E8-61CC-4603-A589-7422A47A8E4A}"/>
+      <thm15:themeFamily xmlns:thm15="http://schemas.microsoft.com/office/thememl/2012/main" xmlns="" name="Office Theme" id="{62F939B6-93AF-4DB8-9C6B-D6C7DFDC589F}" vid="{4A3C46E8-61CC-4603-A589-7422A47A8E4A}"/>
     </a:ext>
   </a:extLst>
 </a:theme>
@@ -11522,7 +14018,7 @@
   <a:extraClrSchemeLst/>
   <a:extLst>
     <a:ext uri="{05A4C25C-085E-4340-85A3-A5531E510DB2}">
-      <thm15:themeFamily xmlns="" xmlns:thm15="http://schemas.microsoft.com/office/thememl/2012/main" name="Office Theme" id="{62F939B6-93AF-4DB8-9C6B-D6C7DFDC589F}" vid="{4A3C46E8-61CC-4603-A589-7422A47A8E4A}"/>
+      <thm15:themeFamily xmlns:thm15="http://schemas.microsoft.com/office/thememl/2012/main" xmlns="" name="Office Theme" id="{62F939B6-93AF-4DB8-9C6B-D6C7DFDC589F}" vid="{4A3C46E8-61CC-4603-A589-7422A47A8E4A}"/>
     </a:ext>
   </a:extLst>
 </a:theme>
